--- a/Slides/2 - Print.pptx
+++ b/Slides/2 - Print.pptx
@@ -14,9 +14,9 @@
     <p:sldId id="283" r:id="rId49"/>
     <p:sldId id="290" r:id="rId50"/>
     <p:sldId id="291" r:id="rId51"/>
-    <p:sldId id="294" r:id="rId52"/>
-    <p:sldId id="293" r:id="rId53"/>
-    <p:sldId id="295" r:id="rId54"/>
+    <p:sldId id="296" r:id="rId52"/>
+    <p:sldId id="294" r:id="rId53"/>
+    <p:sldId id="298" r:id="rId54"/>
     <p:sldId id="257" r:id="rId55"/>
   </p:sldIdLst>
   <p:sldSz cx="12436475" cy="6994525"/>
@@ -124,9 +124,9 @@
             <p14:sldId id="283"/>
             <p14:sldId id="290"/>
             <p14:sldId id="291"/>
+            <p14:sldId id="296"/>
             <p14:sldId id="294"/>
-            <p14:sldId id="293"/>
-            <p14:sldId id="295"/>
+            <p14:sldId id="298"/>
             <p14:sldId id="257"/>
           </p14:sldIdLst>
         </p14:section>
@@ -191,22 +191,6 @@
 
 <file path=ppt/changesInfos/changesInfo1.xml><?xml version="1.0" encoding="utf-8"?>
 <pc:chgInfo xmlns:a="http://schemas.openxmlformats.org/drawingml/2006/main" xmlns:r="http://schemas.openxmlformats.org/officeDocument/2006/relationships" xmlns:ac="http://schemas.microsoft.com/office/drawing/2013/main/command" xmlns:pc="http://schemas.microsoft.com/office/powerpoint/2013/main/command">
-  <pc:docChgLst>
-    <pc:chgData name="susan ibach" userId="11074aa641b35c68" providerId="LiveId" clId="{1A228EA5-80D7-4DE3-963B-2B21C083739F}"/>
-    <pc:docChg chg="modSld">
-      <pc:chgData name="susan ibach" userId="11074aa641b35c68" providerId="LiveId" clId="{1A228EA5-80D7-4DE3-963B-2B21C083739F}" dt="2019-06-09T14:24:52.752" v="0"/>
-      <pc:docMkLst>
-        <pc:docMk/>
-      </pc:docMkLst>
-      <pc:sldChg chg="modTransition">
-        <pc:chgData name="susan ibach" userId="11074aa641b35c68" providerId="LiveId" clId="{1A228EA5-80D7-4DE3-963B-2B21C083739F}" dt="2019-06-09T14:24:52.752" v="0"/>
-        <pc:sldMkLst>
-          <pc:docMk/>
-          <pc:sldMk cId="4227282232" sldId="290"/>
-        </pc:sldMkLst>
-      </pc:sldChg>
-    </pc:docChg>
-  </pc:docChgLst>
   <pc:docChgLst>
     <pc:chgData name="Christopher Harrison" userId="3a6027744156af90" providerId="Windows Live" clId="Web-{F6508225-DBD4-47FE-9B1C-63D0018B8B62}"/>
     <pc:docChg chg="">
@@ -440,6 +424,22 @@
     </pc:docChg>
   </pc:docChgLst>
   <pc:docChgLst>
+    <pc:chgData name="susan ibach" userId="11074aa641b35c68" providerId="LiveId" clId="{1A228EA5-80D7-4DE3-963B-2B21C083739F}"/>
+    <pc:docChg chg="modSld">
+      <pc:chgData name="susan ibach" userId="11074aa641b35c68" providerId="LiveId" clId="{1A228EA5-80D7-4DE3-963B-2B21C083739F}" dt="2019-06-09T14:24:52.752" v="0"/>
+      <pc:docMkLst>
+        <pc:docMk/>
+      </pc:docMkLst>
+      <pc:sldChg chg="modTransition">
+        <pc:chgData name="susan ibach" userId="11074aa641b35c68" providerId="LiveId" clId="{1A228EA5-80D7-4DE3-963B-2B21C083739F}" dt="2019-06-09T14:24:52.752" v="0"/>
+        <pc:sldMkLst>
+          <pc:docMk/>
+          <pc:sldMk cId="4227282232" sldId="290"/>
+        </pc:sldMkLst>
+      </pc:sldChg>
+    </pc:docChg>
+  </pc:docChgLst>
+  <pc:docChgLst>
     <pc:chgData name="susan ibach" userId="11074aa641b35c68" providerId="LiveId" clId="{6F4F8DBB-541D-40AE-9E0F-F813958B83A4}"/>
     <pc:docChg chg="undo custSel addSld delSld modSld sldOrd modSection">
       <pc:chgData name="susan ibach" userId="11074aa641b35c68" providerId="LiveId" clId="{6F4F8DBB-541D-40AE-9E0F-F813958B83A4}" dt="2019-05-20T17:43:00.433" v="358" actId="6549"/>
@@ -558,6 +558,21 @@
 </p:cmLst>
 </file>
 
+<file path=ppt/comments/comment2.xml><?xml version="1.0" encoding="utf-8"?>
+<p:cmLst xmlns:a="http://schemas.openxmlformats.org/drawingml/2006/main" xmlns:r="http://schemas.openxmlformats.org/officeDocument/2006/relationships" xmlns:p="http://schemas.openxmlformats.org/presentationml/2006/main">
+  <p:cm authorId="4" dt="2019-05-24T07:45:32.538" idx="3">
+    <p:pos x="7594" y="858"/>
+    <p:text>We should call out PEP 8 which highlights the guidelines for formatting Python. (Specific to strings, the only thing they say WRT quotes is to be consistent
+</p:text>
+    <p:extLst>
+      <p:ext uri="{C676402C-5697-4E1C-873F-D02D1690AC5C}">
+        <p15:threadingInfo xmlns:p15="http://schemas.microsoft.com/office/powerpoint/2012/main" timeZoneBias="420"/>
+      </p:ext>
+    </p:extLst>
+  </p:cm>
+</p:cmLst>
+</file>
+
 <file path=ppt/handoutMasters/handoutMaster1.xml><?xml version="1.0" encoding="utf-8"?>
 <p:handoutMaster xmlns:a="http://schemas.openxmlformats.org/drawingml/2006/main" xmlns:r="http://schemas.openxmlformats.org/officeDocument/2006/relationships" xmlns:p="http://schemas.openxmlformats.org/presentationml/2006/main">
   <p:cSld>
@@ -644,7 +659,7 @@
               <a:rPr lang="en-US" smtClean="0">
                 <a:latin typeface="Segoe UI" pitchFamily="34" charset="0"/>
               </a:rPr>
-              <a:t>6/9/2019 10:24 AM</a:t>
+              <a:t>6/9/2019 4:01 PM</a:t>
             </a:fld>
             <a:endParaRPr lang="en-US" dirty="0">
               <a:latin typeface="Segoe UI" pitchFamily="34" charset="0"/>
@@ -922,7 +937,7 @@
           <a:p>
             <a:fld id="{38EEC551-8CDA-4EB6-89BB-2A86C9F091C8}" type="datetime8">
               <a:rPr lang="en-US" smtClean="0"/>
-              <a:t>6/9/2019 10:24 AM</a:t>
+              <a:t>6/9/2019 3:58 PM</a:t>
             </a:fld>
             <a:endParaRPr lang="en-US" dirty="0"/>
           </a:p>
@@ -1256,7 +1271,7 @@
           <a:p>
             <a:fld id="{6108602D-D426-4C00-B215-BFA18C076426}" type="datetime8">
               <a:rPr lang="en-US" smtClean="0"/>
-              <a:t>6/9/2019 10:24 AM</a:t>
+              <a:t>6/9/2019 3:58 PM</a:t>
             </a:fld>
             <a:endParaRPr lang="en-US" dirty="0"/>
           </a:p>
@@ -1421,7 +1436,7 @@
           <a:p>
             <a:fld id="{6108602D-D426-4C00-B215-BFA18C076426}" type="datetime8">
               <a:rPr lang="en-US" smtClean="0"/>
-              <a:t>6/9/2019 10:24 AM</a:t>
+              <a:t>6/9/2019 3:58 PM</a:t>
             </a:fld>
             <a:endParaRPr lang="en-US" dirty="0"/>
           </a:p>
@@ -1586,7 +1601,7 @@
           <a:p>
             <a:fld id="{6108602D-D426-4C00-B215-BFA18C076426}" type="datetime8">
               <a:rPr lang="en-US" smtClean="0"/>
-              <a:t>6/9/2019 10:24 AM</a:t>
+              <a:t>6/9/2019 4:07 PM</a:t>
             </a:fld>
             <a:endParaRPr lang="en-US" dirty="0"/>
           </a:p>
@@ -1652,7 +1667,7 @@
     </p:spTree>
     <p:extLst>
       <p:ext uri="{BB962C8B-B14F-4D97-AF65-F5344CB8AC3E}">
-        <p14:creationId xmlns:p14="http://schemas.microsoft.com/office/powerpoint/2010/main" val="2545814465"/>
+        <p14:creationId xmlns:p14="http://schemas.microsoft.com/office/powerpoint/2010/main" val="2313810818"/>
       </p:ext>
     </p:extLst>
   </p:cSld>
@@ -1751,7 +1766,7 @@
           <a:p>
             <a:fld id="{6108602D-D426-4C00-B215-BFA18C076426}" type="datetime8">
               <a:rPr lang="en-US" smtClean="0"/>
-              <a:t>6/9/2019 10:24 AM</a:t>
+              <a:t>6/9/2019 3:58 PM</a:t>
             </a:fld>
             <a:endParaRPr lang="en-US" dirty="0"/>
           </a:p>
@@ -1817,7 +1832,7 @@
     </p:spTree>
     <p:extLst>
       <p:ext uri="{BB962C8B-B14F-4D97-AF65-F5344CB8AC3E}">
-        <p14:creationId xmlns:p14="http://schemas.microsoft.com/office/powerpoint/2010/main" val="3386621590"/>
+        <p14:creationId xmlns:p14="http://schemas.microsoft.com/office/powerpoint/2010/main" val="2545814465"/>
       </p:ext>
     </p:extLst>
   </p:cSld>
@@ -1916,7 +1931,7 @@
           <a:p>
             <a:fld id="{6108602D-D426-4C00-B215-BFA18C076426}" type="datetime8">
               <a:rPr lang="en-US" smtClean="0"/>
-              <a:t>6/9/2019 10:24 AM</a:t>
+              <a:t>6/9/2019 4:05 PM</a:t>
             </a:fld>
             <a:endParaRPr lang="en-US" dirty="0"/>
           </a:p>
@@ -1982,7 +1997,7 @@
     </p:spTree>
     <p:extLst>
       <p:ext uri="{BB962C8B-B14F-4D97-AF65-F5344CB8AC3E}">
-        <p14:creationId xmlns:p14="http://schemas.microsoft.com/office/powerpoint/2010/main" val="565905135"/>
+        <p14:creationId xmlns:p14="http://schemas.microsoft.com/office/powerpoint/2010/main" val="2918377623"/>
       </p:ext>
     </p:extLst>
   </p:cSld>
@@ -40610,11 +40625,11 @@
   <p:clrMapOvr>
     <a:masterClrMapping/>
   </p:clrMapOvr>
-  <mc:AlternateContent xmlns:mc="http://schemas.openxmlformats.org/markup-compatibility/2006">
-    <mc:Choice xmlns:p14="http://schemas.microsoft.com/office/powerpoint/2010/main" Requires="p14">
+  <mc:AlternateContent xmlns:mc="http://schemas.openxmlformats.org/markup-compatibility/2006" xmlns:p14="http://schemas.microsoft.com/office/powerpoint/2010/main">
+    <mc:Choice Requires="p14">
       <p:transition p14:dur="10"/>
     </mc:Choice>
-    <mc:Fallback>
+    <mc:Fallback xmlns="">
       <p:transition/>
     </mc:Fallback>
   </mc:AlternateContent>
@@ -41226,6 +41241,483 @@
           <a:p>
             <a:r>
               <a:rPr lang="en-US" b="1" dirty="0"/>
+              <a:t>Getting information from the user</a:t>
+            </a:r>
+            <a:endParaRPr lang="en-US" dirty="0"/>
+          </a:p>
+        </p:txBody>
+      </p:sp>
+      <p:sp>
+        <p:nvSpPr>
+          <p:cNvPr id="5" name="Text Placeholder 4"/>
+          <p:cNvSpPr>
+            <a:spLocks noGrp="1"/>
+          </p:cNvSpPr>
+          <p:nvPr>
+            <p:ph type="body" sz="quarter" idx="10"/>
+          </p:nvPr>
+        </p:nvSpPr>
+        <p:spPr>
+          <a:xfrm>
+            <a:off x="365760" y="1371600"/>
+            <a:ext cx="11704320" cy="1148007"/>
+          </a:xfrm>
+        </p:spPr>
+        <p:txBody>
+          <a:bodyPr/>
+          <a:lstStyle/>
+          <a:p>
+            <a:r>
+              <a:rPr lang="en-US" dirty="0"/>
+              <a:t>name = input(</a:t>
+            </a:r>
+            <a:r>
+              <a:rPr lang="en-US" dirty="0">
+                <a:solidFill>
+                  <a:srgbClr val="C00000"/>
+                </a:solidFill>
+              </a:rPr>
+              <a:t>'Please enter your name: '</a:t>
+            </a:r>
+            <a:r>
+              <a:rPr lang="en-US" dirty="0"/>
+              <a:t>)</a:t>
+            </a:r>
+          </a:p>
+          <a:p>
+            <a:r>
+              <a:rPr lang="en-US" dirty="0"/>
+              <a:t>print(name</a:t>
+            </a:r>
+            <a:r>
+              <a:rPr lang="en-US" dirty="0">
+                <a:solidFill>
+                  <a:srgbClr val="002050"/>
+                </a:solidFill>
+              </a:rPr>
+              <a:t>)</a:t>
+            </a:r>
+          </a:p>
+        </p:txBody>
+      </p:sp>
+      <p:sp>
+        <p:nvSpPr>
+          <p:cNvPr id="6" name="Text Placeholder 4">
+            <a:extLst>
+              <a:ext uri="{FF2B5EF4-FFF2-40B4-BE49-F238E27FC236}">
+                <a16:creationId xmlns:a16="http://schemas.microsoft.com/office/drawing/2014/main" id="{4F4D9F13-C119-40D2-9B3B-8DCD9D0EA709}"/>
+              </a:ext>
+            </a:extLst>
+          </p:cNvPr>
+          <p:cNvSpPr txBox="1">
+            <a:spLocks/>
+          </p:cNvSpPr>
+          <p:nvPr/>
+        </p:nvSpPr>
+        <p:spPr>
+          <a:xfrm>
+            <a:off x="365760" y="3725862"/>
+            <a:ext cx="11704320" cy="2188291"/>
+          </a:xfrm>
+          <a:prstGeom prst="rect">
+            <a:avLst/>
+          </a:prstGeom>
+          <a:solidFill>
+            <a:schemeClr val="tx1"/>
+          </a:solidFill>
+        </p:spPr>
+        <p:txBody>
+          <a:bodyPr vert="horz" wrap="square" lIns="91440" tIns="91440" rIns="91440" bIns="91440" rtlCol="0">
+            <a:spAutoFit/>
+          </a:bodyPr>
+          <a:lstStyle>
+            <a:lvl1pPr marL="0" marR="0" indent="0" algn="l" defTabSz="932742" rtl="0" eaLnBrk="1" fontAlgn="auto" latinLnBrk="0" hangingPunct="1">
+              <a:lnSpc>
+                <a:spcPct val="90000"/>
+              </a:lnSpc>
+              <a:spcBef>
+                <a:spcPts val="600"/>
+              </a:spcBef>
+              <a:spcAft>
+                <a:spcPts val="0"/>
+              </a:spcAft>
+              <a:buClrTx/>
+              <a:buSzPct val="90000"/>
+              <a:buFont typeface="Arial" pitchFamily="34" charset="0"/>
+              <a:buNone/>
+              <a:tabLst/>
+              <a:defRPr sz="3200" kern="1200" spc="0" baseline="0">
+                <a:gradFill>
+                  <a:gsLst>
+                    <a:gs pos="1250">
+                      <a:srgbClr val="000000"/>
+                    </a:gs>
+                    <a:gs pos="100000">
+                      <a:srgbClr val="000000"/>
+                    </a:gs>
+                  </a:gsLst>
+                  <a:lin ang="5400000" scaled="0"/>
+                </a:gradFill>
+                <a:latin typeface="Consolas" panose="020B0609020204030204" pitchFamily="49" charset="0"/>
+                <a:ea typeface="+mn-ea"/>
+                <a:cs typeface="Consolas" panose="020B0609020204030204" pitchFamily="49" charset="0"/>
+              </a:defRPr>
+            </a:lvl1pPr>
+            <a:lvl2pPr marL="228600" marR="0" indent="0" algn="l" defTabSz="932742" rtl="0" eaLnBrk="1" fontAlgn="auto" latinLnBrk="0" hangingPunct="1">
+              <a:lnSpc>
+                <a:spcPct val="90000"/>
+              </a:lnSpc>
+              <a:spcBef>
+                <a:spcPts val="600"/>
+              </a:spcBef>
+              <a:spcAft>
+                <a:spcPts val="0"/>
+              </a:spcAft>
+              <a:buClrTx/>
+              <a:buSzPct val="90000"/>
+              <a:buFont typeface="Arial" pitchFamily="34" charset="0"/>
+              <a:buNone/>
+              <a:tabLst/>
+              <a:defRPr sz="2000" kern="1200" spc="0" baseline="0">
+                <a:gradFill>
+                  <a:gsLst>
+                    <a:gs pos="1250">
+                      <a:srgbClr val="000000"/>
+                    </a:gs>
+                    <a:gs pos="100000">
+                      <a:srgbClr val="000000"/>
+                    </a:gs>
+                  </a:gsLst>
+                  <a:lin ang="5400000" scaled="0"/>
+                </a:gradFill>
+                <a:latin typeface="Consolas" panose="020B0609020204030204" pitchFamily="49" charset="0"/>
+                <a:ea typeface="+mn-ea"/>
+                <a:cs typeface="Consolas" panose="020B0609020204030204" pitchFamily="49" charset="0"/>
+              </a:defRPr>
+            </a:lvl2pPr>
+            <a:lvl3pPr marL="457200" marR="0" indent="0" algn="l" defTabSz="932742" rtl="0" eaLnBrk="1" fontAlgn="auto" latinLnBrk="0" hangingPunct="1">
+              <a:lnSpc>
+                <a:spcPct val="90000"/>
+              </a:lnSpc>
+              <a:spcBef>
+                <a:spcPts val="600"/>
+              </a:spcBef>
+              <a:spcAft>
+                <a:spcPts val="0"/>
+              </a:spcAft>
+              <a:buClrTx/>
+              <a:buSzPct val="90000"/>
+              <a:buFont typeface="Arial" pitchFamily="34" charset="0"/>
+              <a:buNone/>
+              <a:tabLst/>
+              <a:defRPr sz="2000" kern="1200" spc="0" baseline="0">
+                <a:gradFill>
+                  <a:gsLst>
+                    <a:gs pos="1250">
+                      <a:srgbClr val="000000"/>
+                    </a:gs>
+                    <a:gs pos="100000">
+                      <a:srgbClr val="000000"/>
+                    </a:gs>
+                  </a:gsLst>
+                  <a:lin ang="5400000" scaled="0"/>
+                </a:gradFill>
+                <a:latin typeface="Consolas" panose="020B0609020204030204" pitchFamily="49" charset="0"/>
+                <a:ea typeface="+mn-ea"/>
+                <a:cs typeface="Consolas" panose="020B0609020204030204" pitchFamily="49" charset="0"/>
+              </a:defRPr>
+            </a:lvl3pPr>
+            <a:lvl4pPr marL="685800" marR="0" indent="0" algn="l" defTabSz="932742" rtl="0" eaLnBrk="1" fontAlgn="auto" latinLnBrk="0" hangingPunct="1">
+              <a:lnSpc>
+                <a:spcPct val="90000"/>
+              </a:lnSpc>
+              <a:spcBef>
+                <a:spcPts val="600"/>
+              </a:spcBef>
+              <a:spcAft>
+                <a:spcPts val="0"/>
+              </a:spcAft>
+              <a:buClrTx/>
+              <a:buSzPct val="90000"/>
+              <a:buFont typeface="Arial" pitchFamily="34" charset="0"/>
+              <a:buNone/>
+              <a:tabLst/>
+              <a:defRPr sz="2000" kern="1200" spc="0" baseline="0">
+                <a:gradFill>
+                  <a:gsLst>
+                    <a:gs pos="1250">
+                      <a:srgbClr val="000000"/>
+                    </a:gs>
+                    <a:gs pos="100000">
+                      <a:srgbClr val="000000"/>
+                    </a:gs>
+                  </a:gsLst>
+                  <a:lin ang="5400000" scaled="0"/>
+                </a:gradFill>
+                <a:latin typeface="Consolas" panose="020B0609020204030204" pitchFamily="49" charset="0"/>
+                <a:ea typeface="+mn-ea"/>
+                <a:cs typeface="Consolas" panose="020B0609020204030204" pitchFamily="49" charset="0"/>
+              </a:defRPr>
+            </a:lvl4pPr>
+            <a:lvl5pPr marL="914400" marR="0" indent="0" algn="l" defTabSz="932742" rtl="0" eaLnBrk="1" fontAlgn="auto" latinLnBrk="0" hangingPunct="1">
+              <a:lnSpc>
+                <a:spcPct val="90000"/>
+              </a:lnSpc>
+              <a:spcBef>
+                <a:spcPts val="600"/>
+              </a:spcBef>
+              <a:spcAft>
+                <a:spcPts val="0"/>
+              </a:spcAft>
+              <a:buClrTx/>
+              <a:buSzPct val="90000"/>
+              <a:buFont typeface="Arial" pitchFamily="34" charset="0"/>
+              <a:buNone/>
+              <a:tabLst/>
+              <a:defRPr sz="2000" kern="1200" spc="0" baseline="0">
+                <a:gradFill>
+                  <a:gsLst>
+                    <a:gs pos="1250">
+                      <a:srgbClr val="000000"/>
+                    </a:gs>
+                    <a:gs pos="100000">
+                      <a:srgbClr val="000000"/>
+                    </a:gs>
+                  </a:gsLst>
+                  <a:lin ang="5400000" scaled="0"/>
+                </a:gradFill>
+                <a:latin typeface="Consolas" panose="020B0609020204030204" pitchFamily="49" charset="0"/>
+                <a:ea typeface="+mn-ea"/>
+                <a:cs typeface="Consolas" panose="020B0609020204030204" pitchFamily="49" charset="0"/>
+              </a:defRPr>
+            </a:lvl5pPr>
+            <a:lvl6pPr marL="2565040" indent="-233186" algn="l" defTabSz="932742" rtl="0" eaLnBrk="1" latinLnBrk="0" hangingPunct="1">
+              <a:spcBef>
+                <a:spcPct val="20000"/>
+              </a:spcBef>
+              <a:buFont typeface="Arial" pitchFamily="34" charset="0"/>
+              <a:buChar char="•"/>
+              <a:defRPr sz="2000" kern="1200">
+                <a:solidFill>
+                  <a:schemeClr val="tx1"/>
+                </a:solidFill>
+                <a:latin typeface="+mn-lt"/>
+                <a:ea typeface="+mn-ea"/>
+                <a:cs typeface="+mn-cs"/>
+              </a:defRPr>
+            </a:lvl6pPr>
+            <a:lvl7pPr marL="3031412" indent="-233186" algn="l" defTabSz="932742" rtl="0" eaLnBrk="1" latinLnBrk="0" hangingPunct="1">
+              <a:spcBef>
+                <a:spcPct val="20000"/>
+              </a:spcBef>
+              <a:buFont typeface="Arial" pitchFamily="34" charset="0"/>
+              <a:buChar char="•"/>
+              <a:defRPr sz="2000" kern="1200">
+                <a:solidFill>
+                  <a:schemeClr val="tx1"/>
+                </a:solidFill>
+                <a:latin typeface="+mn-lt"/>
+                <a:ea typeface="+mn-ea"/>
+                <a:cs typeface="+mn-cs"/>
+              </a:defRPr>
+            </a:lvl7pPr>
+            <a:lvl8pPr marL="3497783" indent="-233186" algn="l" defTabSz="932742" rtl="0" eaLnBrk="1" latinLnBrk="0" hangingPunct="1">
+              <a:spcBef>
+                <a:spcPct val="20000"/>
+              </a:spcBef>
+              <a:buFont typeface="Arial" pitchFamily="34" charset="0"/>
+              <a:buChar char="•"/>
+              <a:defRPr sz="2000" kern="1200">
+                <a:solidFill>
+                  <a:schemeClr val="tx1"/>
+                </a:solidFill>
+                <a:latin typeface="+mn-lt"/>
+                <a:ea typeface="+mn-ea"/>
+                <a:cs typeface="+mn-cs"/>
+              </a:defRPr>
+            </a:lvl8pPr>
+            <a:lvl9pPr marL="3964155" indent="-233186" algn="l" defTabSz="932742" rtl="0" eaLnBrk="1" latinLnBrk="0" hangingPunct="1">
+              <a:spcBef>
+                <a:spcPct val="20000"/>
+              </a:spcBef>
+              <a:buFont typeface="Arial" pitchFamily="34" charset="0"/>
+              <a:buChar char="•"/>
+              <a:defRPr sz="2000" kern="1200">
+                <a:solidFill>
+                  <a:schemeClr val="tx1"/>
+                </a:solidFill>
+                <a:latin typeface="+mn-lt"/>
+                <a:ea typeface="+mn-ea"/>
+                <a:cs typeface="+mn-cs"/>
+              </a:defRPr>
+            </a:lvl9pPr>
+          </a:lstStyle>
+          <a:p>
+            <a:r>
+              <a:rPr lang="en-US" dirty="0">
+                <a:solidFill>
+                  <a:schemeClr val="bg1"/>
+                </a:solidFill>
+              </a:rPr>
+              <a:t>Please enter your name: Susan</a:t>
+            </a:r>
+            <a:endParaRPr lang="en-CA" dirty="0">
+              <a:solidFill>
+                <a:schemeClr val="bg1"/>
+              </a:solidFill>
+            </a:endParaRPr>
+          </a:p>
+          <a:p>
+            <a:r>
+              <a:rPr lang="en-CA" dirty="0">
+                <a:solidFill>
+                  <a:schemeClr val="bg1"/>
+                </a:solidFill>
+              </a:rPr>
+              <a:t>Susan</a:t>
+            </a:r>
+          </a:p>
+          <a:p>
+            <a:endParaRPr lang="en-CA" dirty="0"/>
+          </a:p>
+          <a:p>
+            <a:endParaRPr lang="en-CA" dirty="0"/>
+          </a:p>
+        </p:txBody>
+      </p:sp>
+    </p:spTree>
+    <p:extLst>
+      <p:ext uri="{BB962C8B-B14F-4D97-AF65-F5344CB8AC3E}">
+        <p14:creationId xmlns:p14="http://schemas.microsoft.com/office/powerpoint/2010/main" val="3867220805"/>
+      </p:ext>
+    </p:extLst>
+  </p:cSld>
+  <p:clrMapOvr>
+    <a:masterClrMapping/>
+  </p:clrMapOvr>
+  <mc:AlternateContent xmlns:mc="http://schemas.openxmlformats.org/markup-compatibility/2006" xmlns:p14="http://schemas.microsoft.com/office/powerpoint/2010/main">
+    <mc:Choice Requires="p14">
+      <p:transition p14:dur="0"/>
+    </mc:Choice>
+    <mc:Fallback xmlns="">
+      <p:transition/>
+    </mc:Fallback>
+  </mc:AlternateContent>
+  <p:timing>
+    <p:tnLst>
+      <p:par>
+        <p:cTn id="1" dur="indefinite" restart="never" nodeType="tmRoot">
+          <p:childTnLst>
+            <p:seq concurrent="1" nextAc="seek">
+              <p:cTn id="2" dur="indefinite" nodeType="mainSeq">
+                <p:childTnLst>
+                  <p:par>
+                    <p:cTn id="3" fill="hold">
+                      <p:stCondLst>
+                        <p:cond delay="indefinite"/>
+                      </p:stCondLst>
+                      <p:childTnLst>
+                        <p:par>
+                          <p:cTn id="4" fill="hold">
+                            <p:stCondLst>
+                              <p:cond delay="0"/>
+                            </p:stCondLst>
+                            <p:childTnLst>
+                              <p:par>
+                                <p:cTn id="5" presetID="1" presetClass="entr" presetSubtype="0" fill="hold" grpId="0" nodeType="clickEffect">
+                                  <p:stCondLst>
+                                    <p:cond delay="0"/>
+                                  </p:stCondLst>
+                                  <p:childTnLst>
+                                    <p:set>
+                                      <p:cBhvr>
+                                        <p:cTn id="6" dur="1" fill="hold">
+                                          <p:stCondLst>
+                                            <p:cond delay="0"/>
+                                          </p:stCondLst>
+                                        </p:cTn>
+                                        <p:tgtEl>
+                                          <p:spTgt spid="6"/>
+                                        </p:tgtEl>
+                                        <p:attrNameLst>
+                                          <p:attrName>style.visibility</p:attrName>
+                                        </p:attrNameLst>
+                                      </p:cBhvr>
+                                      <p:to>
+                                        <p:strVal val="visible"/>
+                                      </p:to>
+                                    </p:set>
+                                  </p:childTnLst>
+                                </p:cTn>
+                              </p:par>
+                            </p:childTnLst>
+                          </p:cTn>
+                        </p:par>
+                      </p:childTnLst>
+                    </p:cTn>
+                  </p:par>
+                </p:childTnLst>
+              </p:cTn>
+              <p:prevCondLst>
+                <p:cond evt="onPrev" delay="0">
+                  <p:tgtEl>
+                    <p:sldTgt/>
+                  </p:tgtEl>
+                </p:cond>
+              </p:prevCondLst>
+              <p:nextCondLst>
+                <p:cond evt="onNext" delay="0">
+                  <p:tgtEl>
+                    <p:sldTgt/>
+                  </p:tgtEl>
+                </p:cond>
+              </p:nextCondLst>
+            </p:seq>
+          </p:childTnLst>
+        </p:cTn>
+      </p:par>
+    </p:tnLst>
+    <p:bldLst>
+      <p:bldP spid="6" grpId="0" animBg="1"/>
+    </p:bldLst>
+  </p:timing>
+</p:sld>
+</file>
+
+<file path=ppt/slides/slide5.xml><?xml version="1.0" encoding="utf-8"?>
+<p:sld xmlns:a="http://schemas.openxmlformats.org/drawingml/2006/main" xmlns:r="http://schemas.openxmlformats.org/officeDocument/2006/relationships" xmlns:p="http://schemas.openxmlformats.org/presentationml/2006/main">
+  <p:cSld>
+    <p:spTree>
+      <p:nvGrpSpPr>
+        <p:cNvPr id="1" name=""/>
+        <p:cNvGrpSpPr/>
+        <p:nvPr/>
+      </p:nvGrpSpPr>
+      <p:grpSpPr>
+        <a:xfrm>
+          <a:off x="0" y="0"/>
+          <a:ext cx="0" cy="0"/>
+          <a:chOff x="0" y="0"/>
+          <a:chExt cx="0" cy="0"/>
+        </a:xfrm>
+      </p:grpSpPr>
+      <p:sp>
+        <p:nvSpPr>
+          <p:cNvPr id="4" name="Title 3"/>
+          <p:cNvSpPr>
+            <a:spLocks noGrp="1"/>
+          </p:cNvSpPr>
+          <p:nvPr>
+            <p:ph type="title"/>
+          </p:nvPr>
+        </p:nvSpPr>
+        <p:spPr/>
+        <p:txBody>
+          <a:bodyPr/>
+          <a:lstStyle/>
+          <a:p>
+            <a:r>
+              <a:rPr lang="en-US" b="1" dirty="0"/>
               <a:t>Printing blank lines can improve readability</a:t>
             </a:r>
             <a:endParaRPr lang="en-US" dirty="0"/>
@@ -41775,7 +42267,7 @@
 </p:sld>
 </file>
 
-<file path=ppt/slides/slide5.xml><?xml version="1.0" encoding="utf-8"?>
+<file path=ppt/slides/slide6.xml><?xml version="1.0" encoding="utf-8"?>
 <p:sld xmlns:a="http://schemas.openxmlformats.org/drawingml/2006/main" xmlns:r="http://schemas.openxmlformats.org/officeDocument/2006/relationships" xmlns:p="http://schemas.openxmlformats.org/presentationml/2006/main">
   <p:cSld>
     <p:spTree>
@@ -41794,6 +42286,29 @@
       </p:grpSpPr>
       <p:sp>
         <p:nvSpPr>
+          <p:cNvPr id="4" name="Title 3"/>
+          <p:cNvSpPr>
+            <a:spLocks noGrp="1"/>
+          </p:cNvSpPr>
+          <p:nvPr>
+            <p:ph type="title"/>
+          </p:nvPr>
+        </p:nvSpPr>
+        <p:spPr/>
+        <p:txBody>
+          <a:bodyPr/>
+          <a:lstStyle/>
+          <a:p>
+            <a:r>
+              <a:rPr lang="en-US" b="1" dirty="0"/>
+              <a:t>Debugging with print</a:t>
+            </a:r>
+            <a:endParaRPr lang="en-US" dirty="0"/>
+          </a:p>
+        </p:txBody>
+      </p:sp>
+      <p:sp>
+        <p:nvSpPr>
           <p:cNvPr id="5" name="Text Placeholder 4"/>
           <p:cNvSpPr>
             <a:spLocks noGrp="1"/>
@@ -41804,8 +42319,8 @@
         </p:nvSpPr>
         <p:spPr>
           <a:xfrm>
-            <a:off x="365759" y="1371600"/>
-            <a:ext cx="12070715" cy="6869573"/>
+            <a:off x="365760" y="1371600"/>
+            <a:ext cx="11704320" cy="3416320"/>
           </a:xfrm>
         </p:spPr>
         <p:txBody>
@@ -41813,150 +42328,100 @@
           <a:lstStyle/>
           <a:p>
             <a:r>
-              <a:rPr lang="en-US" dirty="0" err="1"/>
-              <a:t>int_charged</a:t>
+              <a:rPr lang="en-US" sz="2800" dirty="0"/>
+              <a:t>print(</a:t>
             </a:r>
             <a:r>
-              <a:rPr lang="en-US" dirty="0"/>
-              <a:t> = input(</a:t>
-            </a:r>
-            <a:r>
-              <a:rPr lang="en-US" dirty="0">
+              <a:rPr lang="en-US" sz="2800" dirty="0">
                 <a:solidFill>
                   <a:srgbClr val="C00000"/>
                 </a:solidFill>
               </a:rPr>
-              <a:t>'How much interest did you pay?'</a:t>
+              <a:t>'Adding numbers'</a:t>
             </a:r>
             <a:r>
-              <a:rPr lang="en-US" dirty="0"/>
+              <a:rPr lang="en-US" sz="2800" dirty="0">
+                <a:solidFill>
+                  <a:srgbClr val="002050"/>
+                </a:solidFill>
+              </a:rPr>
               <a:t>)</a:t>
             </a:r>
           </a:p>
           <a:p>
-            <a:endParaRPr lang="en-US" dirty="0"/>
+            <a:r>
+              <a:rPr lang="en-US" sz="2800" dirty="0"/>
+              <a:t>x = 42 + 206</a:t>
+            </a:r>
           </a:p>
           <a:p>
             <a:r>
-              <a:rPr lang="en-US" dirty="0" err="1"/>
-              <a:t>loan_amount</a:t>
+              <a:rPr lang="en-US" sz="2800" dirty="0"/>
+              <a:t>print(</a:t>
             </a:r>
             <a:r>
-              <a:rPr lang="en-US" dirty="0"/>
-              <a:t> = input(</a:t>
-            </a:r>
-            <a:r>
-              <a:rPr lang="en-US" dirty="0">
+              <a:rPr lang="en-US" sz="2800" dirty="0">
                 <a:solidFill>
                   <a:srgbClr val="C00000"/>
                 </a:solidFill>
               </a:rPr>
-              <a:t>'How much did you borrow? '</a:t>
+              <a:t>'Performing division'</a:t>
             </a:r>
             <a:r>
-              <a:rPr lang="en-US" dirty="0"/>
+              <a:rPr lang="en-US" sz="2800" dirty="0">
+                <a:solidFill>
+                  <a:srgbClr val="002050"/>
+                </a:solidFill>
+              </a:rPr>
               <a:t>)</a:t>
             </a:r>
           </a:p>
           <a:p>
-            <a:endParaRPr lang="en-US" dirty="0"/>
+            <a:r>
+              <a:rPr lang="en-US" sz="2800" dirty="0"/>
+              <a:t>y = x / 0</a:t>
+            </a:r>
           </a:p>
           <a:p>
             <a:r>
-              <a:rPr lang="en-US" dirty="0" err="1"/>
-              <a:t>int_rate</a:t>
-            </a:r>
-            <a:r>
-              <a:rPr lang="en-US" dirty="0"/>
-              <a:t> = float(</a:t>
-            </a:r>
-            <a:r>
-              <a:rPr lang="en-US" dirty="0" err="1"/>
-              <a:t>int_charged</a:t>
-            </a:r>
-            <a:r>
-              <a:rPr lang="en-US" dirty="0"/>
-              <a:t>) / float(</a:t>
-            </a:r>
-            <a:r>
-              <a:rPr lang="en-US" dirty="0" err="1"/>
-              <a:t>loan_amount</a:t>
-            </a:r>
-            <a:r>
-              <a:rPr lang="en-US" dirty="0"/>
-              <a:t>) </a:t>
-            </a:r>
-          </a:p>
-          <a:p>
-            <a:endParaRPr lang="en-US" dirty="0"/>
-          </a:p>
-          <a:p>
-            <a:r>
-              <a:rPr lang="en-US" dirty="0" err="1"/>
-              <a:t>int_percent</a:t>
-            </a:r>
-            <a:r>
-              <a:rPr lang="en-US" dirty="0"/>
-              <a:t> = float(</a:t>
-            </a:r>
-            <a:r>
-              <a:rPr lang="en-US" dirty="0" err="1"/>
-              <a:t>int_rate</a:t>
-            </a:r>
-            <a:r>
-              <a:rPr lang="en-US" dirty="0"/>
-              <a:t>)*100</a:t>
-            </a:r>
-          </a:p>
-          <a:p>
-            <a:endParaRPr lang="en-US" dirty="0"/>
-          </a:p>
-          <a:p>
-            <a:r>
-              <a:rPr lang="en-US" dirty="0"/>
+              <a:rPr lang="en-US" sz="2800" dirty="0"/>
               <a:t>print(</a:t>
             </a:r>
             <a:r>
-              <a:rPr lang="en-US" dirty="0">
+              <a:rPr lang="en-US" sz="2800" dirty="0">
                 <a:solidFill>
                   <a:srgbClr val="C00000"/>
                 </a:solidFill>
               </a:rPr>
-              <a:t>'interest rate is ' </a:t>
+              <a:t>'Math complete'</a:t>
             </a:r>
             <a:r>
-              <a:rPr lang="en-US" dirty="0"/>
-              <a:t>+ str(</a:t>
-            </a:r>
-            <a:r>
-              <a:rPr lang="en-US" dirty="0" err="1"/>
-              <a:t>int_percent</a:t>
-            </a:r>
-            <a:r>
-              <a:rPr lang="en-US" dirty="0"/>
-              <a:t>))</a:t>
+              <a:rPr lang="en-US" sz="2800" dirty="0">
+                <a:solidFill>
+                  <a:srgbClr val="002050"/>
+                </a:solidFill>
+              </a:rPr>
+              <a:t>)</a:t>
             </a:r>
           </a:p>
           <a:p>
-            <a:endParaRPr lang="en-CA" dirty="0"/>
+            <a:endParaRPr lang="en-CA" sz="2800" dirty="0"/>
           </a:p>
           <a:p>
-            <a:endParaRPr lang="en-CA" dirty="0"/>
-          </a:p>
-          <a:p>
-            <a:endParaRPr lang="en-CA" dirty="0"/>
-          </a:p>
-          <a:p>
-            <a:endParaRPr lang="en-CA" dirty="0"/>
+            <a:endParaRPr lang="en-US" sz="2800" dirty="0">
+              <a:solidFill>
+                <a:srgbClr val="002050"/>
+              </a:solidFill>
+            </a:endParaRPr>
           </a:p>
         </p:txBody>
       </p:sp>
       <p:sp>
         <p:nvSpPr>
-          <p:cNvPr id="7" name="Text Placeholder 4">
+          <p:cNvPr id="6" name="Text Placeholder 4">
             <a:extLst>
               <a:ext uri="{FF2B5EF4-FFF2-40B4-BE49-F238E27FC236}">
-                <a16:creationId xmlns:a16="http://schemas.microsoft.com/office/drawing/2014/main" id="{BFAE8A30-3BC2-4D70-ABC9-04499AB018B7}"/>
+                <a16:creationId xmlns:a16="http://schemas.microsoft.com/office/drawing/2014/main" id="{4F4D9F13-C119-40D2-9B3B-8DCD9D0EA709}"/>
               </a:ext>
             </a:extLst>
           </p:cNvPr>
@@ -41967,8 +42432,8 @@
         </p:nvSpPr>
         <p:spPr>
           <a:xfrm>
-            <a:off x="182562" y="1371600"/>
-            <a:ext cx="12131675" cy="4716462"/>
+            <a:off x="365760" y="3953885"/>
+            <a:ext cx="11704320" cy="2896177"/>
           </a:xfrm>
           <a:prstGeom prst="rect">
             <a:avLst/>
@@ -42210,7 +42675,7 @@
                   <a:schemeClr val="bg1"/>
                 </a:solidFill>
               </a:rPr>
-              <a:t>How much interest did you pay? 50</a:t>
+              <a:t>Adding numbers</a:t>
             </a:r>
           </a:p>
           <a:p>
@@ -42220,7 +42685,7 @@
                   <a:schemeClr val="bg1"/>
                 </a:solidFill>
               </a:rPr>
-              <a:t>How much did you borrow? 0</a:t>
+              <a:t>Performing division</a:t>
             </a:r>
           </a:p>
           <a:p>
@@ -42240,7 +42705,7 @@
                   <a:schemeClr val="bg1"/>
                 </a:solidFill>
               </a:rPr>
-              <a:t>  File "c:/Users/susan/OneDrive/Documents/PythonCourse/HelloWorld/printForDebugging.py", line 5, in &lt;module&gt;</a:t>
+              <a:t>  File "demo.py", line 4, in &lt;module&gt;</a:t>
             </a:r>
           </a:p>
           <a:p>
@@ -42250,55 +42715,7 @@
                   <a:schemeClr val="bg1"/>
                 </a:solidFill>
               </a:rPr>
-              <a:t>    </a:t>
-            </a:r>
-            <a:r>
-              <a:rPr lang="en-US" sz="2800" dirty="0" err="1">
-                <a:solidFill>
-                  <a:schemeClr val="bg1"/>
-                </a:solidFill>
-              </a:rPr>
-              <a:t>int_rate</a:t>
-            </a:r>
-            <a:r>
-              <a:rPr lang="en-US" sz="2800" dirty="0">
-                <a:solidFill>
-                  <a:schemeClr val="bg1"/>
-                </a:solidFill>
-              </a:rPr>
-              <a:t> = float(</a:t>
-            </a:r>
-            <a:r>
-              <a:rPr lang="en-US" sz="2800" dirty="0" err="1">
-                <a:solidFill>
-                  <a:schemeClr val="bg1"/>
-                </a:solidFill>
-              </a:rPr>
-              <a:t>int_charged</a:t>
-            </a:r>
-            <a:r>
-              <a:rPr lang="en-US" sz="2800" dirty="0">
-                <a:solidFill>
-                  <a:schemeClr val="bg1"/>
-                </a:solidFill>
-              </a:rPr>
-              <a:t>) / float(</a:t>
-            </a:r>
-            <a:r>
-              <a:rPr lang="en-US" sz="2800" dirty="0" err="1">
-                <a:solidFill>
-                  <a:schemeClr val="bg1"/>
-                </a:solidFill>
-              </a:rPr>
-              <a:t>loan_amount</a:t>
-            </a:r>
-            <a:r>
-              <a:rPr lang="en-US" sz="2800" dirty="0">
-                <a:solidFill>
-                  <a:schemeClr val="bg1"/>
-                </a:solidFill>
-              </a:rPr>
-              <a:t>)</a:t>
+              <a:t>    y = x / 0</a:t>
             </a:r>
           </a:p>
           <a:p>
@@ -42319,45 +42736,12 @@
               <a:t>: float division by zero</a:t>
             </a:r>
           </a:p>
-          <a:p>
-            <a:endParaRPr lang="en-US" sz="2800" dirty="0">
-              <a:solidFill>
-                <a:schemeClr val="bg1"/>
-              </a:solidFill>
-            </a:endParaRPr>
-          </a:p>
-          <a:p>
-            <a:endParaRPr lang="en-CA" sz="2800" dirty="0"/>
-          </a:p>
-        </p:txBody>
-      </p:sp>
-      <p:sp>
-        <p:nvSpPr>
-          <p:cNvPr id="4" name="Title 3"/>
-          <p:cNvSpPr>
-            <a:spLocks noGrp="1"/>
-          </p:cNvSpPr>
-          <p:nvPr>
-            <p:ph type="title"/>
-          </p:nvPr>
-        </p:nvSpPr>
-        <p:spPr/>
-        <p:txBody>
-          <a:bodyPr/>
-          <a:lstStyle/>
-          <a:p>
-            <a:r>
-              <a:rPr lang="en-US" b="1" dirty="0"/>
-              <a:t>Use print to help debug and test your code</a:t>
-            </a:r>
-            <a:endParaRPr lang="en-US" dirty="0"/>
-          </a:p>
         </p:txBody>
       </p:sp>
     </p:spTree>
     <p:extLst>
       <p:ext uri="{BB962C8B-B14F-4D97-AF65-F5344CB8AC3E}">
-        <p14:creationId xmlns:p14="http://schemas.microsoft.com/office/powerpoint/2010/main" val="844430980"/>
+        <p14:creationId xmlns:p14="http://schemas.microsoft.com/office/powerpoint/2010/main" val="2326753752"/>
       </p:ext>
     </p:extLst>
   </p:cSld>
@@ -42406,7 +42790,7 @@
                                           </p:stCondLst>
                                         </p:cTn>
                                         <p:tgtEl>
-                                          <p:spTgt spid="7"/>
+                                          <p:spTgt spid="6"/>
                                         </p:tgtEl>
                                         <p:attrNameLst>
                                           <p:attrName>style.visibility</p:attrName>
@@ -42447,1010 +42831,7 @@
       </p:par>
     </p:tnLst>
     <p:bldLst>
-      <p:bldP spid="7" grpId="0" animBg="1"/>
-    </p:bldLst>
-  </p:timing>
-</p:sld>
-</file>
-
-<file path=ppt/slides/slide6.xml><?xml version="1.0" encoding="utf-8"?>
-<p:sld xmlns:a="http://schemas.openxmlformats.org/drawingml/2006/main" xmlns:r="http://schemas.openxmlformats.org/officeDocument/2006/relationships" xmlns:p="http://schemas.openxmlformats.org/presentationml/2006/main">
-  <p:cSld>
-    <p:spTree>
-      <p:nvGrpSpPr>
-        <p:cNvPr id="1" name=""/>
-        <p:cNvGrpSpPr/>
-        <p:nvPr/>
-      </p:nvGrpSpPr>
-      <p:grpSpPr>
-        <a:xfrm>
-          <a:off x="0" y="0"/>
-          <a:ext cx="0" cy="0"/>
-          <a:chOff x="0" y="0"/>
-          <a:chExt cx="0" cy="0"/>
-        </a:xfrm>
-      </p:grpSpPr>
-      <p:sp>
-        <p:nvSpPr>
-          <p:cNvPr id="5" name="Text Placeholder 4"/>
-          <p:cNvSpPr>
-            <a:spLocks noGrp="1"/>
-          </p:cNvSpPr>
-          <p:nvPr>
-            <p:ph type="body" sz="quarter" idx="10"/>
-          </p:nvPr>
-        </p:nvSpPr>
-        <p:spPr>
-          <a:xfrm>
-            <a:off x="365760" y="220662"/>
-            <a:ext cx="12070715" cy="8430000"/>
-          </a:xfrm>
-        </p:spPr>
-        <p:txBody>
-          <a:bodyPr/>
-          <a:lstStyle/>
-          <a:p>
-            <a:r>
-              <a:rPr lang="en-US" dirty="0" err="1"/>
-              <a:t>int_charged</a:t>
-            </a:r>
-            <a:r>
-              <a:rPr lang="en-US" dirty="0"/>
-              <a:t> = input(</a:t>
-            </a:r>
-            <a:r>
-              <a:rPr lang="en-US" dirty="0">
-                <a:solidFill>
-                  <a:srgbClr val="C00000"/>
-                </a:solidFill>
-              </a:rPr>
-              <a:t>'How much interest did you pay?'</a:t>
-            </a:r>
-            <a:r>
-              <a:rPr lang="en-US" dirty="0"/>
-              <a:t>)</a:t>
-            </a:r>
-          </a:p>
-          <a:p>
-            <a:r>
-              <a:rPr lang="en-US" dirty="0">
-                <a:highlight>
-                  <a:srgbClr val="FFFF00"/>
-                </a:highlight>
-              </a:rPr>
-              <a:t>print</a:t>
-            </a:r>
-            <a:r>
-              <a:rPr lang="en-US" dirty="0">
-                <a:solidFill>
-                  <a:srgbClr val="002050"/>
-                </a:solidFill>
-                <a:highlight>
-                  <a:srgbClr val="FFFF00"/>
-                </a:highlight>
-              </a:rPr>
-              <a:t>(</a:t>
-            </a:r>
-            <a:r>
-              <a:rPr lang="en-US" dirty="0">
-                <a:solidFill>
-                  <a:srgbClr val="C00000"/>
-                </a:solidFill>
-                <a:highlight>
-                  <a:srgbClr val="FFFF00"/>
-                </a:highlight>
-              </a:rPr>
-              <a:t>'\</a:t>
-            </a:r>
-            <a:r>
-              <a:rPr lang="en-US" dirty="0" err="1">
-                <a:solidFill>
-                  <a:srgbClr val="C00000"/>
-                </a:solidFill>
-                <a:highlight>
-                  <a:srgbClr val="FFFF00"/>
-                </a:highlight>
-              </a:rPr>
-              <a:t>nYou</a:t>
-            </a:r>
-            <a:r>
-              <a:rPr lang="en-US" dirty="0">
-                <a:solidFill>
-                  <a:srgbClr val="C00000"/>
-                </a:solidFill>
-                <a:highlight>
-                  <a:srgbClr val="FFFF00"/>
-                </a:highlight>
-              </a:rPr>
-              <a:t> entered Interest: ' + </a:t>
-            </a:r>
-            <a:r>
-              <a:rPr lang="en-US" dirty="0" err="1">
-                <a:solidFill>
-                  <a:srgbClr val="C00000"/>
-                </a:solidFill>
-                <a:highlight>
-                  <a:srgbClr val="FFFF00"/>
-                </a:highlight>
-              </a:rPr>
-              <a:t>int_charged</a:t>
-            </a:r>
-            <a:r>
-              <a:rPr lang="en-US" dirty="0">
-                <a:solidFill>
-                  <a:srgbClr val="002050"/>
-                </a:solidFill>
-                <a:highlight>
-                  <a:srgbClr val="FFFF00"/>
-                </a:highlight>
-              </a:rPr>
-              <a:t>)</a:t>
-            </a:r>
-          </a:p>
-          <a:p>
-            <a:endParaRPr lang="en-US" dirty="0">
-              <a:solidFill>
-                <a:srgbClr val="002050"/>
-              </a:solidFill>
-              <a:highlight>
-                <a:srgbClr val="FFFF00"/>
-              </a:highlight>
-            </a:endParaRPr>
-          </a:p>
-          <a:p>
-            <a:r>
-              <a:rPr lang="en-US" dirty="0" err="1"/>
-              <a:t>loan_amount</a:t>
-            </a:r>
-            <a:r>
-              <a:rPr lang="en-US" dirty="0"/>
-              <a:t> = input(</a:t>
-            </a:r>
-            <a:r>
-              <a:rPr lang="en-US" dirty="0">
-                <a:solidFill>
-                  <a:srgbClr val="C00000"/>
-                </a:solidFill>
-              </a:rPr>
-              <a:t>'How much did you borrow? '</a:t>
-            </a:r>
-            <a:r>
-              <a:rPr lang="en-US" dirty="0"/>
-              <a:t>)</a:t>
-            </a:r>
-          </a:p>
-          <a:p>
-            <a:r>
-              <a:rPr lang="en-US" dirty="0">
-                <a:highlight>
-                  <a:srgbClr val="FFFF00"/>
-                </a:highlight>
-              </a:rPr>
-              <a:t>print</a:t>
-            </a:r>
-            <a:r>
-              <a:rPr lang="en-US" dirty="0">
-                <a:solidFill>
-                  <a:srgbClr val="002050"/>
-                </a:solidFill>
-                <a:highlight>
-                  <a:srgbClr val="FFFF00"/>
-                </a:highlight>
-              </a:rPr>
-              <a:t>(</a:t>
-            </a:r>
-            <a:r>
-              <a:rPr lang="en-US" dirty="0">
-                <a:solidFill>
-                  <a:srgbClr val="C00000"/>
-                </a:solidFill>
-                <a:highlight>
-                  <a:srgbClr val="FFFF00"/>
-                </a:highlight>
-              </a:rPr>
-              <a:t>'\</a:t>
-            </a:r>
-            <a:r>
-              <a:rPr lang="en-US" dirty="0" err="1">
-                <a:solidFill>
-                  <a:srgbClr val="C00000"/>
-                </a:solidFill>
-                <a:highlight>
-                  <a:srgbClr val="FFFF00"/>
-                </a:highlight>
-              </a:rPr>
-              <a:t>nYou</a:t>
-            </a:r>
-            <a:r>
-              <a:rPr lang="en-US" dirty="0">
-                <a:solidFill>
-                  <a:srgbClr val="C00000"/>
-                </a:solidFill>
-                <a:highlight>
-                  <a:srgbClr val="FFFF00"/>
-                </a:highlight>
-              </a:rPr>
-              <a:t> entered loan amount: ' + </a:t>
-            </a:r>
-            <a:r>
-              <a:rPr lang="en-US" dirty="0" err="1">
-                <a:solidFill>
-                  <a:srgbClr val="C00000"/>
-                </a:solidFill>
-                <a:highlight>
-                  <a:srgbClr val="FFFF00"/>
-                </a:highlight>
-              </a:rPr>
-              <a:t>loan_amount</a:t>
-            </a:r>
-            <a:r>
-              <a:rPr lang="en-US" dirty="0">
-                <a:solidFill>
-                  <a:srgbClr val="002050"/>
-                </a:solidFill>
-                <a:highlight>
-                  <a:srgbClr val="FFFF00"/>
-                </a:highlight>
-              </a:rPr>
-              <a:t>)</a:t>
-            </a:r>
-          </a:p>
-          <a:p>
-            <a:endParaRPr lang="en-US" dirty="0">
-              <a:solidFill>
-                <a:srgbClr val="002050"/>
-              </a:solidFill>
-              <a:highlight>
-                <a:srgbClr val="FFFF00"/>
-              </a:highlight>
-            </a:endParaRPr>
-          </a:p>
-          <a:p>
-            <a:r>
-              <a:rPr lang="en-US" dirty="0">
-                <a:highlight>
-                  <a:srgbClr val="FFFF00"/>
-                </a:highlight>
-              </a:rPr>
-              <a:t>print</a:t>
-            </a:r>
-            <a:r>
-              <a:rPr lang="en-US" dirty="0">
-                <a:solidFill>
-                  <a:srgbClr val="002050"/>
-                </a:solidFill>
-                <a:highlight>
-                  <a:srgbClr val="FFFF00"/>
-                </a:highlight>
-              </a:rPr>
-              <a:t>(</a:t>
-            </a:r>
-            <a:r>
-              <a:rPr lang="en-US" dirty="0">
-                <a:solidFill>
-                  <a:srgbClr val="C00000"/>
-                </a:solidFill>
-                <a:highlight>
-                  <a:srgbClr val="FFFF00"/>
-                </a:highlight>
-              </a:rPr>
-              <a:t>'\</a:t>
-            </a:r>
-            <a:r>
-              <a:rPr lang="en-US" dirty="0" err="1">
-                <a:solidFill>
-                  <a:srgbClr val="C00000"/>
-                </a:solidFill>
-                <a:highlight>
-                  <a:srgbClr val="FFFF00"/>
-                </a:highlight>
-              </a:rPr>
-              <a:t>nCalculateInterest</a:t>
-            </a:r>
-            <a:r>
-              <a:rPr lang="en-US" dirty="0">
-                <a:solidFill>
-                  <a:srgbClr val="C00000"/>
-                </a:solidFill>
-                <a:highlight>
-                  <a:srgbClr val="FFFF00"/>
-                </a:highlight>
-              </a:rPr>
-              <a:t>'</a:t>
-            </a:r>
-            <a:r>
-              <a:rPr lang="en-US" dirty="0">
-                <a:solidFill>
-                  <a:srgbClr val="002050"/>
-                </a:solidFill>
-                <a:highlight>
-                  <a:srgbClr val="FFFF00"/>
-                </a:highlight>
-              </a:rPr>
-              <a:t>)</a:t>
-            </a:r>
-          </a:p>
-          <a:p>
-            <a:r>
-              <a:rPr lang="en-US" dirty="0" err="1"/>
-              <a:t>int_rate</a:t>
-            </a:r>
-            <a:r>
-              <a:rPr lang="en-US" dirty="0"/>
-              <a:t> = float(</a:t>
-            </a:r>
-            <a:r>
-              <a:rPr lang="en-US" dirty="0" err="1"/>
-              <a:t>int_charged</a:t>
-            </a:r>
-            <a:r>
-              <a:rPr lang="en-US" dirty="0"/>
-              <a:t>) / float(</a:t>
-            </a:r>
-            <a:r>
-              <a:rPr lang="en-US" dirty="0" err="1"/>
-              <a:t>loan_amount</a:t>
-            </a:r>
-            <a:r>
-              <a:rPr lang="en-US" dirty="0"/>
-              <a:t>) </a:t>
-            </a:r>
-          </a:p>
-          <a:p>
-            <a:r>
-              <a:rPr lang="en-US" dirty="0" err="1"/>
-              <a:t>int_percent</a:t>
-            </a:r>
-            <a:r>
-              <a:rPr lang="en-US" dirty="0"/>
-              <a:t> = float(</a:t>
-            </a:r>
-            <a:r>
-              <a:rPr lang="en-US" dirty="0" err="1"/>
-              <a:t>int_rate</a:t>
-            </a:r>
-            <a:r>
-              <a:rPr lang="en-US" dirty="0"/>
-              <a:t>)*100</a:t>
-            </a:r>
-          </a:p>
-          <a:p>
-            <a:endParaRPr lang="en-US" dirty="0"/>
-          </a:p>
-          <a:p>
-            <a:r>
-              <a:rPr lang="en-CA" dirty="0">
-                <a:highlight>
-                  <a:srgbClr val="FFFF00"/>
-                </a:highlight>
-              </a:rPr>
-              <a:t>print</a:t>
-            </a:r>
-            <a:r>
-              <a:rPr lang="en-CA" dirty="0">
-                <a:solidFill>
-                  <a:srgbClr val="002050"/>
-                </a:solidFill>
-                <a:highlight>
-                  <a:srgbClr val="FFFF00"/>
-                </a:highlight>
-              </a:rPr>
-              <a:t>(</a:t>
-            </a:r>
-            <a:r>
-              <a:rPr lang="en-CA" dirty="0">
-                <a:solidFill>
-                  <a:srgbClr val="C00000"/>
-                </a:solidFill>
-                <a:highlight>
-                  <a:srgbClr val="FFFF00"/>
-                </a:highlight>
-              </a:rPr>
-              <a:t>'\</a:t>
-            </a:r>
-            <a:r>
-              <a:rPr lang="en-CA" dirty="0" err="1">
-                <a:solidFill>
-                  <a:srgbClr val="C00000"/>
-                </a:solidFill>
-                <a:highlight>
-                  <a:srgbClr val="FFFF00"/>
-                </a:highlight>
-              </a:rPr>
-              <a:t>nshow</a:t>
-            </a:r>
-            <a:r>
-              <a:rPr lang="en-CA" dirty="0">
-                <a:solidFill>
-                  <a:srgbClr val="C00000"/>
-                </a:solidFill>
-                <a:highlight>
-                  <a:srgbClr val="FFFF00"/>
-                </a:highlight>
-              </a:rPr>
-              <a:t> result'</a:t>
-            </a:r>
-            <a:r>
-              <a:rPr lang="en-CA" dirty="0">
-                <a:solidFill>
-                  <a:srgbClr val="002050"/>
-                </a:solidFill>
-                <a:highlight>
-                  <a:srgbClr val="FFFF00"/>
-                </a:highlight>
-              </a:rPr>
-              <a:t>)</a:t>
-            </a:r>
-            <a:endParaRPr lang="en-US" dirty="0">
-              <a:solidFill>
-                <a:srgbClr val="002050"/>
-              </a:solidFill>
-              <a:highlight>
-                <a:srgbClr val="FFFF00"/>
-              </a:highlight>
-            </a:endParaRPr>
-          </a:p>
-          <a:p>
-            <a:r>
-              <a:rPr lang="en-US" dirty="0"/>
-              <a:t>print(</a:t>
-            </a:r>
-            <a:r>
-              <a:rPr lang="en-US" dirty="0">
-                <a:solidFill>
-                  <a:srgbClr val="C00000"/>
-                </a:solidFill>
-              </a:rPr>
-              <a:t>'interest rate is ' </a:t>
-            </a:r>
-            <a:r>
-              <a:rPr lang="en-US" dirty="0"/>
-              <a:t>+ str(</a:t>
-            </a:r>
-            <a:r>
-              <a:rPr lang="en-US" dirty="0" err="1"/>
-              <a:t>int_percent</a:t>
-            </a:r>
-            <a:r>
-              <a:rPr lang="en-US" dirty="0"/>
-              <a:t>))</a:t>
-            </a:r>
-          </a:p>
-          <a:p>
-            <a:endParaRPr lang="en-CA" dirty="0"/>
-          </a:p>
-          <a:p>
-            <a:endParaRPr lang="en-CA" dirty="0"/>
-          </a:p>
-          <a:p>
-            <a:endParaRPr lang="en-CA" dirty="0"/>
-          </a:p>
-          <a:p>
-            <a:endParaRPr lang="en-CA" dirty="0"/>
-          </a:p>
-        </p:txBody>
-      </p:sp>
-      <p:sp>
-        <p:nvSpPr>
-          <p:cNvPr id="7" name="Text Placeholder 4">
-            <a:extLst>
-              <a:ext uri="{FF2B5EF4-FFF2-40B4-BE49-F238E27FC236}">
-                <a16:creationId xmlns:a16="http://schemas.microsoft.com/office/drawing/2014/main" id="{BFAE8A30-3BC2-4D70-ABC9-04499AB018B7}"/>
-              </a:ext>
-            </a:extLst>
-          </p:cNvPr>
-          <p:cNvSpPr txBox="1">
-            <a:spLocks/>
-          </p:cNvSpPr>
-          <p:nvPr/>
-        </p:nvSpPr>
-        <p:spPr>
-          <a:xfrm>
-            <a:off x="261573" y="220662"/>
-            <a:ext cx="12070715" cy="6460230"/>
-          </a:xfrm>
-          <a:prstGeom prst="rect">
-            <a:avLst/>
-          </a:prstGeom>
-          <a:solidFill>
-            <a:schemeClr val="tx1"/>
-          </a:solidFill>
-        </p:spPr>
-        <p:txBody>
-          <a:bodyPr vert="horz" wrap="square" lIns="91440" tIns="91440" rIns="91440" bIns="91440" rtlCol="0">
-            <a:spAutoFit/>
-          </a:bodyPr>
-          <a:lstStyle>
-            <a:lvl1pPr marL="0" marR="0" indent="0" algn="l" defTabSz="932742" rtl="0" eaLnBrk="1" fontAlgn="auto" latinLnBrk="0" hangingPunct="1">
-              <a:lnSpc>
-                <a:spcPct val="90000"/>
-              </a:lnSpc>
-              <a:spcBef>
-                <a:spcPts val="600"/>
-              </a:spcBef>
-              <a:spcAft>
-                <a:spcPts val="0"/>
-              </a:spcAft>
-              <a:buClrTx/>
-              <a:buSzPct val="90000"/>
-              <a:buFont typeface="Arial" pitchFamily="34" charset="0"/>
-              <a:buNone/>
-              <a:tabLst/>
-              <a:defRPr sz="3200" kern="1200" spc="0" baseline="0">
-                <a:gradFill>
-                  <a:gsLst>
-                    <a:gs pos="1250">
-                      <a:srgbClr val="000000"/>
-                    </a:gs>
-                    <a:gs pos="100000">
-                      <a:srgbClr val="000000"/>
-                    </a:gs>
-                  </a:gsLst>
-                  <a:lin ang="5400000" scaled="0"/>
-                </a:gradFill>
-                <a:latin typeface="Consolas" panose="020B0609020204030204" pitchFamily="49" charset="0"/>
-                <a:ea typeface="+mn-ea"/>
-                <a:cs typeface="Consolas" panose="020B0609020204030204" pitchFamily="49" charset="0"/>
-              </a:defRPr>
-            </a:lvl1pPr>
-            <a:lvl2pPr marL="228600" marR="0" indent="0" algn="l" defTabSz="932742" rtl="0" eaLnBrk="1" fontAlgn="auto" latinLnBrk="0" hangingPunct="1">
-              <a:lnSpc>
-                <a:spcPct val="90000"/>
-              </a:lnSpc>
-              <a:spcBef>
-                <a:spcPts val="600"/>
-              </a:spcBef>
-              <a:spcAft>
-                <a:spcPts val="0"/>
-              </a:spcAft>
-              <a:buClrTx/>
-              <a:buSzPct val="90000"/>
-              <a:buFont typeface="Arial" pitchFamily="34" charset="0"/>
-              <a:buNone/>
-              <a:tabLst/>
-              <a:defRPr sz="2000" kern="1200" spc="0" baseline="0">
-                <a:gradFill>
-                  <a:gsLst>
-                    <a:gs pos="1250">
-                      <a:srgbClr val="000000"/>
-                    </a:gs>
-                    <a:gs pos="100000">
-                      <a:srgbClr val="000000"/>
-                    </a:gs>
-                  </a:gsLst>
-                  <a:lin ang="5400000" scaled="0"/>
-                </a:gradFill>
-                <a:latin typeface="Consolas" panose="020B0609020204030204" pitchFamily="49" charset="0"/>
-                <a:ea typeface="+mn-ea"/>
-                <a:cs typeface="Consolas" panose="020B0609020204030204" pitchFamily="49" charset="0"/>
-              </a:defRPr>
-            </a:lvl2pPr>
-            <a:lvl3pPr marL="457200" marR="0" indent="0" algn="l" defTabSz="932742" rtl="0" eaLnBrk="1" fontAlgn="auto" latinLnBrk="0" hangingPunct="1">
-              <a:lnSpc>
-                <a:spcPct val="90000"/>
-              </a:lnSpc>
-              <a:spcBef>
-                <a:spcPts val="600"/>
-              </a:spcBef>
-              <a:spcAft>
-                <a:spcPts val="0"/>
-              </a:spcAft>
-              <a:buClrTx/>
-              <a:buSzPct val="90000"/>
-              <a:buFont typeface="Arial" pitchFamily="34" charset="0"/>
-              <a:buNone/>
-              <a:tabLst/>
-              <a:defRPr sz="2000" kern="1200" spc="0" baseline="0">
-                <a:gradFill>
-                  <a:gsLst>
-                    <a:gs pos="1250">
-                      <a:srgbClr val="000000"/>
-                    </a:gs>
-                    <a:gs pos="100000">
-                      <a:srgbClr val="000000"/>
-                    </a:gs>
-                  </a:gsLst>
-                  <a:lin ang="5400000" scaled="0"/>
-                </a:gradFill>
-                <a:latin typeface="Consolas" panose="020B0609020204030204" pitchFamily="49" charset="0"/>
-                <a:ea typeface="+mn-ea"/>
-                <a:cs typeface="Consolas" panose="020B0609020204030204" pitchFamily="49" charset="0"/>
-              </a:defRPr>
-            </a:lvl3pPr>
-            <a:lvl4pPr marL="685800" marR="0" indent="0" algn="l" defTabSz="932742" rtl="0" eaLnBrk="1" fontAlgn="auto" latinLnBrk="0" hangingPunct="1">
-              <a:lnSpc>
-                <a:spcPct val="90000"/>
-              </a:lnSpc>
-              <a:spcBef>
-                <a:spcPts val="600"/>
-              </a:spcBef>
-              <a:spcAft>
-                <a:spcPts val="0"/>
-              </a:spcAft>
-              <a:buClrTx/>
-              <a:buSzPct val="90000"/>
-              <a:buFont typeface="Arial" pitchFamily="34" charset="0"/>
-              <a:buNone/>
-              <a:tabLst/>
-              <a:defRPr sz="2000" kern="1200" spc="0" baseline="0">
-                <a:gradFill>
-                  <a:gsLst>
-                    <a:gs pos="1250">
-                      <a:srgbClr val="000000"/>
-                    </a:gs>
-                    <a:gs pos="100000">
-                      <a:srgbClr val="000000"/>
-                    </a:gs>
-                  </a:gsLst>
-                  <a:lin ang="5400000" scaled="0"/>
-                </a:gradFill>
-                <a:latin typeface="Consolas" panose="020B0609020204030204" pitchFamily="49" charset="0"/>
-                <a:ea typeface="+mn-ea"/>
-                <a:cs typeface="Consolas" panose="020B0609020204030204" pitchFamily="49" charset="0"/>
-              </a:defRPr>
-            </a:lvl4pPr>
-            <a:lvl5pPr marL="914400" marR="0" indent="0" algn="l" defTabSz="932742" rtl="0" eaLnBrk="1" fontAlgn="auto" latinLnBrk="0" hangingPunct="1">
-              <a:lnSpc>
-                <a:spcPct val="90000"/>
-              </a:lnSpc>
-              <a:spcBef>
-                <a:spcPts val="600"/>
-              </a:spcBef>
-              <a:spcAft>
-                <a:spcPts val="0"/>
-              </a:spcAft>
-              <a:buClrTx/>
-              <a:buSzPct val="90000"/>
-              <a:buFont typeface="Arial" pitchFamily="34" charset="0"/>
-              <a:buNone/>
-              <a:tabLst/>
-              <a:defRPr sz="2000" kern="1200" spc="0" baseline="0">
-                <a:gradFill>
-                  <a:gsLst>
-                    <a:gs pos="1250">
-                      <a:srgbClr val="000000"/>
-                    </a:gs>
-                    <a:gs pos="100000">
-                      <a:srgbClr val="000000"/>
-                    </a:gs>
-                  </a:gsLst>
-                  <a:lin ang="5400000" scaled="0"/>
-                </a:gradFill>
-                <a:latin typeface="Consolas" panose="020B0609020204030204" pitchFamily="49" charset="0"/>
-                <a:ea typeface="+mn-ea"/>
-                <a:cs typeface="Consolas" panose="020B0609020204030204" pitchFamily="49" charset="0"/>
-              </a:defRPr>
-            </a:lvl5pPr>
-            <a:lvl6pPr marL="2565040" indent="-233186" algn="l" defTabSz="932742" rtl="0" eaLnBrk="1" latinLnBrk="0" hangingPunct="1">
-              <a:spcBef>
-                <a:spcPct val="20000"/>
-              </a:spcBef>
-              <a:buFont typeface="Arial" pitchFamily="34" charset="0"/>
-              <a:buChar char="•"/>
-              <a:defRPr sz="2000" kern="1200">
-                <a:solidFill>
-                  <a:schemeClr val="tx1"/>
-                </a:solidFill>
-                <a:latin typeface="+mn-lt"/>
-                <a:ea typeface="+mn-ea"/>
-                <a:cs typeface="+mn-cs"/>
-              </a:defRPr>
-            </a:lvl6pPr>
-            <a:lvl7pPr marL="3031412" indent="-233186" algn="l" defTabSz="932742" rtl="0" eaLnBrk="1" latinLnBrk="0" hangingPunct="1">
-              <a:spcBef>
-                <a:spcPct val="20000"/>
-              </a:spcBef>
-              <a:buFont typeface="Arial" pitchFamily="34" charset="0"/>
-              <a:buChar char="•"/>
-              <a:defRPr sz="2000" kern="1200">
-                <a:solidFill>
-                  <a:schemeClr val="tx1"/>
-                </a:solidFill>
-                <a:latin typeface="+mn-lt"/>
-                <a:ea typeface="+mn-ea"/>
-                <a:cs typeface="+mn-cs"/>
-              </a:defRPr>
-            </a:lvl7pPr>
-            <a:lvl8pPr marL="3497783" indent="-233186" algn="l" defTabSz="932742" rtl="0" eaLnBrk="1" latinLnBrk="0" hangingPunct="1">
-              <a:spcBef>
-                <a:spcPct val="20000"/>
-              </a:spcBef>
-              <a:buFont typeface="Arial" pitchFamily="34" charset="0"/>
-              <a:buChar char="•"/>
-              <a:defRPr sz="2000" kern="1200">
-                <a:solidFill>
-                  <a:schemeClr val="tx1"/>
-                </a:solidFill>
-                <a:latin typeface="+mn-lt"/>
-                <a:ea typeface="+mn-ea"/>
-                <a:cs typeface="+mn-cs"/>
-              </a:defRPr>
-            </a:lvl8pPr>
-            <a:lvl9pPr marL="3964155" indent="-233186" algn="l" defTabSz="932742" rtl="0" eaLnBrk="1" latinLnBrk="0" hangingPunct="1">
-              <a:spcBef>
-                <a:spcPct val="20000"/>
-              </a:spcBef>
-              <a:buFont typeface="Arial" pitchFamily="34" charset="0"/>
-              <a:buChar char="•"/>
-              <a:defRPr sz="2000" kern="1200">
-                <a:solidFill>
-                  <a:schemeClr val="tx1"/>
-                </a:solidFill>
-                <a:latin typeface="+mn-lt"/>
-                <a:ea typeface="+mn-ea"/>
-                <a:cs typeface="+mn-cs"/>
-              </a:defRPr>
-            </a:lvl9pPr>
-          </a:lstStyle>
-          <a:p>
-            <a:r>
-              <a:rPr lang="en-US" sz="2800" dirty="0">
-                <a:solidFill>
-                  <a:schemeClr val="bg1"/>
-                </a:solidFill>
-              </a:rPr>
-              <a:t>How much interest did you pay?50</a:t>
-            </a:r>
-          </a:p>
-          <a:p>
-            <a:endParaRPr lang="en-US" sz="2800" dirty="0">
-              <a:solidFill>
-                <a:schemeClr val="bg1"/>
-              </a:solidFill>
-            </a:endParaRPr>
-          </a:p>
-          <a:p>
-            <a:r>
-              <a:rPr lang="en-US" sz="2800" dirty="0">
-                <a:solidFill>
-                  <a:schemeClr val="bg1"/>
-                </a:solidFill>
-              </a:rPr>
-              <a:t>You entered Interest: 50</a:t>
-            </a:r>
-          </a:p>
-          <a:p>
-            <a:r>
-              <a:rPr lang="en-US" sz="2800" dirty="0">
-                <a:solidFill>
-                  <a:schemeClr val="bg1"/>
-                </a:solidFill>
-              </a:rPr>
-              <a:t>How much did you borrow? 0</a:t>
-            </a:r>
-          </a:p>
-          <a:p>
-            <a:endParaRPr lang="en-US" sz="2800" dirty="0">
-              <a:solidFill>
-                <a:schemeClr val="bg1"/>
-              </a:solidFill>
-            </a:endParaRPr>
-          </a:p>
-          <a:p>
-            <a:r>
-              <a:rPr lang="en-US" sz="2800" dirty="0">
-                <a:solidFill>
-                  <a:schemeClr val="bg1"/>
-                </a:solidFill>
-              </a:rPr>
-              <a:t>You entered loan amount: 0</a:t>
-            </a:r>
-          </a:p>
-          <a:p>
-            <a:endParaRPr lang="en-US" sz="2800" dirty="0">
-              <a:solidFill>
-                <a:schemeClr val="bg1"/>
-              </a:solidFill>
-            </a:endParaRPr>
-          </a:p>
-          <a:p>
-            <a:r>
-              <a:rPr lang="en-US" sz="2800" dirty="0" err="1">
-                <a:solidFill>
-                  <a:schemeClr val="bg1"/>
-                </a:solidFill>
-              </a:rPr>
-              <a:t>CalculateInterest</a:t>
-            </a:r>
-            <a:endParaRPr lang="en-US" sz="2800" dirty="0">
-              <a:solidFill>
-                <a:schemeClr val="bg1"/>
-              </a:solidFill>
-            </a:endParaRPr>
-          </a:p>
-          <a:p>
-            <a:r>
-              <a:rPr lang="en-US" sz="2800" dirty="0">
-                <a:solidFill>
-                  <a:schemeClr val="bg1"/>
-                </a:solidFill>
-              </a:rPr>
-              <a:t>Traceback (most recent call last):</a:t>
-            </a:r>
-          </a:p>
-          <a:p>
-            <a:r>
-              <a:rPr lang="en-US" sz="2800" dirty="0">
-                <a:solidFill>
-                  <a:schemeClr val="bg1"/>
-                </a:solidFill>
-              </a:rPr>
-              <a:t>  File "c:/Users/susan/OneDrive/Documents/PythonCourse/HelloWorld/CodeToDebugWithPrintStatements.py", line 8, in &lt;module&gt;</a:t>
-            </a:r>
-          </a:p>
-          <a:p>
-            <a:r>
-              <a:rPr lang="en-US" sz="2800" dirty="0">
-                <a:solidFill>
-                  <a:schemeClr val="bg1"/>
-                </a:solidFill>
-              </a:rPr>
-              <a:t>    </a:t>
-            </a:r>
-            <a:r>
-              <a:rPr lang="en-US" sz="2800" dirty="0" err="1">
-                <a:solidFill>
-                  <a:schemeClr val="bg1"/>
-                </a:solidFill>
-              </a:rPr>
-              <a:t>int_rate</a:t>
-            </a:r>
-            <a:r>
-              <a:rPr lang="en-US" sz="2800" dirty="0">
-                <a:solidFill>
-                  <a:schemeClr val="bg1"/>
-                </a:solidFill>
-              </a:rPr>
-              <a:t> = float(</a:t>
-            </a:r>
-            <a:r>
-              <a:rPr lang="en-US" sz="2800" dirty="0" err="1">
-                <a:solidFill>
-                  <a:schemeClr val="bg1"/>
-                </a:solidFill>
-              </a:rPr>
-              <a:t>int_charged</a:t>
-            </a:r>
-            <a:r>
-              <a:rPr lang="en-US" sz="2800" dirty="0">
-                <a:solidFill>
-                  <a:schemeClr val="bg1"/>
-                </a:solidFill>
-              </a:rPr>
-              <a:t>) / float(</a:t>
-            </a:r>
-            <a:r>
-              <a:rPr lang="en-US" sz="2800" dirty="0" err="1">
-                <a:solidFill>
-                  <a:schemeClr val="bg1"/>
-                </a:solidFill>
-              </a:rPr>
-              <a:t>loan_amount</a:t>
-            </a:r>
-            <a:r>
-              <a:rPr lang="en-US" sz="2800" dirty="0">
-                <a:solidFill>
-                  <a:schemeClr val="bg1"/>
-                </a:solidFill>
-              </a:rPr>
-              <a:t>)</a:t>
-            </a:r>
-          </a:p>
-          <a:p>
-            <a:r>
-              <a:rPr lang="en-US" sz="2800" dirty="0" err="1">
-                <a:solidFill>
-                  <a:schemeClr val="bg1"/>
-                </a:solidFill>
-              </a:rPr>
-              <a:t>ZeroDivisionError</a:t>
-            </a:r>
-            <a:r>
-              <a:rPr lang="en-US" sz="2800" dirty="0">
-                <a:solidFill>
-                  <a:schemeClr val="bg1"/>
-                </a:solidFill>
-              </a:rPr>
-              <a:t>: float division by zero</a:t>
-            </a:r>
-            <a:endParaRPr lang="en-CA" sz="2800" dirty="0"/>
-          </a:p>
-        </p:txBody>
-      </p:sp>
-    </p:spTree>
-    <p:extLst>
-      <p:ext uri="{BB962C8B-B14F-4D97-AF65-F5344CB8AC3E}">
-        <p14:creationId xmlns:p14="http://schemas.microsoft.com/office/powerpoint/2010/main" val="1467086612"/>
-      </p:ext>
-    </p:extLst>
-  </p:cSld>
-  <p:clrMapOvr>
-    <a:masterClrMapping/>
-  </p:clrMapOvr>
-  <mc:AlternateContent xmlns:mc="http://schemas.openxmlformats.org/markup-compatibility/2006" xmlns:p14="http://schemas.microsoft.com/office/powerpoint/2010/main">
-    <mc:Choice Requires="p14">
-      <p:transition p14:dur="0"/>
-    </mc:Choice>
-    <mc:Fallback xmlns="">
-      <p:transition/>
-    </mc:Fallback>
-  </mc:AlternateContent>
-  <p:timing>
-    <p:tnLst>
-      <p:par>
-        <p:cTn id="1" dur="indefinite" restart="never" nodeType="tmRoot">
-          <p:childTnLst>
-            <p:seq concurrent="1" nextAc="seek">
-              <p:cTn id="2" dur="indefinite" nodeType="mainSeq">
-                <p:childTnLst>
-                  <p:par>
-                    <p:cTn id="3" fill="hold">
-                      <p:stCondLst>
-                        <p:cond delay="indefinite"/>
-                      </p:stCondLst>
-                      <p:childTnLst>
-                        <p:par>
-                          <p:cTn id="4" fill="hold">
-                            <p:stCondLst>
-                              <p:cond delay="0"/>
-                            </p:stCondLst>
-                            <p:childTnLst>
-                              <p:par>
-                                <p:cTn id="5" presetID="1" presetClass="entr" presetSubtype="0" fill="hold" grpId="0" nodeType="clickEffect">
-                                  <p:stCondLst>
-                                    <p:cond delay="0"/>
-                                  </p:stCondLst>
-                                  <p:childTnLst>
-                                    <p:set>
-                                      <p:cBhvr>
-                                        <p:cTn id="6" dur="1" fill="hold">
-                                          <p:stCondLst>
-                                            <p:cond delay="0"/>
-                                          </p:stCondLst>
-                                        </p:cTn>
-                                        <p:tgtEl>
-                                          <p:spTgt spid="7"/>
-                                        </p:tgtEl>
-                                        <p:attrNameLst>
-                                          <p:attrName>style.visibility</p:attrName>
-                                        </p:attrNameLst>
-                                      </p:cBhvr>
-                                      <p:to>
-                                        <p:strVal val="visible"/>
-                                      </p:to>
-                                    </p:set>
-                                  </p:childTnLst>
-                                </p:cTn>
-                              </p:par>
-                            </p:childTnLst>
-                          </p:cTn>
-                        </p:par>
-                      </p:childTnLst>
-                    </p:cTn>
-                  </p:par>
-                </p:childTnLst>
-              </p:cTn>
-              <p:prevCondLst>
-                <p:cond evt="onPrev" delay="0">
-                  <p:tgtEl>
-                    <p:sldTgt/>
-                  </p:tgtEl>
-                </p:cond>
-              </p:prevCondLst>
-              <p:nextCondLst>
-                <p:cond evt="onNext" delay="0">
-                  <p:tgtEl>
-                    <p:sldTgt/>
-                  </p:tgtEl>
-                </p:cond>
-              </p:nextCondLst>
-            </p:seq>
-          </p:childTnLst>
-        </p:cTn>
-      </p:par>
-    </p:tnLst>
-    <p:bldLst>
-      <p:bldP spid="7" grpId="0" animBg="1"/>
+      <p:bldP spid="6" grpId="0" animBg="1"/>
     </p:bldLst>
   </p:timing>
 </p:sld>
@@ -44597,36 +43978,15 @@
 </file>
 
 <file path=customXml/item1.xml><?xml version="1.0" encoding="utf-8"?>
-<p:properties xmlns:p="http://schemas.microsoft.com/office/2006/metadata/properties" xmlns:xsi="http://www.w3.org/2001/XMLSchema-instance" xmlns:pc="http://schemas.microsoft.com/office/infopath/2007/PartnerControls">
-  <documentManagement>
-    <SharedWithUsers xmlns="83cd2334-221a-48c3-9034-bfd1542dfe28">
-      <UserInfo>
-        <DisplayName>Gilad Turbahn</DisplayName>
-        <AccountId>511</AccountId>
-        <AccountType/>
-      </UserInfo>
-      <UserInfo>
-        <DisplayName>Keith Boyd</DisplayName>
-        <AccountId>993</AccountId>
-        <AccountType/>
-      </UserInfo>
-      <UserInfo>
-        <DisplayName>Christopher Harrison</DisplayName>
-        <AccountId>1176</AccountId>
-        <AccountType/>
-      </UserInfo>
-    </SharedWithUsers>
-  </documentManagement>
-</p:properties>
+<Control xmlns="http://schemas.microsoft.com/VisualStudio/2011/storyboarding/control">
+  <Id Name="d69996e1-3d61-4686-9b63-f1b855c596ab" Revision="1" Stencil="7276b9ef-3953-4dce-a89b-ed85f20b8b93" StencilVersion="1.0"/>
+</Control>
 </file>
 
 <file path=customXml/item10.xml><?xml version="1.0" encoding="utf-8"?>
-<?mso-contentType ?>
-<FormTemplates xmlns="http://schemas.microsoft.com/sharepoint/v3/contenttype/forms">
-  <Display>DocumentLibraryForm</Display>
-  <Edit>DocumentLibraryForm</Edit>
-  <New>DocumentLibraryForm</New>
-</FormTemplates>
+<Control xmlns="http://schemas.microsoft.com/VisualStudio/2011/storyboarding/control">
+  <Id Name="fb22c541-ded0-47fa-8877-83a4c2d16227" Revision="1" Stencil="7276b9ef-3953-4dce-a89b-ed85f20b8b93" StencilVersion="1.0"/>
+</Control>
 </file>
 
 <file path=customXml/item11.xml><?xml version="1.0" encoding="utf-8"?>
@@ -44679,13 +44039,13 @@
 
 <file path=customXml/item13.xml><?xml version="1.0" encoding="utf-8"?>
 <Control xmlns="http://schemas.microsoft.com/VisualStudio/2011/storyboarding/control">
-  <Id Name="a2191c86-fc50-4add-948c-129f6b5a88d8" Revision="1" Stencil="7276b9ef-3953-4dce-a89b-ed85f20b8b93" StencilVersion="1.0"/>
+  <Id Name="a53d73d2-368b-429e-b817-1324eec1382c" Revision="1" Stencil="7276b9ef-3953-4dce-a89b-ed85f20b8b93" StencilVersion="1.0"/>
 </Control>
 </file>
 
 <file path=customXml/item14.xml><?xml version="1.0" encoding="utf-8"?>
 <Control xmlns="http://schemas.microsoft.com/VisualStudio/2011/storyboarding/control">
-  <Id Name="a53d73d2-368b-429e-b817-1324eec1382c" Revision="1" Stencil="7276b9ef-3953-4dce-a89b-ed85f20b8b93" StencilVersion="1.0"/>
+  <Id Name="369f9055-6b6c-48b9-9320-5df2d46c430a" Revision="1" Stencil="7276b9ef-3953-4dce-a89b-ed85f20b8b93" StencilVersion="1.0"/>
 </Control>
 </file>
 
@@ -44696,66 +44056,27 @@
 </file>
 
 <file path=customXml/item16.xml><?xml version="1.0" encoding="utf-8"?>
-<p:properties xmlns:p="http://schemas.microsoft.com/office/2006/metadata/properties" xmlns:xsi="http://www.w3.org/2001/XMLSchema-instance" xmlns:pc="http://schemas.microsoft.com/office/infopath/2007/PartnerControls">
-  <documentManagement>
-    <SharedWithUsers xmlns="83cd2334-221a-48c3-9034-bfd1542dfe28">
-      <UserInfo>
-        <DisplayName>Gilad Turbahn</DisplayName>
-        <AccountId>511</AccountId>
-        <AccountType/>
-      </UserInfo>
-      <UserInfo>
-        <DisplayName>Keith Boyd</DisplayName>
-        <AccountId>993</AccountId>
-        <AccountType/>
-      </UserInfo>
-      <UserInfo>
-        <DisplayName>Christopher Harrison</DisplayName>
-        <AccountId>1176</AccountId>
-        <AccountType/>
-      </UserInfo>
-    </SharedWithUsers>
-  </documentManagement>
-</p:properties>
+<Control xmlns="http://schemas.microsoft.com/VisualStudio/2011/storyboarding/control">
+  <Id Name="fb22c541-ded0-47fa-8877-83a4c2d16227" Revision="1" Stencil="7276b9ef-3953-4dce-a89b-ed85f20b8b93" StencilVersion="1.0"/>
+</Control>
 </file>
 
 <file path=customXml/item17.xml><?xml version="1.0" encoding="utf-8"?>
+<Control xmlns="http://schemas.microsoft.com/VisualStudio/2011/storyboarding/control">
+  <Id Name="fb22c541-ded0-47fa-8877-83a4c2d16227" Revision="1" Stencil="7276b9ef-3953-4dce-a89b-ed85f20b8b93" StencilVersion="1.0"/>
+</Control>
+</file>
+
+<file path=customXml/item18.xml><?xml version="1.0" encoding="utf-8"?>
 <Control xmlns="http://schemas.microsoft.com/VisualStudio/2011/storyboarding/control">
   <Id Name="a2191c86-fc50-4add-948c-129f6b5a88d8" Revision="1" Stencil="7276b9ef-3953-4dce-a89b-ed85f20b8b93" StencilVersion="1.0"/>
 </Control>
 </file>
 
-<file path=customXml/item18.xml><?xml version="1.0" encoding="utf-8"?>
-<?mso-contentType ?>
-<FormTemplates xmlns="http://schemas.microsoft.com/sharepoint/v3/contenttype/forms">
-  <Display>DocumentLibraryForm</Display>
-  <Edit>DocumentLibraryForm</Edit>
-  <New>DocumentLibraryForm</New>
-</FormTemplates>
-</file>
-
 <file path=customXml/item19.xml><?xml version="1.0" encoding="utf-8"?>
-<p:properties xmlns:p="http://schemas.microsoft.com/office/2006/metadata/properties" xmlns:xsi="http://www.w3.org/2001/XMLSchema-instance" xmlns:pc="http://schemas.microsoft.com/office/infopath/2007/PartnerControls">
-  <documentManagement>
-    <SharedWithUsers xmlns="83cd2334-221a-48c3-9034-bfd1542dfe28">
-      <UserInfo>
-        <DisplayName>Gilad Turbahn</DisplayName>
-        <AccountId>511</AccountId>
-        <AccountType/>
-      </UserInfo>
-      <UserInfo>
-        <DisplayName>Keith Boyd</DisplayName>
-        <AccountId>993</AccountId>
-        <AccountType/>
-      </UserInfo>
-      <UserInfo>
-        <DisplayName>Christopher Harrison</DisplayName>
-        <AccountId>1176</AccountId>
-        <AccountType/>
-      </UserInfo>
-    </SharedWithUsers>
-  </documentManagement>
-</p:properties>
+<Control xmlns="http://schemas.microsoft.com/VisualStudio/2011/storyboarding/control">
+  <Id Name="d69996e1-3d61-4686-9b63-f1b855c596ab" Revision="1" Stencil="7276b9ef-3953-4dce-a89b-ed85f20b8b93" StencilVersion="1.0"/>
+</Control>
 </file>
 
 <file path=customXml/item2.xml><?xml version="1.0" encoding="utf-8"?>
@@ -44916,48 +44237,6 @@
 </file>
 
 <file path=customXml/item21.xml><?xml version="1.0" encoding="utf-8"?>
-<Control xmlns="http://schemas.microsoft.com/VisualStudio/2011/storyboarding/control">
-  <Id Name="a53d73d2-368b-429e-b817-1324eec1382c" Revision="1" Stencil="7276b9ef-3953-4dce-a89b-ed85f20b8b93" StencilVersion="1.0"/>
-</Control>
-</file>
-
-<file path=customXml/item22.xml><?xml version="1.0" encoding="utf-8"?>
-<Control xmlns="http://schemas.microsoft.com/VisualStudio/2011/storyboarding/control">
-  <Id Name="369f9055-6b6c-48b9-9320-5df2d46c430a" Revision="1" Stencil="7276b9ef-3953-4dce-a89b-ed85f20b8b93" StencilVersion="1.0"/>
-</Control>
-</file>
-
-<file path=customXml/item23.xml><?xml version="1.0" encoding="utf-8"?>
-<Control xmlns="http://schemas.microsoft.com/VisualStudio/2011/storyboarding/control">
-  <Id Name="a53d73d2-368b-429e-b817-1324eec1382c" Revision="1" Stencil="7276b9ef-3953-4dce-a89b-ed85f20b8b93" StencilVersion="1.0"/>
-</Control>
-</file>
-
-<file path=customXml/item24.xml><?xml version="1.0" encoding="utf-8"?>
-<Control xmlns="http://schemas.microsoft.com/VisualStudio/2011/storyboarding/control">
-  <Id Name="a53d73d2-368b-429e-b817-1324eec1382c" Revision="1" Stencil="7276b9ef-3953-4dce-a89b-ed85f20b8b93" StencilVersion="1.0"/>
-</Control>
-</file>
-
-<file path=customXml/item25.xml><?xml version="1.0" encoding="utf-8"?>
-<Control xmlns="http://schemas.microsoft.com/VisualStudio/2011/storyboarding/control">
-  <Id Name="d69996e1-3d61-4686-9b63-f1b855c596ab" Revision="1" Stencil="7276b9ef-3953-4dce-a89b-ed85f20b8b93" StencilVersion="1.0"/>
-</Control>
-</file>
-
-<file path=customXml/item26.xml><?xml version="1.0" encoding="utf-8"?>
-<Control xmlns="http://schemas.microsoft.com/VisualStudio/2011/storyboarding/control">
-  <Id Name="369f9055-6b6c-48b9-9320-5df2d46c430a" Revision="1" Stencil="7276b9ef-3953-4dce-a89b-ed85f20b8b93" StencilVersion="1.0"/>
-</Control>
-</file>
-
-<file path=customXml/item27.xml><?xml version="1.0" encoding="utf-8"?>
-<Control xmlns="http://schemas.microsoft.com/VisualStudio/2011/storyboarding/control">
-  <Id Name="d69996e1-3d61-4686-9b63-f1b855c596ab" Revision="1" Stencil="7276b9ef-3953-4dce-a89b-ed85f20b8b93" StencilVersion="1.0"/>
-</Control>
-</file>
-
-<file path=customXml/item28.xml><?xml version="1.0" encoding="utf-8"?>
 <p:properties xmlns:p="http://schemas.microsoft.com/office/2006/metadata/properties" xmlns:xsi="http://www.w3.org/2001/XMLSchema-instance" xmlns:pc="http://schemas.microsoft.com/office/infopath/2007/PartnerControls">
   <documentManagement>
     <SharedWithUsers xmlns="83cd2334-221a-48c3-9034-bfd1542dfe28">
@@ -44981,7 +44260,37 @@
 </p:properties>
 </file>
 
-<file path=customXml/item29.xml><?xml version="1.0" encoding="utf-8"?>
+<file path=customXml/item22.xml><?xml version="1.0" encoding="utf-8"?>
+<Control xmlns="http://schemas.microsoft.com/VisualStudio/2011/storyboarding/control">
+  <Id Name="a2191c86-fc50-4add-948c-129f6b5a88d8" Revision="1" Stencil="7276b9ef-3953-4dce-a89b-ed85f20b8b93" StencilVersion="1.0"/>
+</Control>
+</file>
+
+<file path=customXml/item23.xml><?xml version="1.0" encoding="utf-8"?>
+<Control xmlns="http://schemas.microsoft.com/VisualStudio/2011/storyboarding/control">
+  <Id Name="d69996e1-3d61-4686-9b63-f1b855c596ab" Revision="1" Stencil="7276b9ef-3953-4dce-a89b-ed85f20b8b93" StencilVersion="1.0"/>
+</Control>
+</file>
+
+<file path=customXml/item24.xml><?xml version="1.0" encoding="utf-8"?>
+<Control xmlns="http://schemas.microsoft.com/VisualStudio/2011/storyboarding/control">
+  <Id Name="369f9055-6b6c-48b9-9320-5df2d46c430a" Revision="1" Stencil="7276b9ef-3953-4dce-a89b-ed85f20b8b93" StencilVersion="1.0"/>
+</Control>
+</file>
+
+<file path=customXml/item25.xml><?xml version="1.0" encoding="utf-8"?>
+<Control xmlns="http://schemas.microsoft.com/VisualStudio/2011/storyboarding/control">
+  <Id Name="a53d73d2-368b-429e-b817-1324eec1382c" Revision="1" Stencil="7276b9ef-3953-4dce-a89b-ed85f20b8b93" StencilVersion="1.0"/>
+</Control>
+</file>
+
+<file path=customXml/item26.xml><?xml version="1.0" encoding="utf-8"?>
+<Control xmlns="http://schemas.microsoft.com/VisualStudio/2011/storyboarding/control">
+  <Id Name="a2191c86-fc50-4add-948c-129f6b5a88d8" Revision="1" Stencil="7276b9ef-3953-4dce-a89b-ed85f20b8b93" StencilVersion="1.0"/>
+</Control>
+</file>
+
+<file path=customXml/item27.xml><?xml version="1.0" encoding="utf-8"?>
 <?mso-contentType ?>
 <FormTemplates xmlns="http://schemas.microsoft.com/sharepoint/v3/contenttype/forms">
   <Display>DocumentLibraryForm</Display>
@@ -44990,100 +44299,13 @@
 </FormTemplates>
 </file>
 
-<file path=customXml/item3.xml><?xml version="1.0" encoding="utf-8"?>
-<?mso-contentType ?>
-<FormTemplates xmlns="http://schemas.microsoft.com/sharepoint/v3/contenttype/forms">
-  <Display>DocumentLibraryForm</Display>
-  <Edit>DocumentLibraryForm</Edit>
-  <New>DocumentLibraryForm</New>
-</FormTemplates>
-</file>
-
-<file path=customXml/item30.xml><?xml version="1.0" encoding="utf-8"?>
-<Control xmlns="http://schemas.microsoft.com/VisualStudio/2011/storyboarding/control">
-  <Id Name="fb22c541-ded0-47fa-8877-83a4c2d16227" Revision="1" Stencil="7276b9ef-3953-4dce-a89b-ed85f20b8b93" StencilVersion="1.0"/>
-</Control>
-</file>
-
-<file path=customXml/item31.xml><?xml version="1.0" encoding="utf-8"?>
-<Control xmlns="http://schemas.microsoft.com/VisualStudio/2011/storyboarding/control">
-  <Id Name="369f9055-6b6c-48b9-9320-5df2d46c430a" Revision="1" Stencil="7276b9ef-3953-4dce-a89b-ed85f20b8b93" StencilVersion="1.0"/>
-</Control>
-</file>
-
-<file path=customXml/item32.xml><?xml version="1.0" encoding="utf-8"?>
-<Control xmlns="http://schemas.microsoft.com/VisualStudio/2011/storyboarding/control">
-  <Id Name="fb22c541-ded0-47fa-8877-83a4c2d16227" Revision="1" Stencil="7276b9ef-3953-4dce-a89b-ed85f20b8b93" StencilVersion="1.0"/>
-</Control>
-</file>
-
-<file path=customXml/item33.xml><?xml version="1.0" encoding="utf-8"?>
-<Control xmlns="http://schemas.microsoft.com/VisualStudio/2011/storyboarding/control">
-  <Id Name="369f9055-6b6c-48b9-9320-5df2d46c430a" Revision="1" Stencil="7276b9ef-3953-4dce-a89b-ed85f20b8b93" StencilVersion="1.0"/>
-</Control>
-</file>
-
-<file path=customXml/item34.xml><?xml version="1.0" encoding="utf-8"?>
-<?mso-contentType ?>
-<FormTemplates xmlns="http://schemas.microsoft.com/sharepoint/v3/contenttype/forms">
-  <Display>DocumentLibraryForm</Display>
-  <Edit>DocumentLibraryForm</Edit>
-  <New>DocumentLibraryForm</New>
-</FormTemplates>
-</file>
-
-<file path=customXml/item35.xml><?xml version="1.0" encoding="utf-8"?>
-<Control xmlns="http://schemas.microsoft.com/VisualStudio/2011/storyboarding/control">
-  <Id Name="fb22c541-ded0-47fa-8877-83a4c2d16227" Revision="1" Stencil="7276b9ef-3953-4dce-a89b-ed85f20b8b93" StencilVersion="1.0"/>
-</Control>
-</file>
-
-<file path=customXml/item36.xml><?xml version="1.0" encoding="utf-8"?>
-<Control xmlns="http://schemas.microsoft.com/VisualStudio/2011/storyboarding/control">
-  <Id Name="a53d73d2-368b-429e-b817-1324eec1382c" Revision="1" Stencil="7276b9ef-3953-4dce-a89b-ed85f20b8b93" StencilVersion="1.0"/>
-</Control>
-</file>
-
-<file path=customXml/item37.xml><?xml version="1.0" encoding="utf-8"?>
-<Control xmlns="http://schemas.microsoft.com/VisualStudio/2011/storyboarding/control">
-  <Id Name="369f9055-6b6c-48b9-9320-5df2d46c430a" Revision="1" Stencil="7276b9ef-3953-4dce-a89b-ed85f20b8b93" StencilVersion="1.0"/>
-</Control>
-</file>
-
-<file path=customXml/item38.xml><?xml version="1.0" encoding="utf-8"?>
-<Control xmlns="http://schemas.microsoft.com/VisualStudio/2011/storyboarding/control">
-  <Id Name="a53d73d2-368b-429e-b817-1324eec1382c" Revision="1" Stencil="7276b9ef-3953-4dce-a89b-ed85f20b8b93" StencilVersion="1.0"/>
-</Control>
-</file>
-
-<file path=customXml/item39.xml><?xml version="1.0" encoding="utf-8"?>
-<Control xmlns="http://schemas.microsoft.com/VisualStudio/2011/storyboarding/control">
-  <Id Name="369f9055-6b6c-48b9-9320-5df2d46c430a" Revision="1" Stencil="7276b9ef-3953-4dce-a89b-ed85f20b8b93" StencilVersion="1.0"/>
-</Control>
-</file>
-
-<file path=customXml/item4.xml><?xml version="1.0" encoding="utf-8"?>
-<?mso-contentType ?>
-<FormTemplates xmlns="http://schemas.microsoft.com/sharepoint/v3/contenttype/forms">
-  <Display>DocumentLibraryForm</Display>
-  <Edit>DocumentLibraryForm</Edit>
-  <New>DocumentLibraryForm</New>
-</FormTemplates>
-</file>
-
-<file path=customXml/item40.xml><?xml version="1.0" encoding="utf-8"?>
-<Control xmlns="http://schemas.microsoft.com/VisualStudio/2011/storyboarding/control">
-  <Id Name="fb22c541-ded0-47fa-8877-83a4c2d16227" Revision="1" Stencil="7276b9ef-3953-4dce-a89b-ed85f20b8b93" StencilVersion="1.0"/>
-</Control>
-</file>
-
-<file path=customXml/item41.xml><?xml version="1.0" encoding="utf-8"?>
+<file path=customXml/item28.xml><?xml version="1.0" encoding="utf-8"?>
 <Control xmlns="http://schemas.microsoft.com/VisualStudio/2011/storyboarding/control">
   <Id Name="a2191c86-fc50-4add-948c-129f6b5a88d8" Revision="1" Stencil="7276b9ef-3953-4dce-a89b-ed85f20b8b93" StencilVersion="1.0"/>
 </Control>
 </file>
 
-<file path=customXml/item42.xml><?xml version="1.0" encoding="utf-8"?>
+<file path=customXml/item29.xml><?xml version="1.0" encoding="utf-8"?>
 <p:properties xmlns:p="http://schemas.microsoft.com/office/2006/metadata/properties" xmlns:xsi="http://www.w3.org/2001/XMLSchema-instance" xmlns:pc="http://schemas.microsoft.com/office/infopath/2007/PartnerControls">
   <documentManagement>
     <SharedWithUsers xmlns="83cd2334-221a-48c3-9034-bfd1542dfe28">
@@ -45107,28 +44329,190 @@
 </p:properties>
 </file>
 
-<file path=customXml/item43.xml><?xml version="1.0" encoding="utf-8"?>
+<file path=customXml/item3.xml><?xml version="1.0" encoding="utf-8"?>
+<p:properties xmlns:p="http://schemas.microsoft.com/office/2006/metadata/properties" xmlns:xsi="http://www.w3.org/2001/XMLSchema-instance" xmlns:pc="http://schemas.microsoft.com/office/infopath/2007/PartnerControls">
+  <documentManagement>
+    <SharedWithUsers xmlns="83cd2334-221a-48c3-9034-bfd1542dfe28">
+      <UserInfo>
+        <DisplayName>Gilad Turbahn</DisplayName>
+        <AccountId>511</AccountId>
+        <AccountType/>
+      </UserInfo>
+      <UserInfo>
+        <DisplayName>Keith Boyd</DisplayName>
+        <AccountId>993</AccountId>
+        <AccountType/>
+      </UserInfo>
+      <UserInfo>
+        <DisplayName>Christopher Harrison</DisplayName>
+        <AccountId>1176</AccountId>
+        <AccountType/>
+      </UserInfo>
+    </SharedWithUsers>
+  </documentManagement>
+</p:properties>
+</file>
+
+<file path=customXml/item30.xml><?xml version="1.0" encoding="utf-8"?>
+<Control xmlns="http://schemas.microsoft.com/VisualStudio/2011/storyboarding/control">
+  <Id Name="fb22c541-ded0-47fa-8877-83a4c2d16227" Revision="1" Stencil="7276b9ef-3953-4dce-a89b-ed85f20b8b93" StencilVersion="1.0"/>
+</Control>
+</file>
+
+<file path=customXml/item31.xml><?xml version="1.0" encoding="utf-8"?>
+<Control xmlns="http://schemas.microsoft.com/VisualStudio/2011/storyboarding/control">
+  <Id Name="d69996e1-3d61-4686-9b63-f1b855c596ab" Revision="1" Stencil="7276b9ef-3953-4dce-a89b-ed85f20b8b93" StencilVersion="1.0"/>
+</Control>
+</file>
+
+<file path=customXml/item32.xml><?xml version="1.0" encoding="utf-8"?>
+<Control xmlns="http://schemas.microsoft.com/VisualStudio/2011/storyboarding/control">
+  <Id Name="a53d73d2-368b-429e-b817-1324eec1382c" Revision="1" Stencil="7276b9ef-3953-4dce-a89b-ed85f20b8b93" StencilVersion="1.0"/>
+</Control>
+</file>
+
+<file path=customXml/item33.xml><?xml version="1.0" encoding="utf-8"?>
+<p:properties xmlns:p="http://schemas.microsoft.com/office/2006/metadata/properties" xmlns:xsi="http://www.w3.org/2001/XMLSchema-instance" xmlns:pc="http://schemas.microsoft.com/office/infopath/2007/PartnerControls">
+  <documentManagement>
+    <SharedWithUsers xmlns="83cd2334-221a-48c3-9034-bfd1542dfe28">
+      <UserInfo>
+        <DisplayName>Gilad Turbahn</DisplayName>
+        <AccountId>511</AccountId>
+        <AccountType/>
+      </UserInfo>
+      <UserInfo>
+        <DisplayName>Keith Boyd</DisplayName>
+        <AccountId>993</AccountId>
+        <AccountType/>
+      </UserInfo>
+      <UserInfo>
+        <DisplayName>Christopher Harrison</DisplayName>
+        <AccountId>1176</AccountId>
+        <AccountType/>
+      </UserInfo>
+    </SharedWithUsers>
+  </documentManagement>
+</p:properties>
+</file>
+
+<file path=customXml/item34.xml><?xml version="1.0" encoding="utf-8"?>
+<Control xmlns="http://schemas.microsoft.com/VisualStudio/2011/storyboarding/control">
+  <Id Name="a53d73d2-368b-429e-b817-1324eec1382c" Revision="1" Stencil="7276b9ef-3953-4dce-a89b-ed85f20b8b93" StencilVersion="1.0"/>
+</Control>
+</file>
+
+<file path=customXml/item35.xml><?xml version="1.0" encoding="utf-8"?>
+<?mso-contentType ?>
+<FormTemplates xmlns="http://schemas.microsoft.com/sharepoint/v3/contenttype/forms">
+  <Display>DocumentLibraryForm</Display>
+  <Edit>DocumentLibraryForm</Edit>
+  <New>DocumentLibraryForm</New>
+</FormTemplates>
+</file>
+
+<file path=customXml/item36.xml><?xml version="1.0" encoding="utf-8"?>
+<Control xmlns="http://schemas.microsoft.com/VisualStudio/2011/storyboarding/control">
+  <Id Name="369f9055-6b6c-48b9-9320-5df2d46c430a" Revision="1" Stencil="7276b9ef-3953-4dce-a89b-ed85f20b8b93" StencilVersion="1.0"/>
+</Control>
+</file>
+
+<file path=customXml/item37.xml><?xml version="1.0" encoding="utf-8"?>
+<Control xmlns="http://schemas.microsoft.com/VisualStudio/2011/storyboarding/control">
+  <Id Name="d69996e1-3d61-4686-9b63-f1b855c596ab" Revision="1" Stencil="7276b9ef-3953-4dce-a89b-ed85f20b8b93" StencilVersion="1.0"/>
+</Control>
+</file>
+
+<file path=customXml/item38.xml><?xml version="1.0" encoding="utf-8"?>
+<?mso-contentType ?>
+<FormTemplates xmlns="http://schemas.microsoft.com/sharepoint/v3/contenttype/forms">
+  <Display>DocumentLibraryForm</Display>
+  <Edit>DocumentLibraryForm</Edit>
+  <New>DocumentLibraryForm</New>
+</FormTemplates>
+</file>
+
+<file path=customXml/item39.xml><?xml version="1.0" encoding="utf-8"?>
+<?mso-contentType ?>
+<FormTemplates xmlns="http://schemas.microsoft.com/sharepoint/v3/contenttype/forms">
+  <Display>DocumentLibraryForm</Display>
+  <Edit>DocumentLibraryForm</Edit>
+  <New>DocumentLibraryForm</New>
+</FormTemplates>
+</file>
+
+<file path=customXml/item4.xml><?xml version="1.0" encoding="utf-8"?>
+<?mso-contentType ?>
+<FormTemplates xmlns="http://schemas.microsoft.com/sharepoint/v3/contenttype/forms">
+  <Display>DocumentLibraryForm</Display>
+  <Edit>DocumentLibraryForm</Edit>
+  <New>DocumentLibraryForm</New>
+</FormTemplates>
+</file>
+
+<file path=customXml/item40.xml><?xml version="1.0" encoding="utf-8"?>
 <Control xmlns="http://schemas.microsoft.com/VisualStudio/2011/storyboarding/control">
   <Id Name="a2191c86-fc50-4add-948c-129f6b5a88d8" Revision="1" Stencil="7276b9ef-3953-4dce-a89b-ed85f20b8b93" StencilVersion="1.0"/>
 </Control>
 </file>
 
+<file path=customXml/item41.xml><?xml version="1.0" encoding="utf-8"?>
+<?mso-contentType ?>
+<FormTemplates xmlns="http://schemas.microsoft.com/sharepoint/v3/contenttype/forms">
+  <Display>DocumentLibraryForm</Display>
+  <Edit>DocumentLibraryForm</Edit>
+  <New>DocumentLibraryForm</New>
+</FormTemplates>
+</file>
+
+<file path=customXml/item42.xml><?xml version="1.0" encoding="utf-8"?>
+<Control xmlns="http://schemas.microsoft.com/VisualStudio/2011/storyboarding/control">
+  <Id Name="369f9055-6b6c-48b9-9320-5df2d46c430a" Revision="1" Stencil="7276b9ef-3953-4dce-a89b-ed85f20b8b93" StencilVersion="1.0"/>
+</Control>
+</file>
+
+<file path=customXml/item43.xml><?xml version="1.0" encoding="utf-8"?>
+<Control xmlns="http://schemas.microsoft.com/VisualStudio/2011/storyboarding/control">
+  <Id Name="369f9055-6b6c-48b9-9320-5df2d46c430a" Revision="1" Stencil="7276b9ef-3953-4dce-a89b-ed85f20b8b93" StencilVersion="1.0"/>
+</Control>
+</file>
+
 <file path=customXml/item44.xml><?xml version="1.0" encoding="utf-8"?>
 <Control xmlns="http://schemas.microsoft.com/VisualStudio/2011/storyboarding/control">
-  <Id Name="d69996e1-3d61-4686-9b63-f1b855c596ab" Revision="1" Stencil="7276b9ef-3953-4dce-a89b-ed85f20b8b93" StencilVersion="1.0"/>
+  <Id Name="a53d73d2-368b-429e-b817-1324eec1382c" Revision="1" Stencil="7276b9ef-3953-4dce-a89b-ed85f20b8b93" StencilVersion="1.0"/>
 </Control>
 </file>
 
 <file path=customXml/item45.xml><?xml version="1.0" encoding="utf-8"?>
-<Control xmlns="http://schemas.microsoft.com/VisualStudio/2011/storyboarding/control">
-  <Id Name="fb22c541-ded0-47fa-8877-83a4c2d16227" Revision="1" Stencil="7276b9ef-3953-4dce-a89b-ed85f20b8b93" StencilVersion="1.0"/>
-</Control>
+<?mso-contentType ?>
+<FormTemplates xmlns="http://schemas.microsoft.com/sharepoint/v3/contenttype/forms">
+  <Display>DocumentLibraryForm</Display>
+  <Edit>DocumentLibraryForm</Edit>
+  <New>DocumentLibraryForm</New>
+</FormTemplates>
 </file>
 
 <file path=customXml/item46.xml><?xml version="1.0" encoding="utf-8"?>
-<Control xmlns="http://schemas.microsoft.com/VisualStudio/2011/storyboarding/control">
-  <Id Name="a2191c86-fc50-4add-948c-129f6b5a88d8" Revision="1" Stencil="7276b9ef-3953-4dce-a89b-ed85f20b8b93" StencilVersion="1.0"/>
-</Control>
+<p:properties xmlns:p="http://schemas.microsoft.com/office/2006/metadata/properties" xmlns:xsi="http://www.w3.org/2001/XMLSchema-instance" xmlns:pc="http://schemas.microsoft.com/office/infopath/2007/PartnerControls">
+  <documentManagement>
+    <SharedWithUsers xmlns="83cd2334-221a-48c3-9034-bfd1542dfe28">
+      <UserInfo>
+        <DisplayName>Gilad Turbahn</DisplayName>
+        <AccountId>511</AccountId>
+        <AccountType/>
+      </UserInfo>
+      <UserInfo>
+        <DisplayName>Keith Boyd</DisplayName>
+        <AccountId>993</AccountId>
+        <AccountType/>
+      </UserInfo>
+      <UserInfo>
+        <DisplayName>Christopher Harrison</DisplayName>
+        <AccountId>1176</AccountId>
+        <AccountType/>
+      </UserInfo>
+    </SharedWithUsers>
+  </documentManagement>
+</p:properties>
 </file>
 
 <file path=customXml/item47.xml><?xml version="1.0" encoding="utf-8"?>
@@ -45163,51 +44547,46 @@
 
 <file path=customXml/item6.xml><?xml version="1.0" encoding="utf-8"?>
 <Control xmlns="http://schemas.microsoft.com/VisualStudio/2011/storyboarding/control">
-  <Id Name="fb22c541-ded0-47fa-8877-83a4c2d16227" Revision="1" Stencil="7276b9ef-3953-4dce-a89b-ed85f20b8b93" StencilVersion="1.0"/>
+  <Id Name="a53d73d2-368b-429e-b817-1324eec1382c" Revision="1" Stencil="7276b9ef-3953-4dce-a89b-ed85f20b8b93" StencilVersion="1.0"/>
 </Control>
 </file>
 
 <file path=customXml/item7.xml><?xml version="1.0" encoding="utf-8"?>
 <Control xmlns="http://schemas.microsoft.com/VisualStudio/2011/storyboarding/control">
-  <Id Name="d69996e1-3d61-4686-9b63-f1b855c596ab" Revision="1" Stencil="7276b9ef-3953-4dce-a89b-ed85f20b8b93" StencilVersion="1.0"/>
+  <Id Name="fb22c541-ded0-47fa-8877-83a4c2d16227" Revision="1" Stencil="7276b9ef-3953-4dce-a89b-ed85f20b8b93" StencilVersion="1.0"/>
 </Control>
 </file>
 
 <file path=customXml/item8.xml><?xml version="1.0" encoding="utf-8"?>
 <Control xmlns="http://schemas.microsoft.com/VisualStudio/2011/storyboarding/control">
-  <Id Name="d69996e1-3d61-4686-9b63-f1b855c596ab" Revision="1" Stencil="7276b9ef-3953-4dce-a89b-ed85f20b8b93" StencilVersion="1.0"/>
+  <Id Name="369f9055-6b6c-48b9-9320-5df2d46c430a" Revision="1" Stencil="7276b9ef-3953-4dce-a89b-ed85f20b8b93" StencilVersion="1.0"/>
 </Control>
 </file>
 
 <file path=customXml/item9.xml><?xml version="1.0" encoding="utf-8"?>
-<?mso-contentType ?>
-<FormTemplates xmlns="http://schemas.microsoft.com/sharepoint/v3/contenttype/forms">
-  <Display>DocumentLibraryForm</Display>
-  <Edit>DocumentLibraryForm</Edit>
-  <New>DocumentLibraryForm</New>
-</FormTemplates>
+<Control xmlns="http://schemas.microsoft.com/VisualStudio/2011/storyboarding/control">
+  <Id Name="fb22c541-ded0-47fa-8877-83a4c2d16227" Revision="1" Stencil="7276b9ef-3953-4dce-a89b-ed85f20b8b93" StencilVersion="1.0"/>
+</Control>
 </file>
 
 <file path=customXml/itemProps1.xml><?xml version="1.0" encoding="utf-8"?>
-<ds:datastoreItem xmlns:ds="http://schemas.openxmlformats.org/officeDocument/2006/customXml" ds:itemID="{40746530-DDF2-4991-9C3E-4E8481CBC22A}">
+<ds:datastoreItem xmlns:ds="http://schemas.openxmlformats.org/officeDocument/2006/customXml" ds:itemID="{3DC6CABD-46E1-4C27-A0B3-616DC56F8E5C}">
   <ds:schemaRefs>
-    <ds:schemaRef ds:uri="http://schemas.microsoft.com/office/2006/metadata/properties"/>
-    <ds:schemaRef ds:uri="http://schemas.microsoft.com/office/infopath/2007/PartnerControls"/>
-    <ds:schemaRef ds:uri="83cd2334-221a-48c3-9034-bfd1542dfe28"/>
+    <ds:schemaRef ds:uri="http://schemas.microsoft.com/VisualStudio/2011/storyboarding/control"/>
   </ds:schemaRefs>
 </ds:datastoreItem>
 </file>
 
 <file path=customXml/itemProps10.xml><?xml version="1.0" encoding="utf-8"?>
-<ds:datastoreItem xmlns:ds="http://schemas.openxmlformats.org/officeDocument/2006/customXml" ds:itemID="{5356B21E-62AB-45D9-B99D-177E6D959AE1}">
+<ds:datastoreItem xmlns:ds="http://schemas.openxmlformats.org/officeDocument/2006/customXml" ds:itemID="{B5105A87-47B6-44F6-97FD-4619C0556604}">
   <ds:schemaRefs>
-    <ds:schemaRef ds:uri="http://schemas.microsoft.com/sharepoint/v3/contenttype/forms"/>
+    <ds:schemaRef ds:uri="http://schemas.microsoft.com/VisualStudio/2011/storyboarding/control"/>
   </ds:schemaRefs>
 </ds:datastoreItem>
 </file>
 
 <file path=customXml/itemProps11.xml><?xml version="1.0" encoding="utf-8"?>
-<ds:datastoreItem xmlns:ds="http://schemas.openxmlformats.org/officeDocument/2006/customXml" ds:itemID="{2913841C-A564-4F3E-8A3C-33213285300D}">
+<ds:datastoreItem xmlns:ds="http://schemas.openxmlformats.org/officeDocument/2006/customXml" ds:itemID="{473A6A21-7521-4B81-9336-9B587BA12275}">
   <ds:schemaRefs>
     <ds:schemaRef ds:uri="http://schemas.microsoft.com/office/2006/metadata/properties"/>
     <ds:schemaRef ds:uri="http://schemas.microsoft.com/office/infopath/2007/PartnerControls"/>
@@ -45217,7 +44596,7 @@
 </file>
 
 <file path=customXml/itemProps12.xml><?xml version="1.0" encoding="utf-8"?>
-<ds:datastoreItem xmlns:ds="http://schemas.openxmlformats.org/officeDocument/2006/customXml" ds:itemID="{18966F1F-DC2A-460D-B918-D3DF54AC7FCE}">
+<ds:datastoreItem xmlns:ds="http://schemas.openxmlformats.org/officeDocument/2006/customXml" ds:itemID="{B76ED3FE-E88C-4961-A59E-A34F608A3C73}">
   <ds:schemaRefs>
     <ds:schemaRef ds:uri="http://schemas.microsoft.com/office/2006/metadata/properties"/>
     <ds:schemaRef ds:uri="http://schemas.microsoft.com/office/infopath/2007/PartnerControls"/>
@@ -45227,7 +44606,7 @@
 </file>
 
 <file path=customXml/itemProps13.xml><?xml version="1.0" encoding="utf-8"?>
-<ds:datastoreItem xmlns:ds="http://schemas.openxmlformats.org/officeDocument/2006/customXml" ds:itemID="{3C954CC5-1CAC-4EC3-9791-8630483065B9}">
+<ds:datastoreItem xmlns:ds="http://schemas.openxmlformats.org/officeDocument/2006/customXml" ds:itemID="{21F6B647-976A-41D0-B760-9DF9DFC6AE3C}">
   <ds:schemaRefs>
     <ds:schemaRef ds:uri="http://schemas.microsoft.com/VisualStudio/2011/storyboarding/control"/>
   </ds:schemaRefs>
@@ -45235,7 +44614,7 @@
 </file>
 
 <file path=customXml/itemProps14.xml><?xml version="1.0" encoding="utf-8"?>
-<ds:datastoreItem xmlns:ds="http://schemas.openxmlformats.org/officeDocument/2006/customXml" ds:itemID="{21F6B647-976A-41D0-B760-9DF9DFC6AE3C}">
+<ds:datastoreItem xmlns:ds="http://schemas.openxmlformats.org/officeDocument/2006/customXml" ds:itemID="{08C4EE12-DF69-4FFC-9E40-C7991F3490A6}">
   <ds:schemaRefs>
     <ds:schemaRef ds:uri="http://schemas.microsoft.com/VisualStudio/2011/storyboarding/control"/>
   </ds:schemaRefs>
@@ -45243,7 +44622,7 @@
 </file>
 
 <file path=customXml/itemProps15.xml><?xml version="1.0" encoding="utf-8"?>
-<ds:datastoreItem xmlns:ds="http://schemas.openxmlformats.org/officeDocument/2006/customXml" ds:itemID="{67213E6F-7B96-4222-888B-63710B06D885}">
+<ds:datastoreItem xmlns:ds="http://schemas.openxmlformats.org/officeDocument/2006/customXml" ds:itemID="{C63AC2F0-1DEB-4E91-A88A-7A014A172F4F}">
   <ds:schemaRefs>
     <ds:schemaRef ds:uri="http://schemas.microsoft.com/VisualStudio/2011/storyboarding/control"/>
   </ds:schemaRefs>
@@ -45251,17 +44630,15 @@
 </file>
 
 <file path=customXml/itemProps16.xml><?xml version="1.0" encoding="utf-8"?>
-<ds:datastoreItem xmlns:ds="http://schemas.openxmlformats.org/officeDocument/2006/customXml" ds:itemID="{F990F116-B58F-4255-B05B-DA3808E0E5C6}">
+<ds:datastoreItem xmlns:ds="http://schemas.openxmlformats.org/officeDocument/2006/customXml" ds:itemID="{376216F9-AF6B-4844-AE8C-B9F953F916AB}">
   <ds:schemaRefs>
-    <ds:schemaRef ds:uri="http://schemas.microsoft.com/office/2006/metadata/properties"/>
-    <ds:schemaRef ds:uri="http://schemas.microsoft.com/office/infopath/2007/PartnerControls"/>
-    <ds:schemaRef ds:uri="83cd2334-221a-48c3-9034-bfd1542dfe28"/>
+    <ds:schemaRef ds:uri="http://schemas.microsoft.com/VisualStudio/2011/storyboarding/control"/>
   </ds:schemaRefs>
 </ds:datastoreItem>
 </file>
 
 <file path=customXml/itemProps17.xml><?xml version="1.0" encoding="utf-8"?>
-<ds:datastoreItem xmlns:ds="http://schemas.openxmlformats.org/officeDocument/2006/customXml" ds:itemID="{8BD595CA-AC5E-43B9-B966-E468A16E8322}">
+<ds:datastoreItem xmlns:ds="http://schemas.openxmlformats.org/officeDocument/2006/customXml" ds:itemID="{432851C6-BC05-4673-B853-6D08AB80CDC4}">
   <ds:schemaRefs>
     <ds:schemaRef ds:uri="http://schemas.microsoft.com/VisualStudio/2011/storyboarding/control"/>
   </ds:schemaRefs>
@@ -45269,19 +44646,17 @@
 </file>
 
 <file path=customXml/itemProps18.xml><?xml version="1.0" encoding="utf-8"?>
-<ds:datastoreItem xmlns:ds="http://schemas.openxmlformats.org/officeDocument/2006/customXml" ds:itemID="{9360AFB9-8F99-4E1B-878D-F2EBABEB164C}">
+<ds:datastoreItem xmlns:ds="http://schemas.openxmlformats.org/officeDocument/2006/customXml" ds:itemID="{D4B5F268-5930-44CD-BDF1-D0A04D4BBC1C}">
   <ds:schemaRefs>
-    <ds:schemaRef ds:uri="http://schemas.microsoft.com/sharepoint/v3/contenttype/forms"/>
+    <ds:schemaRef ds:uri="http://schemas.microsoft.com/VisualStudio/2011/storyboarding/control"/>
   </ds:schemaRefs>
 </ds:datastoreItem>
 </file>
 
 <file path=customXml/itemProps19.xml><?xml version="1.0" encoding="utf-8"?>
-<ds:datastoreItem xmlns:ds="http://schemas.openxmlformats.org/officeDocument/2006/customXml" ds:itemID="{B76ED3FE-E88C-4961-A59E-A34F608A3C73}">
+<ds:datastoreItem xmlns:ds="http://schemas.openxmlformats.org/officeDocument/2006/customXml" ds:itemID="{0282FB20-2D4C-459D-8468-77D1D3C6925D}">
   <ds:schemaRefs>
-    <ds:schemaRef ds:uri="http://schemas.microsoft.com/office/2006/metadata/properties"/>
-    <ds:schemaRef ds:uri="http://schemas.microsoft.com/office/infopath/2007/PartnerControls"/>
-    <ds:schemaRef ds:uri="83cd2334-221a-48c3-9034-bfd1542dfe28"/>
+    <ds:schemaRef ds:uri="http://schemas.microsoft.com/VisualStudio/2011/storyboarding/control"/>
   </ds:schemaRefs>
 </ds:datastoreItem>
 </file>
@@ -45305,6 +44680,64 @@
 </file>
 
 <file path=customXml/itemProps20.xml><?xml version="1.0" encoding="utf-8"?>
+<ds:datastoreItem xmlns:ds="http://schemas.openxmlformats.org/officeDocument/2006/customXml" ds:itemID="{758FDAC0-319D-4A54-8D8E-1D42CB1F8004}">
+  <ds:schemaRefs>
+    <ds:schemaRef ds:uri="http://schemas.microsoft.com/sharepoint/v3/contenttype/forms"/>
+  </ds:schemaRefs>
+</ds:datastoreItem>
+</file>
+
+<file path=customXml/itemProps21.xml><?xml version="1.0" encoding="utf-8"?>
+<ds:datastoreItem xmlns:ds="http://schemas.openxmlformats.org/officeDocument/2006/customXml" ds:itemID="{18966F1F-DC2A-460D-B918-D3DF54AC7FCE}">
+  <ds:schemaRefs>
+    <ds:schemaRef ds:uri="http://schemas.microsoft.com/office/2006/metadata/properties"/>
+    <ds:schemaRef ds:uri="http://schemas.microsoft.com/office/infopath/2007/PartnerControls"/>
+    <ds:schemaRef ds:uri="83cd2334-221a-48c3-9034-bfd1542dfe28"/>
+  </ds:schemaRefs>
+</ds:datastoreItem>
+</file>
+
+<file path=customXml/itemProps22.xml><?xml version="1.0" encoding="utf-8"?>
+<ds:datastoreItem xmlns:ds="http://schemas.openxmlformats.org/officeDocument/2006/customXml" ds:itemID="{8BD595CA-AC5E-43B9-B966-E468A16E8322}">
+  <ds:schemaRefs>
+    <ds:schemaRef ds:uri="http://schemas.microsoft.com/VisualStudio/2011/storyboarding/control"/>
+  </ds:schemaRefs>
+</ds:datastoreItem>
+</file>
+
+<file path=customXml/itemProps23.xml><?xml version="1.0" encoding="utf-8"?>
+<ds:datastoreItem xmlns:ds="http://schemas.openxmlformats.org/officeDocument/2006/customXml" ds:itemID="{366CA990-F93D-4100-9654-65D9E30F4E1C}">
+  <ds:schemaRefs>
+    <ds:schemaRef ds:uri="http://schemas.microsoft.com/VisualStudio/2011/storyboarding/control"/>
+  </ds:schemaRefs>
+</ds:datastoreItem>
+</file>
+
+<file path=customXml/itemProps24.xml><?xml version="1.0" encoding="utf-8"?>
+<ds:datastoreItem xmlns:ds="http://schemas.openxmlformats.org/officeDocument/2006/customXml" ds:itemID="{38217AA1-CC95-49A9-B284-2ED4D347D7CA}">
+  <ds:schemaRefs>
+    <ds:schemaRef ds:uri="http://schemas.microsoft.com/VisualStudio/2011/storyboarding/control"/>
+  </ds:schemaRefs>
+</ds:datastoreItem>
+</file>
+
+<file path=customXml/itemProps25.xml><?xml version="1.0" encoding="utf-8"?>
+<ds:datastoreItem xmlns:ds="http://schemas.openxmlformats.org/officeDocument/2006/customXml" ds:itemID="{6FB9D450-4C47-4A44-8C0D-C78D8A54C46F}">
+  <ds:schemaRefs>
+    <ds:schemaRef ds:uri="http://schemas.microsoft.com/VisualStudio/2011/storyboarding/control"/>
+  </ds:schemaRefs>
+</ds:datastoreItem>
+</file>
+
+<file path=customXml/itemProps26.xml><?xml version="1.0" encoding="utf-8"?>
+<ds:datastoreItem xmlns:ds="http://schemas.openxmlformats.org/officeDocument/2006/customXml" ds:itemID="{8257D6BC-B71E-4D95-81E4-A1D4A8174168}">
+  <ds:schemaRefs>
+    <ds:schemaRef ds:uri="http://schemas.microsoft.com/VisualStudio/2011/storyboarding/control"/>
+  </ds:schemaRefs>
+</ds:datastoreItem>
+</file>
+
+<file path=customXml/itemProps27.xml><?xml version="1.0" encoding="utf-8"?>
 <ds:datastoreItem xmlns:ds="http://schemas.openxmlformats.org/officeDocument/2006/customXml" ds:itemID="{78436128-120F-440C-B7DE-5C2E6A2F2A96}">
   <ds:schemaRefs>
     <ds:schemaRef ds:uri="http://schemas.microsoft.com/sharepoint/v3/contenttype/forms"/>
@@ -45312,23 +44745,51 @@
 </ds:datastoreItem>
 </file>
 
-<file path=customXml/itemProps21.xml><?xml version="1.0" encoding="utf-8"?>
-<ds:datastoreItem xmlns:ds="http://schemas.openxmlformats.org/officeDocument/2006/customXml" ds:itemID="{F68D8396-E21C-4AFF-8FDD-70D00673D0EE}">
+<file path=customXml/itemProps28.xml><?xml version="1.0" encoding="utf-8"?>
+<ds:datastoreItem xmlns:ds="http://schemas.openxmlformats.org/officeDocument/2006/customXml" ds:itemID="{4B16F4FE-7C26-4443-B426-81998D23ED87}">
   <ds:schemaRefs>
     <ds:schemaRef ds:uri="http://schemas.microsoft.com/VisualStudio/2011/storyboarding/control"/>
   </ds:schemaRefs>
 </ds:datastoreItem>
 </file>
 
-<file path=customXml/itemProps22.xml><?xml version="1.0" encoding="utf-8"?>
-<ds:datastoreItem xmlns:ds="http://schemas.openxmlformats.org/officeDocument/2006/customXml" ds:itemID="{08C4EE12-DF69-4FFC-9E40-C7991F3490A6}">
+<file path=customXml/itemProps29.xml><?xml version="1.0" encoding="utf-8"?>
+<ds:datastoreItem xmlns:ds="http://schemas.openxmlformats.org/officeDocument/2006/customXml" ds:itemID="{40746530-DDF2-4991-9C3E-4E8481CBC22A}">
+  <ds:schemaRefs>
+    <ds:schemaRef ds:uri="http://schemas.microsoft.com/office/2006/metadata/properties"/>
+    <ds:schemaRef ds:uri="http://schemas.microsoft.com/office/infopath/2007/PartnerControls"/>
+    <ds:schemaRef ds:uri="83cd2334-221a-48c3-9034-bfd1542dfe28"/>
+  </ds:schemaRefs>
+</ds:datastoreItem>
+</file>
+
+<file path=customXml/itemProps3.xml><?xml version="1.0" encoding="utf-8"?>
+<ds:datastoreItem xmlns:ds="http://schemas.openxmlformats.org/officeDocument/2006/customXml" ds:itemID="{F990F116-B58F-4255-B05B-DA3808E0E5C6}">
+  <ds:schemaRefs>
+    <ds:schemaRef ds:uri="http://schemas.microsoft.com/office/2006/metadata/properties"/>
+    <ds:schemaRef ds:uri="http://schemas.microsoft.com/office/infopath/2007/PartnerControls"/>
+    <ds:schemaRef ds:uri="83cd2334-221a-48c3-9034-bfd1542dfe28"/>
+  </ds:schemaRefs>
+</ds:datastoreItem>
+</file>
+
+<file path=customXml/itemProps30.xml><?xml version="1.0" encoding="utf-8"?>
+<ds:datastoreItem xmlns:ds="http://schemas.openxmlformats.org/officeDocument/2006/customXml" ds:itemID="{D6FEE829-2115-45B4-8110-670FD454542B}">
   <ds:schemaRefs>
     <ds:schemaRef ds:uri="http://schemas.microsoft.com/VisualStudio/2011/storyboarding/control"/>
   </ds:schemaRefs>
 </ds:datastoreItem>
 </file>
 
-<file path=customXml/itemProps23.xml><?xml version="1.0" encoding="utf-8"?>
+<file path=customXml/itemProps31.xml><?xml version="1.0" encoding="utf-8"?>
+<ds:datastoreItem xmlns:ds="http://schemas.openxmlformats.org/officeDocument/2006/customXml" ds:itemID="{67213E6F-7B96-4222-888B-63710B06D885}">
+  <ds:schemaRefs>
+    <ds:schemaRef ds:uri="http://schemas.microsoft.com/VisualStudio/2011/storyboarding/control"/>
+  </ds:schemaRefs>
+</ds:datastoreItem>
+</file>
+
+<file path=customXml/itemProps32.xml><?xml version="1.0" encoding="utf-8"?>
 <ds:datastoreItem xmlns:ds="http://schemas.openxmlformats.org/officeDocument/2006/customXml" ds:itemID="{8893E80D-6D0C-4E0F-AA22-E5615BB87E5B}">
   <ds:schemaRefs>
     <ds:schemaRef ds:uri="http://schemas.microsoft.com/VisualStudio/2011/storyboarding/control"/>
@@ -45336,39 +44797,7 @@
 </ds:datastoreItem>
 </file>
 
-<file path=customXml/itemProps24.xml><?xml version="1.0" encoding="utf-8"?>
-<ds:datastoreItem xmlns:ds="http://schemas.openxmlformats.org/officeDocument/2006/customXml" ds:itemID="{ED350DFE-2319-4AB0-BC96-1D36D125365A}">
-  <ds:schemaRefs>
-    <ds:schemaRef ds:uri="http://schemas.microsoft.com/VisualStudio/2011/storyboarding/control"/>
-  </ds:schemaRefs>
-</ds:datastoreItem>
-</file>
-
-<file path=customXml/itemProps25.xml><?xml version="1.0" encoding="utf-8"?>
-<ds:datastoreItem xmlns:ds="http://schemas.openxmlformats.org/officeDocument/2006/customXml" ds:itemID="{366CA990-F93D-4100-9654-65D9E30F4E1C}">
-  <ds:schemaRefs>
-    <ds:schemaRef ds:uri="http://schemas.microsoft.com/VisualStudio/2011/storyboarding/control"/>
-  </ds:schemaRefs>
-</ds:datastoreItem>
-</file>
-
-<file path=customXml/itemProps26.xml><?xml version="1.0" encoding="utf-8"?>
-<ds:datastoreItem xmlns:ds="http://schemas.openxmlformats.org/officeDocument/2006/customXml" ds:itemID="{7959CC6A-F423-4783-B968-3BCC86A7394E}">
-  <ds:schemaRefs>
-    <ds:schemaRef ds:uri="http://schemas.microsoft.com/VisualStudio/2011/storyboarding/control"/>
-  </ds:schemaRefs>
-</ds:datastoreItem>
-</file>
-
-<file path=customXml/itemProps27.xml><?xml version="1.0" encoding="utf-8"?>
-<ds:datastoreItem xmlns:ds="http://schemas.openxmlformats.org/officeDocument/2006/customXml" ds:itemID="{C63AC2F0-1DEB-4E91-A88A-7A014A172F4F}">
-  <ds:schemaRefs>
-    <ds:schemaRef ds:uri="http://schemas.microsoft.com/VisualStudio/2011/storyboarding/control"/>
-  </ds:schemaRefs>
-</ds:datastoreItem>
-</file>
-
-<file path=customXml/itemProps28.xml><?xml version="1.0" encoding="utf-8"?>
+<file path=customXml/itemProps33.xml><?xml version="1.0" encoding="utf-8"?>
 <ds:datastoreItem xmlns:ds="http://schemas.openxmlformats.org/officeDocument/2006/customXml" ds:itemID="{E692D73E-1478-4790-BEEC-C5C534998F40}">
   <ds:schemaRefs>
     <ds:schemaRef ds:uri="http://schemas.microsoft.com/office/2006/metadata/properties"/>
@@ -45378,7 +44807,55 @@
 </ds:datastoreItem>
 </file>
 
-<file path=customXml/itemProps29.xml><?xml version="1.0" encoding="utf-8"?>
+<file path=customXml/itemProps34.xml><?xml version="1.0" encoding="utf-8"?>
+<ds:datastoreItem xmlns:ds="http://schemas.openxmlformats.org/officeDocument/2006/customXml" ds:itemID="{4E805D65-1532-4BB0-8F41-8013167C0009}">
+  <ds:schemaRefs>
+    <ds:schemaRef ds:uri="http://schemas.microsoft.com/VisualStudio/2011/storyboarding/control"/>
+  </ds:schemaRefs>
+</ds:datastoreItem>
+</file>
+
+<file path=customXml/itemProps35.xml><?xml version="1.0" encoding="utf-8"?>
+<ds:datastoreItem xmlns:ds="http://schemas.openxmlformats.org/officeDocument/2006/customXml" ds:itemID="{5356B21E-62AB-45D9-B99D-177E6D959AE1}">
+  <ds:schemaRefs>
+    <ds:schemaRef ds:uri="http://schemas.microsoft.com/sharepoint/v3/contenttype/forms"/>
+  </ds:schemaRefs>
+</ds:datastoreItem>
+</file>
+
+<file path=customXml/itemProps36.xml><?xml version="1.0" encoding="utf-8"?>
+<ds:datastoreItem xmlns:ds="http://schemas.openxmlformats.org/officeDocument/2006/customXml" ds:itemID="{42D603BF-B513-4201-A599-21BA0F4FFC40}">
+  <ds:schemaRefs>
+    <ds:schemaRef ds:uri="http://schemas.microsoft.com/VisualStudio/2011/storyboarding/control"/>
+  </ds:schemaRefs>
+</ds:datastoreItem>
+</file>
+
+<file path=customXml/itemProps37.xml><?xml version="1.0" encoding="utf-8"?>
+<ds:datastoreItem xmlns:ds="http://schemas.openxmlformats.org/officeDocument/2006/customXml" ds:itemID="{C0F92A87-A216-45A9-B9C0-0515663D35BF}">
+  <ds:schemaRefs>
+    <ds:schemaRef ds:uri="http://schemas.microsoft.com/VisualStudio/2011/storyboarding/control"/>
+  </ds:schemaRefs>
+</ds:datastoreItem>
+</file>
+
+<file path=customXml/itemProps38.xml><?xml version="1.0" encoding="utf-8"?>
+<ds:datastoreItem xmlns:ds="http://schemas.openxmlformats.org/officeDocument/2006/customXml" ds:itemID="{6304ED5A-D144-48FA-AD30-480C1D48DEBD}">
+  <ds:schemaRefs>
+    <ds:schemaRef ds:uri="http://schemas.microsoft.com/sharepoint/v3/contenttype/forms"/>
+  </ds:schemaRefs>
+</ds:datastoreItem>
+</file>
+
+<file path=customXml/itemProps39.xml><?xml version="1.0" encoding="utf-8"?>
+<ds:datastoreItem xmlns:ds="http://schemas.openxmlformats.org/officeDocument/2006/customXml" ds:itemID="{4B608A51-347D-40FD-BFCF-C0BBBB6DE38F}">
+  <ds:schemaRefs>
+    <ds:schemaRef ds:uri="http://schemas.microsoft.com/sharepoint/v3/contenttype/forms"/>
+  </ds:schemaRefs>
+</ds:datastoreItem>
+</file>
+
+<file path=customXml/itemProps4.xml><?xml version="1.0" encoding="utf-8"?>
 <ds:datastoreItem xmlns:ds="http://schemas.openxmlformats.org/officeDocument/2006/customXml" ds:itemID="{1EF25EC2-965B-4491-9691-6B806C9E3B8B}">
   <ds:schemaRefs>
     <ds:schemaRef ds:uri="http://schemas.microsoft.com/sharepoint/v3/contenttype/forms"/>
@@ -45386,47 +44863,47 @@
 </ds:datastoreItem>
 </file>
 
-<file path=customXml/itemProps3.xml><?xml version="1.0" encoding="utf-8"?>
-<ds:datastoreItem xmlns:ds="http://schemas.openxmlformats.org/officeDocument/2006/customXml" ds:itemID="{758FDAC0-319D-4A54-8D8E-1D42CB1F8004}">
+<file path=customXml/itemProps40.xml><?xml version="1.0" encoding="utf-8"?>
+<ds:datastoreItem xmlns:ds="http://schemas.openxmlformats.org/officeDocument/2006/customXml" ds:itemID="{3C954CC5-1CAC-4EC3-9791-8630483065B9}">
+  <ds:schemaRefs>
+    <ds:schemaRef ds:uri="http://schemas.microsoft.com/VisualStudio/2011/storyboarding/control"/>
+  </ds:schemaRefs>
+</ds:datastoreItem>
+</file>
+
+<file path=customXml/itemProps41.xml><?xml version="1.0" encoding="utf-8"?>
+<ds:datastoreItem xmlns:ds="http://schemas.openxmlformats.org/officeDocument/2006/customXml" ds:itemID="{9360AFB9-8F99-4E1B-878D-F2EBABEB164C}">
   <ds:schemaRefs>
     <ds:schemaRef ds:uri="http://schemas.microsoft.com/sharepoint/v3/contenttype/forms"/>
   </ds:schemaRefs>
 </ds:datastoreItem>
 </file>
 
-<file path=customXml/itemProps30.xml><?xml version="1.0" encoding="utf-8"?>
-<ds:datastoreItem xmlns:ds="http://schemas.openxmlformats.org/officeDocument/2006/customXml" ds:itemID="{376216F9-AF6B-4844-AE8C-B9F953F916AB}">
+<file path=customXml/itemProps42.xml><?xml version="1.0" encoding="utf-8"?>
+<ds:datastoreItem xmlns:ds="http://schemas.openxmlformats.org/officeDocument/2006/customXml" ds:itemID="{7959CC6A-F423-4783-B968-3BCC86A7394E}">
   <ds:schemaRefs>
     <ds:schemaRef ds:uri="http://schemas.microsoft.com/VisualStudio/2011/storyboarding/control"/>
   </ds:schemaRefs>
 </ds:datastoreItem>
 </file>
 
-<file path=customXml/itemProps31.xml><?xml version="1.0" encoding="utf-8"?>
-<ds:datastoreItem xmlns:ds="http://schemas.openxmlformats.org/officeDocument/2006/customXml" ds:itemID="{42D603BF-B513-4201-A599-21BA0F4FFC40}">
+<file path=customXml/itemProps43.xml><?xml version="1.0" encoding="utf-8"?>
+<ds:datastoreItem xmlns:ds="http://schemas.openxmlformats.org/officeDocument/2006/customXml" ds:itemID="{82DB428A-B8F8-483F-8276-095629A8ECDB}">
   <ds:schemaRefs>
     <ds:schemaRef ds:uri="http://schemas.microsoft.com/VisualStudio/2011/storyboarding/control"/>
   </ds:schemaRefs>
 </ds:datastoreItem>
 </file>
 
-<file path=customXml/itemProps32.xml><?xml version="1.0" encoding="utf-8"?>
-<ds:datastoreItem xmlns:ds="http://schemas.openxmlformats.org/officeDocument/2006/customXml" ds:itemID="{4C1B3C27-4803-4D72-A3F8-6668A3F0A24B}">
+<file path=customXml/itemProps44.xml><?xml version="1.0" encoding="utf-8"?>
+<ds:datastoreItem xmlns:ds="http://schemas.openxmlformats.org/officeDocument/2006/customXml" ds:itemID="{F68D8396-E21C-4AFF-8FDD-70D00673D0EE}">
   <ds:schemaRefs>
     <ds:schemaRef ds:uri="http://schemas.microsoft.com/VisualStudio/2011/storyboarding/control"/>
   </ds:schemaRefs>
 </ds:datastoreItem>
 </file>
 
-<file path=customXml/itemProps33.xml><?xml version="1.0" encoding="utf-8"?>
-<ds:datastoreItem xmlns:ds="http://schemas.openxmlformats.org/officeDocument/2006/customXml" ds:itemID="{38217AA1-CC95-49A9-B284-2ED4D347D7CA}">
-  <ds:schemaRefs>
-    <ds:schemaRef ds:uri="http://schemas.microsoft.com/VisualStudio/2011/storyboarding/control"/>
-  </ds:schemaRefs>
-</ds:datastoreItem>
-</file>
-
-<file path=customXml/itemProps34.xml><?xml version="1.0" encoding="utf-8"?>
+<file path=customXml/itemProps45.xml><?xml version="1.0" encoding="utf-8"?>
 <ds:datastoreItem xmlns:ds="http://schemas.openxmlformats.org/officeDocument/2006/customXml" ds:itemID="{EFC12748-212C-48FE-A5F8-D78A8D21E838}">
   <ds:schemaRefs>
     <ds:schemaRef ds:uri="http://schemas.microsoft.com/sharepoint/v3/contenttype/forms"/>
@@ -45434,108 +44911,12 @@
 </ds:datastoreItem>
 </file>
 
-<file path=customXml/itemProps35.xml><?xml version="1.0" encoding="utf-8"?>
-<ds:datastoreItem xmlns:ds="http://schemas.openxmlformats.org/officeDocument/2006/customXml" ds:itemID="{432851C6-BC05-4673-B853-6D08AB80CDC4}">
-  <ds:schemaRefs>
-    <ds:schemaRef ds:uri="http://schemas.microsoft.com/VisualStudio/2011/storyboarding/control"/>
-  </ds:schemaRefs>
-</ds:datastoreItem>
-</file>
-
-<file path=customXml/itemProps36.xml><?xml version="1.0" encoding="utf-8"?>
-<ds:datastoreItem xmlns:ds="http://schemas.openxmlformats.org/officeDocument/2006/customXml" ds:itemID="{4E805D65-1532-4BB0-8F41-8013167C0009}">
-  <ds:schemaRefs>
-    <ds:schemaRef ds:uri="http://schemas.microsoft.com/VisualStudio/2011/storyboarding/control"/>
-  </ds:schemaRefs>
-</ds:datastoreItem>
-</file>
-
-<file path=customXml/itemProps37.xml><?xml version="1.0" encoding="utf-8"?>
-<ds:datastoreItem xmlns:ds="http://schemas.openxmlformats.org/officeDocument/2006/customXml" ds:itemID="{FE651ABA-5DC1-4ABD-A06E-055AE54B337B}">
-  <ds:schemaRefs>
-    <ds:schemaRef ds:uri="http://schemas.microsoft.com/VisualStudio/2011/storyboarding/control"/>
-  </ds:schemaRefs>
-</ds:datastoreItem>
-</file>
-
-<file path=customXml/itemProps38.xml><?xml version="1.0" encoding="utf-8"?>
-<ds:datastoreItem xmlns:ds="http://schemas.openxmlformats.org/officeDocument/2006/customXml" ds:itemID="{6FB9D450-4C47-4A44-8C0D-C78D8A54C46F}">
-  <ds:schemaRefs>
-    <ds:schemaRef ds:uri="http://schemas.microsoft.com/VisualStudio/2011/storyboarding/control"/>
-  </ds:schemaRefs>
-</ds:datastoreItem>
-</file>
-
-<file path=customXml/itemProps39.xml><?xml version="1.0" encoding="utf-8"?>
-<ds:datastoreItem xmlns:ds="http://schemas.openxmlformats.org/officeDocument/2006/customXml" ds:itemID="{82DB428A-B8F8-483F-8276-095629A8ECDB}">
-  <ds:schemaRefs>
-    <ds:schemaRef ds:uri="http://schemas.microsoft.com/VisualStudio/2011/storyboarding/control"/>
-  </ds:schemaRefs>
-</ds:datastoreItem>
-</file>
-
-<file path=customXml/itemProps4.xml><?xml version="1.0" encoding="utf-8"?>
-<ds:datastoreItem xmlns:ds="http://schemas.openxmlformats.org/officeDocument/2006/customXml" ds:itemID="{6304ED5A-D144-48FA-AD30-480C1D48DEBD}">
-  <ds:schemaRefs>
-    <ds:schemaRef ds:uri="http://schemas.microsoft.com/sharepoint/v3/contenttype/forms"/>
-  </ds:schemaRefs>
-</ds:datastoreItem>
-</file>
-
-<file path=customXml/itemProps40.xml><?xml version="1.0" encoding="utf-8"?>
-<ds:datastoreItem xmlns:ds="http://schemas.openxmlformats.org/officeDocument/2006/customXml" ds:itemID="{4E8278DB-3CDD-48A7-992E-A7596AD335B9}">
-  <ds:schemaRefs>
-    <ds:schemaRef ds:uri="http://schemas.microsoft.com/VisualStudio/2011/storyboarding/control"/>
-  </ds:schemaRefs>
-</ds:datastoreItem>
-</file>
-
-<file path=customXml/itemProps41.xml><?xml version="1.0" encoding="utf-8"?>
-<ds:datastoreItem xmlns:ds="http://schemas.openxmlformats.org/officeDocument/2006/customXml" ds:itemID="{4B16F4FE-7C26-4443-B426-81998D23ED87}">
-  <ds:schemaRefs>
-    <ds:schemaRef ds:uri="http://schemas.microsoft.com/VisualStudio/2011/storyboarding/control"/>
-  </ds:schemaRefs>
-</ds:datastoreItem>
-</file>
-
-<file path=customXml/itemProps42.xml><?xml version="1.0" encoding="utf-8"?>
+<file path=customXml/itemProps46.xml><?xml version="1.0" encoding="utf-8"?>
 <ds:datastoreItem xmlns:ds="http://schemas.openxmlformats.org/officeDocument/2006/customXml" ds:itemID="{857A7473-18B7-454F-9A7C-6410FE8392A5}">
   <ds:schemaRefs>
     <ds:schemaRef ds:uri="http://schemas.microsoft.com/office/2006/metadata/properties"/>
     <ds:schemaRef ds:uri="http://schemas.microsoft.com/office/infopath/2007/PartnerControls"/>
     <ds:schemaRef ds:uri="83cd2334-221a-48c3-9034-bfd1542dfe28"/>
-  </ds:schemaRefs>
-</ds:datastoreItem>
-</file>
-
-<file path=customXml/itemProps43.xml><?xml version="1.0" encoding="utf-8"?>
-<ds:datastoreItem xmlns:ds="http://schemas.openxmlformats.org/officeDocument/2006/customXml" ds:itemID="{D4B5F268-5930-44CD-BDF1-D0A04D4BBC1C}">
-  <ds:schemaRefs>
-    <ds:schemaRef ds:uri="http://schemas.microsoft.com/VisualStudio/2011/storyboarding/control"/>
-  </ds:schemaRefs>
-</ds:datastoreItem>
-</file>
-
-<file path=customXml/itemProps44.xml><?xml version="1.0" encoding="utf-8"?>
-<ds:datastoreItem xmlns:ds="http://schemas.openxmlformats.org/officeDocument/2006/customXml" ds:itemID="{C0F92A87-A216-45A9-B9C0-0515663D35BF}">
-  <ds:schemaRefs>
-    <ds:schemaRef ds:uri="http://schemas.microsoft.com/VisualStudio/2011/storyboarding/control"/>
-  </ds:schemaRefs>
-</ds:datastoreItem>
-</file>
-
-<file path=customXml/itemProps45.xml><?xml version="1.0" encoding="utf-8"?>
-<ds:datastoreItem xmlns:ds="http://schemas.openxmlformats.org/officeDocument/2006/customXml" ds:itemID="{B5105A87-47B6-44F6-97FD-4619C0556604}">
-  <ds:schemaRefs>
-    <ds:schemaRef ds:uri="http://schemas.microsoft.com/VisualStudio/2011/storyboarding/control"/>
-  </ds:schemaRefs>
-</ds:datastoreItem>
-</file>
-
-<file path=customXml/itemProps46.xml><?xml version="1.0" encoding="utf-8"?>
-<ds:datastoreItem xmlns:ds="http://schemas.openxmlformats.org/officeDocument/2006/customXml" ds:itemID="{8257D6BC-B71E-4D95-81E4-A1D4A8174168}">
-  <ds:schemaRefs>
-    <ds:schemaRef ds:uri="http://schemas.microsoft.com/VisualStudio/2011/storyboarding/control"/>
   </ds:schemaRefs>
 </ds:datastoreItem>
 </file>
@@ -45549,7 +44930,7 @@
 </file>
 
 <file path=customXml/itemProps5.xml><?xml version="1.0" encoding="utf-8"?>
-<ds:datastoreItem xmlns:ds="http://schemas.openxmlformats.org/officeDocument/2006/customXml" ds:itemID="{473A6A21-7521-4B81-9336-9B587BA12275}">
+<ds:datastoreItem xmlns:ds="http://schemas.openxmlformats.org/officeDocument/2006/customXml" ds:itemID="{2913841C-A564-4F3E-8A3C-33213285300D}">
   <ds:schemaRefs>
     <ds:schemaRef ds:uri="http://schemas.microsoft.com/office/2006/metadata/properties"/>
     <ds:schemaRef ds:uri="http://schemas.microsoft.com/office/infopath/2007/PartnerControls"/>
@@ -45559,7 +44940,7 @@
 </file>
 
 <file path=customXml/itemProps6.xml><?xml version="1.0" encoding="utf-8"?>
-<ds:datastoreItem xmlns:ds="http://schemas.openxmlformats.org/officeDocument/2006/customXml" ds:itemID="{D6FEE829-2115-45B4-8110-670FD454542B}">
+<ds:datastoreItem xmlns:ds="http://schemas.openxmlformats.org/officeDocument/2006/customXml" ds:itemID="{ED350DFE-2319-4AB0-BC96-1D36D125365A}">
   <ds:schemaRefs>
     <ds:schemaRef ds:uri="http://schemas.microsoft.com/VisualStudio/2011/storyboarding/control"/>
   </ds:schemaRefs>
@@ -45567,7 +44948,7 @@
 </file>
 
 <file path=customXml/itemProps7.xml><?xml version="1.0" encoding="utf-8"?>
-<ds:datastoreItem xmlns:ds="http://schemas.openxmlformats.org/officeDocument/2006/customXml" ds:itemID="{3DC6CABD-46E1-4C27-A0B3-616DC56F8E5C}">
+<ds:datastoreItem xmlns:ds="http://schemas.openxmlformats.org/officeDocument/2006/customXml" ds:itemID="{4C1B3C27-4803-4D72-A3F8-6668A3F0A24B}">
   <ds:schemaRefs>
     <ds:schemaRef ds:uri="http://schemas.microsoft.com/VisualStudio/2011/storyboarding/control"/>
   </ds:schemaRefs>
@@ -45575,7 +44956,7 @@
 </file>
 
 <file path=customXml/itemProps8.xml><?xml version="1.0" encoding="utf-8"?>
-<ds:datastoreItem xmlns:ds="http://schemas.openxmlformats.org/officeDocument/2006/customXml" ds:itemID="{0282FB20-2D4C-459D-8468-77D1D3C6925D}">
+<ds:datastoreItem xmlns:ds="http://schemas.openxmlformats.org/officeDocument/2006/customXml" ds:itemID="{FE651ABA-5DC1-4ABD-A06E-055AE54B337B}">
   <ds:schemaRefs>
     <ds:schemaRef ds:uri="http://schemas.microsoft.com/VisualStudio/2011/storyboarding/control"/>
   </ds:schemaRefs>
@@ -45583,9 +44964,9 @@
 </file>
 
 <file path=customXml/itemProps9.xml><?xml version="1.0" encoding="utf-8"?>
-<ds:datastoreItem xmlns:ds="http://schemas.openxmlformats.org/officeDocument/2006/customXml" ds:itemID="{4B608A51-347D-40FD-BFCF-C0BBBB6DE38F}">
+<ds:datastoreItem xmlns:ds="http://schemas.openxmlformats.org/officeDocument/2006/customXml" ds:itemID="{4E8278DB-3CDD-48A7-992E-A7596AD335B9}">
   <ds:schemaRefs>
-    <ds:schemaRef ds:uri="http://schemas.microsoft.com/sharepoint/v3/contenttype/forms"/>
+    <ds:schemaRef ds:uri="http://schemas.microsoft.com/VisualStudio/2011/storyboarding/control"/>
   </ds:schemaRefs>
 </ds:datastoreItem>
 </file>
--- a/Slides/2 - Print.pptx
+++ b/Slides/2 - Print.pptx
@@ -558,21 +558,6 @@
 </p:cmLst>
 </file>
 
-<file path=ppt/comments/comment2.xml><?xml version="1.0" encoding="utf-8"?>
-<p:cmLst xmlns:a="http://schemas.openxmlformats.org/drawingml/2006/main" xmlns:r="http://schemas.openxmlformats.org/officeDocument/2006/relationships" xmlns:p="http://schemas.openxmlformats.org/presentationml/2006/main">
-  <p:cm authorId="4" dt="2019-05-24T07:45:32.538" idx="3">
-    <p:pos x="7594" y="858"/>
-    <p:text>We should call out PEP 8 which highlights the guidelines for formatting Python. (Specific to strings, the only thing they say WRT quotes is to be consistent
-</p:text>
-    <p:extLst>
-      <p:ext uri="{C676402C-5697-4E1C-873F-D02D1690AC5C}">
-        <p15:threadingInfo xmlns:p15="http://schemas.microsoft.com/office/powerpoint/2012/main" timeZoneBias="420"/>
-      </p:ext>
-    </p:extLst>
-  </p:cm>
-</p:cmLst>
-</file>
-
 <file path=ppt/handoutMasters/handoutMaster1.xml><?xml version="1.0" encoding="utf-8"?>
 <p:handoutMaster xmlns:a="http://schemas.openxmlformats.org/drawingml/2006/main" xmlns:r="http://schemas.openxmlformats.org/officeDocument/2006/relationships" xmlns:p="http://schemas.openxmlformats.org/presentationml/2006/main">
   <p:cSld>
@@ -659,7 +644,7 @@
               <a:rPr lang="en-US" smtClean="0">
                 <a:latin typeface="Segoe UI" pitchFamily="34" charset="0"/>
               </a:rPr>
-              <a:t>6/9/2019 4:01 PM</a:t>
+              <a:t>6/17/2019 10:31 AM</a:t>
             </a:fld>
             <a:endParaRPr lang="en-US" dirty="0">
               <a:latin typeface="Segoe UI" pitchFamily="34" charset="0"/>
@@ -937,7 +922,7 @@
           <a:p>
             <a:fld id="{38EEC551-8CDA-4EB6-89BB-2A86C9F091C8}" type="datetime8">
               <a:rPr lang="en-US" smtClean="0"/>
-              <a:t>6/9/2019 3:58 PM</a:t>
+              <a:t>6/17/2019 10:31 AM</a:t>
             </a:fld>
             <a:endParaRPr lang="en-US" dirty="0"/>
           </a:p>
@@ -1271,7 +1256,7 @@
           <a:p>
             <a:fld id="{6108602D-D426-4C00-B215-BFA18C076426}" type="datetime8">
               <a:rPr lang="en-US" smtClean="0"/>
-              <a:t>6/9/2019 3:58 PM</a:t>
+              <a:t>6/17/2019 10:31 AM</a:t>
             </a:fld>
             <a:endParaRPr lang="en-US" dirty="0"/>
           </a:p>
@@ -1436,7 +1421,7 @@
           <a:p>
             <a:fld id="{6108602D-D426-4C00-B215-BFA18C076426}" type="datetime8">
               <a:rPr lang="en-US" smtClean="0"/>
-              <a:t>6/9/2019 3:58 PM</a:t>
+              <a:t>6/17/2019 10:31 AM</a:t>
             </a:fld>
             <a:endParaRPr lang="en-US" dirty="0"/>
           </a:p>
@@ -1601,7 +1586,7 @@
           <a:p>
             <a:fld id="{6108602D-D426-4C00-B215-BFA18C076426}" type="datetime8">
               <a:rPr lang="en-US" smtClean="0"/>
-              <a:t>6/9/2019 4:07 PM</a:t>
+              <a:t>6/17/2019 10:31 AM</a:t>
             </a:fld>
             <a:endParaRPr lang="en-US" dirty="0"/>
           </a:p>
@@ -1766,7 +1751,7 @@
           <a:p>
             <a:fld id="{6108602D-D426-4C00-B215-BFA18C076426}" type="datetime8">
               <a:rPr lang="en-US" smtClean="0"/>
-              <a:t>6/9/2019 3:58 PM</a:t>
+              <a:t>6/17/2019 10:31 AM</a:t>
             </a:fld>
             <a:endParaRPr lang="en-US" dirty="0"/>
           </a:p>
@@ -1931,7 +1916,7 @@
           <a:p>
             <a:fld id="{6108602D-D426-4C00-B215-BFA18C076426}" type="datetime8">
               <a:rPr lang="en-US" smtClean="0"/>
-              <a:t>6/9/2019 4:05 PM</a:t>
+              <a:t>6/17/2019 10:31 AM</a:t>
             </a:fld>
             <a:endParaRPr lang="en-US" dirty="0"/>
           </a:p>
@@ -43979,17 +43964,44 @@
 
 <file path=customXml/item1.xml><?xml version="1.0" encoding="utf-8"?>
 <Control xmlns="http://schemas.microsoft.com/VisualStudio/2011/storyboarding/control">
-  <Id Name="d69996e1-3d61-4686-9b63-f1b855c596ab" Revision="1" Stencil="7276b9ef-3953-4dce-a89b-ed85f20b8b93" StencilVersion="1.0"/>
+  <Id Name="fb22c541-ded0-47fa-8877-83a4c2d16227" Revision="1" Stencil="7276b9ef-3953-4dce-a89b-ed85f20b8b93" StencilVersion="1.0"/>
 </Control>
 </file>
 
 <file path=customXml/item10.xml><?xml version="1.0" encoding="utf-8"?>
 <Control xmlns="http://schemas.microsoft.com/VisualStudio/2011/storyboarding/control">
-  <Id Name="fb22c541-ded0-47fa-8877-83a4c2d16227" Revision="1" Stencil="7276b9ef-3953-4dce-a89b-ed85f20b8b93" StencilVersion="1.0"/>
+  <Id Name="d69996e1-3d61-4686-9b63-f1b855c596ab" Revision="1" Stencil="7276b9ef-3953-4dce-a89b-ed85f20b8b93" StencilVersion="1.0"/>
 </Control>
 </file>
 
 <file path=customXml/item11.xml><?xml version="1.0" encoding="utf-8"?>
+<Control xmlns="http://schemas.microsoft.com/VisualStudio/2011/storyboarding/control">
+  <Id Name="a2191c86-fc50-4add-948c-129f6b5a88d8" Revision="1" Stencil="7276b9ef-3953-4dce-a89b-ed85f20b8b93" StencilVersion="1.0"/>
+</Control>
+</file>
+
+<file path=customXml/item12.xml><?xml version="1.0" encoding="utf-8"?>
+<?mso-contentType ?>
+<FormTemplates xmlns="http://schemas.microsoft.com/sharepoint/v3/contenttype/forms">
+  <Display>DocumentLibraryForm</Display>
+  <Edit>DocumentLibraryForm</Edit>
+  <New>DocumentLibraryForm</New>
+</FormTemplates>
+</file>
+
+<file path=customXml/item13.xml><?xml version="1.0" encoding="utf-8"?>
+<Control xmlns="http://schemas.microsoft.com/VisualStudio/2011/storyboarding/control">
+  <Id Name="d69996e1-3d61-4686-9b63-f1b855c596ab" Revision="1" Stencil="7276b9ef-3953-4dce-a89b-ed85f20b8b93" StencilVersion="1.0"/>
+</Control>
+</file>
+
+<file path=customXml/item14.xml><?xml version="1.0" encoding="utf-8"?>
+<Control xmlns="http://schemas.microsoft.com/VisualStudio/2011/storyboarding/control">
+  <Id Name="a53d73d2-368b-429e-b817-1324eec1382c" Revision="1" Stencil="7276b9ef-3953-4dce-a89b-ed85f20b8b93" StencilVersion="1.0"/>
+</Control>
+</file>
+
+<file path=customXml/item15.xml><?xml version="1.0" encoding="utf-8"?>
 <p:properties xmlns:p="http://schemas.microsoft.com/office/2006/metadata/properties" xmlns:xsi="http://www.w3.org/2001/XMLSchema-instance" xmlns:pc="http://schemas.microsoft.com/office/infopath/2007/PartnerControls">
   <documentManagement>
     <SharedWithUsers xmlns="83cd2334-221a-48c3-9034-bfd1542dfe28">
@@ -44013,57 +44025,15 @@
 </p:properties>
 </file>
 
-<file path=customXml/item12.xml><?xml version="1.0" encoding="utf-8"?>
-<p:properties xmlns:p="http://schemas.microsoft.com/office/2006/metadata/properties" xmlns:xsi="http://www.w3.org/2001/XMLSchema-instance" xmlns:pc="http://schemas.microsoft.com/office/infopath/2007/PartnerControls">
-  <documentManagement>
-    <SharedWithUsers xmlns="83cd2334-221a-48c3-9034-bfd1542dfe28">
-      <UserInfo>
-        <DisplayName>Gilad Turbahn</DisplayName>
-        <AccountId>511</AccountId>
-        <AccountType/>
-      </UserInfo>
-      <UserInfo>
-        <DisplayName>Keith Boyd</DisplayName>
-        <AccountId>993</AccountId>
-        <AccountType/>
-      </UserInfo>
-      <UserInfo>
-        <DisplayName>Christopher Harrison</DisplayName>
-        <AccountId>1176</AccountId>
-        <AccountType/>
-      </UserInfo>
-    </SharedWithUsers>
-  </documentManagement>
-</p:properties>
-</file>
-
-<file path=customXml/item13.xml><?xml version="1.0" encoding="utf-8"?>
-<Control xmlns="http://schemas.microsoft.com/VisualStudio/2011/storyboarding/control">
-  <Id Name="a53d73d2-368b-429e-b817-1324eec1382c" Revision="1" Stencil="7276b9ef-3953-4dce-a89b-ed85f20b8b93" StencilVersion="1.0"/>
-</Control>
-</file>
-
-<file path=customXml/item14.xml><?xml version="1.0" encoding="utf-8"?>
-<Control xmlns="http://schemas.microsoft.com/VisualStudio/2011/storyboarding/control">
-  <Id Name="369f9055-6b6c-48b9-9320-5df2d46c430a" Revision="1" Stencil="7276b9ef-3953-4dce-a89b-ed85f20b8b93" StencilVersion="1.0"/>
-</Control>
-</file>
-
-<file path=customXml/item15.xml><?xml version="1.0" encoding="utf-8"?>
+<file path=customXml/item16.xml><?xml version="1.0" encoding="utf-8"?>
 <Control xmlns="http://schemas.microsoft.com/VisualStudio/2011/storyboarding/control">
   <Id Name="d69996e1-3d61-4686-9b63-f1b855c596ab" Revision="1" Stencil="7276b9ef-3953-4dce-a89b-ed85f20b8b93" StencilVersion="1.0"/>
 </Control>
 </file>
 
-<file path=customXml/item16.xml><?xml version="1.0" encoding="utf-8"?>
-<Control xmlns="http://schemas.microsoft.com/VisualStudio/2011/storyboarding/control">
-  <Id Name="fb22c541-ded0-47fa-8877-83a4c2d16227" Revision="1" Stencil="7276b9ef-3953-4dce-a89b-ed85f20b8b93" StencilVersion="1.0"/>
-</Control>
-</file>
-
 <file path=customXml/item17.xml><?xml version="1.0" encoding="utf-8"?>
 <Control xmlns="http://schemas.microsoft.com/VisualStudio/2011/storyboarding/control">
-  <Id Name="fb22c541-ded0-47fa-8877-83a4c2d16227" Revision="1" Stencil="7276b9ef-3953-4dce-a89b-ed85f20b8b93" StencilVersion="1.0"/>
+  <Id Name="d69996e1-3d61-4686-9b63-f1b855c596ab" Revision="1" Stencil="7276b9ef-3953-4dce-a89b-ed85f20b8b93" StencilVersion="1.0"/>
 </Control>
 </file>
 
@@ -44075,7 +44045,7 @@
 
 <file path=customXml/item19.xml><?xml version="1.0" encoding="utf-8"?>
 <Control xmlns="http://schemas.microsoft.com/VisualStudio/2011/storyboarding/control">
-  <Id Name="d69996e1-3d61-4686-9b63-f1b855c596ab" Revision="1" Stencil="7276b9ef-3953-4dce-a89b-ed85f20b8b93" StencilVersion="1.0"/>
+  <Id Name="369f9055-6b6c-48b9-9320-5df2d46c430a" Revision="1" Stencil="7276b9ef-3953-4dce-a89b-ed85f20b8b93" StencilVersion="1.0"/>
 </Control>
 </file>
 
@@ -44228,47 +44198,26 @@
 </file>
 
 <file path=customXml/item20.xml><?xml version="1.0" encoding="utf-8"?>
-<?mso-contentType ?>
-<FormTemplates xmlns="http://schemas.microsoft.com/sharepoint/v3/contenttype/forms">
-  <Display>DocumentLibraryForm</Display>
-  <Edit>DocumentLibraryForm</Edit>
-  <New>DocumentLibraryForm</New>
-</FormTemplates>
+<Control xmlns="http://schemas.microsoft.com/VisualStudio/2011/storyboarding/control">
+  <Id Name="d69996e1-3d61-4686-9b63-f1b855c596ab" Revision="1" Stencil="7276b9ef-3953-4dce-a89b-ed85f20b8b93" StencilVersion="1.0"/>
+</Control>
 </file>
 
 <file path=customXml/item21.xml><?xml version="1.0" encoding="utf-8"?>
-<p:properties xmlns:p="http://schemas.microsoft.com/office/2006/metadata/properties" xmlns:xsi="http://www.w3.org/2001/XMLSchema-instance" xmlns:pc="http://schemas.microsoft.com/office/infopath/2007/PartnerControls">
-  <documentManagement>
-    <SharedWithUsers xmlns="83cd2334-221a-48c3-9034-bfd1542dfe28">
-      <UserInfo>
-        <DisplayName>Gilad Turbahn</DisplayName>
-        <AccountId>511</AccountId>
-        <AccountType/>
-      </UserInfo>
-      <UserInfo>
-        <DisplayName>Keith Boyd</DisplayName>
-        <AccountId>993</AccountId>
-        <AccountType/>
-      </UserInfo>
-      <UserInfo>
-        <DisplayName>Christopher Harrison</DisplayName>
-        <AccountId>1176</AccountId>
-        <AccountType/>
-      </UserInfo>
-    </SharedWithUsers>
-  </documentManagement>
-</p:properties>
+<Control xmlns="http://schemas.microsoft.com/VisualStudio/2011/storyboarding/control">
+  <Id Name="fb22c541-ded0-47fa-8877-83a4c2d16227" Revision="1" Stencil="7276b9ef-3953-4dce-a89b-ed85f20b8b93" StencilVersion="1.0"/>
+</Control>
 </file>
 
 <file path=customXml/item22.xml><?xml version="1.0" encoding="utf-8"?>
 <Control xmlns="http://schemas.microsoft.com/VisualStudio/2011/storyboarding/control">
-  <Id Name="a2191c86-fc50-4add-948c-129f6b5a88d8" Revision="1" Stencil="7276b9ef-3953-4dce-a89b-ed85f20b8b93" StencilVersion="1.0"/>
+  <Id Name="d69996e1-3d61-4686-9b63-f1b855c596ab" Revision="1" Stencil="7276b9ef-3953-4dce-a89b-ed85f20b8b93" StencilVersion="1.0"/>
 </Control>
 </file>
 
 <file path=customXml/item23.xml><?xml version="1.0" encoding="utf-8"?>
 <Control xmlns="http://schemas.microsoft.com/VisualStudio/2011/storyboarding/control">
-  <Id Name="d69996e1-3d61-4686-9b63-f1b855c596ab" Revision="1" Stencil="7276b9ef-3953-4dce-a89b-ed85f20b8b93" StencilVersion="1.0"/>
+  <Id Name="a53d73d2-368b-429e-b817-1324eec1382c" Revision="1" Stencil="7276b9ef-3953-4dce-a89b-ed85f20b8b93" StencilVersion="1.0"/>
 </Control>
 </file>
 
@@ -44280,17 +44229,11 @@
 
 <file path=customXml/item25.xml><?xml version="1.0" encoding="utf-8"?>
 <Control xmlns="http://schemas.microsoft.com/VisualStudio/2011/storyboarding/control">
-  <Id Name="a53d73d2-368b-429e-b817-1324eec1382c" Revision="1" Stencil="7276b9ef-3953-4dce-a89b-ed85f20b8b93" StencilVersion="1.0"/>
+  <Id Name="a2191c86-fc50-4add-948c-129f6b5a88d8" Revision="1" Stencil="7276b9ef-3953-4dce-a89b-ed85f20b8b93" StencilVersion="1.0"/>
 </Control>
 </file>
 
 <file path=customXml/item26.xml><?xml version="1.0" encoding="utf-8"?>
-<Control xmlns="http://schemas.microsoft.com/VisualStudio/2011/storyboarding/control">
-  <Id Name="a2191c86-fc50-4add-948c-129f6b5a88d8" Revision="1" Stencil="7276b9ef-3953-4dce-a89b-ed85f20b8b93" StencilVersion="1.0"/>
-</Control>
-</file>
-
-<file path=customXml/item27.xml><?xml version="1.0" encoding="utf-8"?>
 <?mso-contentType ?>
 <FormTemplates xmlns="http://schemas.microsoft.com/sharepoint/v3/contenttype/forms">
   <Display>DocumentLibraryForm</Display>
@@ -44299,75 +44242,51 @@
 </FormTemplates>
 </file>
 
-<file path=customXml/item28.xml><?xml version="1.0" encoding="utf-8"?>
-<Control xmlns="http://schemas.microsoft.com/VisualStudio/2011/storyboarding/control">
-  <Id Name="a2191c86-fc50-4add-948c-129f6b5a88d8" Revision="1" Stencil="7276b9ef-3953-4dce-a89b-ed85f20b8b93" StencilVersion="1.0"/>
-</Control>
-</file>
-
-<file path=customXml/item29.xml><?xml version="1.0" encoding="utf-8"?>
-<p:properties xmlns:p="http://schemas.microsoft.com/office/2006/metadata/properties" xmlns:xsi="http://www.w3.org/2001/XMLSchema-instance" xmlns:pc="http://schemas.microsoft.com/office/infopath/2007/PartnerControls">
-  <documentManagement>
-    <SharedWithUsers xmlns="83cd2334-221a-48c3-9034-bfd1542dfe28">
-      <UserInfo>
-        <DisplayName>Gilad Turbahn</DisplayName>
-        <AccountId>511</AccountId>
-        <AccountType/>
-      </UserInfo>
-      <UserInfo>
-        <DisplayName>Keith Boyd</DisplayName>
-        <AccountId>993</AccountId>
-        <AccountType/>
-      </UserInfo>
-      <UserInfo>
-        <DisplayName>Christopher Harrison</DisplayName>
-        <AccountId>1176</AccountId>
-        <AccountType/>
-      </UserInfo>
-    </SharedWithUsers>
-  </documentManagement>
-</p:properties>
-</file>
-
-<file path=customXml/item3.xml><?xml version="1.0" encoding="utf-8"?>
-<p:properties xmlns:p="http://schemas.microsoft.com/office/2006/metadata/properties" xmlns:xsi="http://www.w3.org/2001/XMLSchema-instance" xmlns:pc="http://schemas.microsoft.com/office/infopath/2007/PartnerControls">
-  <documentManagement>
-    <SharedWithUsers xmlns="83cd2334-221a-48c3-9034-bfd1542dfe28">
-      <UserInfo>
-        <DisplayName>Gilad Turbahn</DisplayName>
-        <AccountId>511</AccountId>
-        <AccountType/>
-      </UserInfo>
-      <UserInfo>
-        <DisplayName>Keith Boyd</DisplayName>
-        <AccountId>993</AccountId>
-        <AccountType/>
-      </UserInfo>
-      <UserInfo>
-        <DisplayName>Christopher Harrison</DisplayName>
-        <AccountId>1176</AccountId>
-        <AccountType/>
-      </UserInfo>
-    </SharedWithUsers>
-  </documentManagement>
-</p:properties>
-</file>
-
-<file path=customXml/item30.xml><?xml version="1.0" encoding="utf-8"?>
+<file path=customXml/item27.xml><?xml version="1.0" encoding="utf-8"?>
 <Control xmlns="http://schemas.microsoft.com/VisualStudio/2011/storyboarding/control">
   <Id Name="fb22c541-ded0-47fa-8877-83a4c2d16227" Revision="1" Stencil="7276b9ef-3953-4dce-a89b-ed85f20b8b93" StencilVersion="1.0"/>
 </Control>
 </file>
 
+<file path=customXml/item28.xml><?xml version="1.0" encoding="utf-8"?>
+<?mso-contentType ?>
+<FormTemplates xmlns="http://schemas.microsoft.com/sharepoint/v3/contenttype/forms">
+  <Display>DocumentLibraryForm</Display>
+  <Edit>DocumentLibraryForm</Edit>
+  <New>DocumentLibraryForm</New>
+</FormTemplates>
+</file>
+
+<file path=customXml/item29.xml><?xml version="1.0" encoding="utf-8"?>
+<Control xmlns="http://schemas.microsoft.com/VisualStudio/2011/storyboarding/control">
+  <Id Name="369f9055-6b6c-48b9-9320-5df2d46c430a" Revision="1" Stencil="7276b9ef-3953-4dce-a89b-ed85f20b8b93" StencilVersion="1.0"/>
+</Control>
+</file>
+
+<file path=customXml/item3.xml><?xml version="1.0" encoding="utf-8"?>
+<Control xmlns="http://schemas.microsoft.com/VisualStudio/2011/storyboarding/control">
+  <Id Name="fb22c541-ded0-47fa-8877-83a4c2d16227" Revision="1" Stencil="7276b9ef-3953-4dce-a89b-ed85f20b8b93" StencilVersion="1.0"/>
+</Control>
+</file>
+
+<file path=customXml/item30.xml><?xml version="1.0" encoding="utf-8"?>
+<?mso-contentType ?>
+<FormTemplates xmlns="http://schemas.microsoft.com/sharepoint/v3/contenttype/forms">
+  <Display>DocumentLibraryForm</Display>
+  <Edit>DocumentLibraryForm</Edit>
+  <New>DocumentLibraryForm</New>
+</FormTemplates>
+</file>
+
 <file path=customXml/item31.xml><?xml version="1.0" encoding="utf-8"?>
 <Control xmlns="http://schemas.microsoft.com/VisualStudio/2011/storyboarding/control">
-  <Id Name="d69996e1-3d61-4686-9b63-f1b855c596ab" Revision="1" Stencil="7276b9ef-3953-4dce-a89b-ed85f20b8b93" StencilVersion="1.0"/>
+  <Id Name="fb22c541-ded0-47fa-8877-83a4c2d16227" Revision="1" Stencil="7276b9ef-3953-4dce-a89b-ed85f20b8b93" StencilVersion="1.0"/>
 </Control>
 </file>
 
 <file path=customXml/item32.xml><?xml version="1.0" encoding="utf-8"?>
 <Control xmlns="http://schemas.microsoft.com/VisualStudio/2011/storyboarding/control">
-  <Id Name="a53d73d2-368b-429e-b817-1324eec1382c" Revision="1" Stencil="7276b9ef-3953-4dce-a89b-ed85f20b8b93" StencilVersion="1.0"/>
+  <Id Name="369f9055-6b6c-48b9-9320-5df2d46c430a" Revision="1" Stencil="7276b9ef-3953-4dce-a89b-ed85f20b8b93" StencilVersion="1.0"/>
 </Control>
 </file>
 
@@ -44396,102 +44315,6 @@
 </file>
 
 <file path=customXml/item34.xml><?xml version="1.0" encoding="utf-8"?>
-<Control xmlns="http://schemas.microsoft.com/VisualStudio/2011/storyboarding/control">
-  <Id Name="a53d73d2-368b-429e-b817-1324eec1382c" Revision="1" Stencil="7276b9ef-3953-4dce-a89b-ed85f20b8b93" StencilVersion="1.0"/>
-</Control>
-</file>
-
-<file path=customXml/item35.xml><?xml version="1.0" encoding="utf-8"?>
-<?mso-contentType ?>
-<FormTemplates xmlns="http://schemas.microsoft.com/sharepoint/v3/contenttype/forms">
-  <Display>DocumentLibraryForm</Display>
-  <Edit>DocumentLibraryForm</Edit>
-  <New>DocumentLibraryForm</New>
-</FormTemplates>
-</file>
-
-<file path=customXml/item36.xml><?xml version="1.0" encoding="utf-8"?>
-<Control xmlns="http://schemas.microsoft.com/VisualStudio/2011/storyboarding/control">
-  <Id Name="369f9055-6b6c-48b9-9320-5df2d46c430a" Revision="1" Stencil="7276b9ef-3953-4dce-a89b-ed85f20b8b93" StencilVersion="1.0"/>
-</Control>
-</file>
-
-<file path=customXml/item37.xml><?xml version="1.0" encoding="utf-8"?>
-<Control xmlns="http://schemas.microsoft.com/VisualStudio/2011/storyboarding/control">
-  <Id Name="d69996e1-3d61-4686-9b63-f1b855c596ab" Revision="1" Stencil="7276b9ef-3953-4dce-a89b-ed85f20b8b93" StencilVersion="1.0"/>
-</Control>
-</file>
-
-<file path=customXml/item38.xml><?xml version="1.0" encoding="utf-8"?>
-<?mso-contentType ?>
-<FormTemplates xmlns="http://schemas.microsoft.com/sharepoint/v3/contenttype/forms">
-  <Display>DocumentLibraryForm</Display>
-  <Edit>DocumentLibraryForm</Edit>
-  <New>DocumentLibraryForm</New>
-</FormTemplates>
-</file>
-
-<file path=customXml/item39.xml><?xml version="1.0" encoding="utf-8"?>
-<?mso-contentType ?>
-<FormTemplates xmlns="http://schemas.microsoft.com/sharepoint/v3/contenttype/forms">
-  <Display>DocumentLibraryForm</Display>
-  <Edit>DocumentLibraryForm</Edit>
-  <New>DocumentLibraryForm</New>
-</FormTemplates>
-</file>
-
-<file path=customXml/item4.xml><?xml version="1.0" encoding="utf-8"?>
-<?mso-contentType ?>
-<FormTemplates xmlns="http://schemas.microsoft.com/sharepoint/v3/contenttype/forms">
-  <Display>DocumentLibraryForm</Display>
-  <Edit>DocumentLibraryForm</Edit>
-  <New>DocumentLibraryForm</New>
-</FormTemplates>
-</file>
-
-<file path=customXml/item40.xml><?xml version="1.0" encoding="utf-8"?>
-<Control xmlns="http://schemas.microsoft.com/VisualStudio/2011/storyboarding/control">
-  <Id Name="a2191c86-fc50-4add-948c-129f6b5a88d8" Revision="1" Stencil="7276b9ef-3953-4dce-a89b-ed85f20b8b93" StencilVersion="1.0"/>
-</Control>
-</file>
-
-<file path=customXml/item41.xml><?xml version="1.0" encoding="utf-8"?>
-<?mso-contentType ?>
-<FormTemplates xmlns="http://schemas.microsoft.com/sharepoint/v3/contenttype/forms">
-  <Display>DocumentLibraryForm</Display>
-  <Edit>DocumentLibraryForm</Edit>
-  <New>DocumentLibraryForm</New>
-</FormTemplates>
-</file>
-
-<file path=customXml/item42.xml><?xml version="1.0" encoding="utf-8"?>
-<Control xmlns="http://schemas.microsoft.com/VisualStudio/2011/storyboarding/control">
-  <Id Name="369f9055-6b6c-48b9-9320-5df2d46c430a" Revision="1" Stencil="7276b9ef-3953-4dce-a89b-ed85f20b8b93" StencilVersion="1.0"/>
-</Control>
-</file>
-
-<file path=customXml/item43.xml><?xml version="1.0" encoding="utf-8"?>
-<Control xmlns="http://schemas.microsoft.com/VisualStudio/2011/storyboarding/control">
-  <Id Name="369f9055-6b6c-48b9-9320-5df2d46c430a" Revision="1" Stencil="7276b9ef-3953-4dce-a89b-ed85f20b8b93" StencilVersion="1.0"/>
-</Control>
-</file>
-
-<file path=customXml/item44.xml><?xml version="1.0" encoding="utf-8"?>
-<Control xmlns="http://schemas.microsoft.com/VisualStudio/2011/storyboarding/control">
-  <Id Name="a53d73d2-368b-429e-b817-1324eec1382c" Revision="1" Stencil="7276b9ef-3953-4dce-a89b-ed85f20b8b93" StencilVersion="1.0"/>
-</Control>
-</file>
-
-<file path=customXml/item45.xml><?xml version="1.0" encoding="utf-8"?>
-<?mso-contentType ?>
-<FormTemplates xmlns="http://schemas.microsoft.com/sharepoint/v3/contenttype/forms">
-  <Display>DocumentLibraryForm</Display>
-  <Edit>DocumentLibraryForm</Edit>
-  <New>DocumentLibraryForm</New>
-</FormTemplates>
-</file>
-
-<file path=customXml/item46.xml><?xml version="1.0" encoding="utf-8"?>
 <p:properties xmlns:p="http://schemas.microsoft.com/office/2006/metadata/properties" xmlns:xsi="http://www.w3.org/2001/XMLSchema-instance" xmlns:pc="http://schemas.microsoft.com/office/infopath/2007/PartnerControls">
   <documentManagement>
     <SharedWithUsers xmlns="83cd2334-221a-48c3-9034-bfd1542dfe28">
@@ -44515,13 +44338,19 @@
 </p:properties>
 </file>
 
-<file path=customXml/item47.xml><?xml version="1.0" encoding="utf-8"?>
+<file path=customXml/item35.xml><?xml version="1.0" encoding="utf-8"?>
 <Control xmlns="http://schemas.microsoft.com/VisualStudio/2011/storyboarding/control">
-  <Id Name="a2191c86-fc50-4add-948c-129f6b5a88d8" Revision="1" Stencil="7276b9ef-3953-4dce-a89b-ed85f20b8b93" StencilVersion="1.0"/>
+  <Id Name="fb22c541-ded0-47fa-8877-83a4c2d16227" Revision="1" Stencil="7276b9ef-3953-4dce-a89b-ed85f20b8b93" StencilVersion="1.0"/>
 </Control>
 </file>
 
-<file path=customXml/item5.xml><?xml version="1.0" encoding="utf-8"?>
+<file path=customXml/item36.xml><?xml version="1.0" encoding="utf-8"?>
+<Control xmlns="http://schemas.microsoft.com/VisualStudio/2011/storyboarding/control">
+  <Id Name="a53d73d2-368b-429e-b817-1324eec1382c" Revision="1" Stencil="7276b9ef-3953-4dce-a89b-ed85f20b8b93" StencilVersion="1.0"/>
+</Control>
+</file>
+
+<file path=customXml/item37.xml><?xml version="1.0" encoding="utf-8"?>
 <p:properties xmlns:p="http://schemas.microsoft.com/office/2006/metadata/properties" xmlns:xsi="http://www.w3.org/2001/XMLSchema-instance" xmlns:pc="http://schemas.microsoft.com/office/infopath/2007/PartnerControls">
   <documentManagement>
     <SharedWithUsers xmlns="83cd2334-221a-48c3-9034-bfd1542dfe28">
@@ -44545,16 +44374,172 @@
 </p:properties>
 </file>
 
-<file path=customXml/item6.xml><?xml version="1.0" encoding="utf-8"?>
+<file path=customXml/item38.xml><?xml version="1.0" encoding="utf-8"?>
+<?mso-contentType ?>
+<FormTemplates xmlns="http://schemas.microsoft.com/sharepoint/v3/contenttype/forms">
+  <Display>DocumentLibraryForm</Display>
+  <Edit>DocumentLibraryForm</Edit>
+  <New>DocumentLibraryForm</New>
+</FormTemplates>
+</file>
+
+<file path=customXml/item39.xml><?xml version="1.0" encoding="utf-8"?>
+<p:properties xmlns:p="http://schemas.microsoft.com/office/2006/metadata/properties" xmlns:xsi="http://www.w3.org/2001/XMLSchema-instance" xmlns:pc="http://schemas.microsoft.com/office/infopath/2007/PartnerControls">
+  <documentManagement>
+    <SharedWithUsers xmlns="83cd2334-221a-48c3-9034-bfd1542dfe28">
+      <UserInfo>
+        <DisplayName>Gilad Turbahn</DisplayName>
+        <AccountId>511</AccountId>
+        <AccountType/>
+      </UserInfo>
+      <UserInfo>
+        <DisplayName>Keith Boyd</DisplayName>
+        <AccountId>993</AccountId>
+        <AccountType/>
+      </UserInfo>
+      <UserInfo>
+        <DisplayName>Christopher Harrison</DisplayName>
+        <AccountId>1176</AccountId>
+        <AccountType/>
+      </UserInfo>
+    </SharedWithUsers>
+  </documentManagement>
+</p:properties>
+</file>
+
+<file path=customXml/item4.xml><?xml version="1.0" encoding="utf-8"?>
+<p:properties xmlns:p="http://schemas.microsoft.com/office/2006/metadata/properties" xmlns:xsi="http://www.w3.org/2001/XMLSchema-instance" xmlns:pc="http://schemas.microsoft.com/office/infopath/2007/PartnerControls">
+  <documentManagement>
+    <SharedWithUsers xmlns="83cd2334-221a-48c3-9034-bfd1542dfe28">
+      <UserInfo>
+        <DisplayName>Gilad Turbahn</DisplayName>
+        <AccountId>511</AccountId>
+        <AccountType/>
+      </UserInfo>
+      <UserInfo>
+        <DisplayName>Keith Boyd</DisplayName>
+        <AccountId>993</AccountId>
+        <AccountType/>
+      </UserInfo>
+      <UserInfo>
+        <DisplayName>Christopher Harrison</DisplayName>
+        <AccountId>1176</AccountId>
+        <AccountType/>
+      </UserInfo>
+    </SharedWithUsers>
+  </documentManagement>
+</p:properties>
+</file>
+
+<file path=customXml/item40.xml><?xml version="1.0" encoding="utf-8"?>
 <Control xmlns="http://schemas.microsoft.com/VisualStudio/2011/storyboarding/control">
   <Id Name="a53d73d2-368b-429e-b817-1324eec1382c" Revision="1" Stencil="7276b9ef-3953-4dce-a89b-ed85f20b8b93" StencilVersion="1.0"/>
 </Control>
 </file>
 
+<file path=customXml/item41.xml><?xml version="1.0" encoding="utf-8"?>
+<Control xmlns="http://schemas.microsoft.com/VisualStudio/2011/storyboarding/control">
+  <Id Name="a2191c86-fc50-4add-948c-129f6b5a88d8" Revision="1" Stencil="7276b9ef-3953-4dce-a89b-ed85f20b8b93" StencilVersion="1.0"/>
+</Control>
+</file>
+
+<file path=customXml/item42.xml><?xml version="1.0" encoding="utf-8"?>
+<Control xmlns="http://schemas.microsoft.com/VisualStudio/2011/storyboarding/control">
+  <Id Name="a2191c86-fc50-4add-948c-129f6b5a88d8" Revision="1" Stencil="7276b9ef-3953-4dce-a89b-ed85f20b8b93" StencilVersion="1.0"/>
+</Control>
+</file>
+
+<file path=customXml/item43.xml><?xml version="1.0" encoding="utf-8"?>
+<?mso-contentType ?>
+<FormTemplates xmlns="http://schemas.microsoft.com/sharepoint/v3/contenttype/forms">
+  <Display>DocumentLibraryForm</Display>
+  <Edit>DocumentLibraryForm</Edit>
+  <New>DocumentLibraryForm</New>
+</FormTemplates>
+</file>
+
+<file path=customXml/item44.xml><?xml version="1.0" encoding="utf-8"?>
+<p:properties xmlns:p="http://schemas.microsoft.com/office/2006/metadata/properties" xmlns:xsi="http://www.w3.org/2001/XMLSchema-instance" xmlns:pc="http://schemas.microsoft.com/office/infopath/2007/PartnerControls">
+  <documentManagement>
+    <SharedWithUsers xmlns="83cd2334-221a-48c3-9034-bfd1542dfe28">
+      <UserInfo>
+        <DisplayName>Gilad Turbahn</DisplayName>
+        <AccountId>511</AccountId>
+        <AccountType/>
+      </UserInfo>
+      <UserInfo>
+        <DisplayName>Keith Boyd</DisplayName>
+        <AccountId>993</AccountId>
+        <AccountType/>
+      </UserInfo>
+      <UserInfo>
+        <DisplayName>Christopher Harrison</DisplayName>
+        <AccountId>1176</AccountId>
+        <AccountType/>
+      </UserInfo>
+    </SharedWithUsers>
+  </documentManagement>
+</p:properties>
+</file>
+
+<file path=customXml/item45.xml><?xml version="1.0" encoding="utf-8"?>
+<Control xmlns="http://schemas.microsoft.com/VisualStudio/2011/storyboarding/control">
+  <Id Name="a53d73d2-368b-429e-b817-1324eec1382c" Revision="1" Stencil="7276b9ef-3953-4dce-a89b-ed85f20b8b93" StencilVersion="1.0"/>
+</Control>
+</file>
+
+<file path=customXml/item46.xml><?xml version="1.0" encoding="utf-8"?>
+<Control xmlns="http://schemas.microsoft.com/VisualStudio/2011/storyboarding/control">
+  <Id Name="369f9055-6b6c-48b9-9320-5df2d46c430a" Revision="1" Stencil="7276b9ef-3953-4dce-a89b-ed85f20b8b93" StencilVersion="1.0"/>
+</Control>
+</file>
+
+<file path=customXml/item47.xml><?xml version="1.0" encoding="utf-8"?>
+<Control xmlns="http://schemas.microsoft.com/VisualStudio/2011/storyboarding/control">
+  <Id Name="a2191c86-fc50-4add-948c-129f6b5a88d8" Revision="1" Stencil="7276b9ef-3953-4dce-a89b-ed85f20b8b93" StencilVersion="1.0"/>
+</Control>
+</file>
+
+<file path=customXml/item5.xml><?xml version="1.0" encoding="utf-8"?>
+<?mso-contentType ?>
+<FormTemplates xmlns="http://schemas.microsoft.com/sharepoint/v3/contenttype/forms">
+  <Display>DocumentLibraryForm</Display>
+  <Edit>DocumentLibraryForm</Edit>
+  <New>DocumentLibraryForm</New>
+</FormTemplates>
+</file>
+
+<file path=customXml/item6.xml><?xml version="1.0" encoding="utf-8"?>
+<?mso-contentType ?>
+<FormTemplates xmlns="http://schemas.microsoft.com/sharepoint/v3/contenttype/forms">
+  <Display>DocumentLibraryForm</Display>
+  <Edit>DocumentLibraryForm</Edit>
+  <New>DocumentLibraryForm</New>
+</FormTemplates>
+</file>
+
 <file path=customXml/item7.xml><?xml version="1.0" encoding="utf-8"?>
-<Control xmlns="http://schemas.microsoft.com/VisualStudio/2011/storyboarding/control">
-  <Id Name="fb22c541-ded0-47fa-8877-83a4c2d16227" Revision="1" Stencil="7276b9ef-3953-4dce-a89b-ed85f20b8b93" StencilVersion="1.0"/>
-</Control>
+<p:properties xmlns:p="http://schemas.microsoft.com/office/2006/metadata/properties" xmlns:xsi="http://www.w3.org/2001/XMLSchema-instance" xmlns:pc="http://schemas.microsoft.com/office/infopath/2007/PartnerControls">
+  <documentManagement>
+    <SharedWithUsers xmlns="83cd2334-221a-48c3-9034-bfd1542dfe28">
+      <UserInfo>
+        <DisplayName>Gilad Turbahn</DisplayName>
+        <AccountId>511</AccountId>
+        <AccountType/>
+      </UserInfo>
+      <UserInfo>
+        <DisplayName>Keith Boyd</DisplayName>
+        <AccountId>993</AccountId>
+        <AccountType/>
+      </UserInfo>
+      <UserInfo>
+        <DisplayName>Christopher Harrison</DisplayName>
+        <AccountId>1176</AccountId>
+        <AccountType/>
+      </UserInfo>
+    </SharedWithUsers>
+  </documentManagement>
+</p:properties>
 </file>
 
 <file path=customXml/item8.xml><?xml version="1.0" encoding="utf-8"?>
@@ -44565,11 +44550,43 @@
 
 <file path=customXml/item9.xml><?xml version="1.0" encoding="utf-8"?>
 <Control xmlns="http://schemas.microsoft.com/VisualStudio/2011/storyboarding/control">
-  <Id Name="fb22c541-ded0-47fa-8877-83a4c2d16227" Revision="1" Stencil="7276b9ef-3953-4dce-a89b-ed85f20b8b93" StencilVersion="1.0"/>
+  <Id Name="a53d73d2-368b-429e-b817-1324eec1382c" Revision="1" Stencil="7276b9ef-3953-4dce-a89b-ed85f20b8b93" StencilVersion="1.0"/>
 </Control>
 </file>
 
 <file path=customXml/itemProps1.xml><?xml version="1.0" encoding="utf-8"?>
+<ds:datastoreItem xmlns:ds="http://schemas.openxmlformats.org/officeDocument/2006/customXml" ds:itemID="{4C1B3C27-4803-4D72-A3F8-6668A3F0A24B}">
+  <ds:schemaRefs>
+    <ds:schemaRef ds:uri="http://schemas.microsoft.com/VisualStudio/2011/storyboarding/control"/>
+  </ds:schemaRefs>
+</ds:datastoreItem>
+</file>
+
+<file path=customXml/itemProps10.xml><?xml version="1.0" encoding="utf-8"?>
+<ds:datastoreItem xmlns:ds="http://schemas.openxmlformats.org/officeDocument/2006/customXml" ds:itemID="{C0F92A87-A216-45A9-B9C0-0515663D35BF}">
+  <ds:schemaRefs>
+    <ds:schemaRef ds:uri="http://schemas.microsoft.com/VisualStudio/2011/storyboarding/control"/>
+  </ds:schemaRefs>
+</ds:datastoreItem>
+</file>
+
+<file path=customXml/itemProps11.xml><?xml version="1.0" encoding="utf-8"?>
+<ds:datastoreItem xmlns:ds="http://schemas.openxmlformats.org/officeDocument/2006/customXml" ds:itemID="{3C954CC5-1CAC-4EC3-9791-8630483065B9}">
+  <ds:schemaRefs>
+    <ds:schemaRef ds:uri="http://schemas.microsoft.com/VisualStudio/2011/storyboarding/control"/>
+  </ds:schemaRefs>
+</ds:datastoreItem>
+</file>
+
+<file path=customXml/itemProps12.xml><?xml version="1.0" encoding="utf-8"?>
+<ds:datastoreItem xmlns:ds="http://schemas.openxmlformats.org/officeDocument/2006/customXml" ds:itemID="{EFC12748-212C-48FE-A5F8-D78A8D21E838}">
+  <ds:schemaRefs>
+    <ds:schemaRef ds:uri="http://schemas.microsoft.com/sharepoint/v3/contenttype/forms"/>
+  </ds:schemaRefs>
+</ds:datastoreItem>
+</file>
+
+<file path=customXml/itemProps13.xml><?xml version="1.0" encoding="utf-8"?>
 <ds:datastoreItem xmlns:ds="http://schemas.openxmlformats.org/officeDocument/2006/customXml" ds:itemID="{3DC6CABD-46E1-4C27-A0B3-616DC56F8E5C}">
   <ds:schemaRefs>
     <ds:schemaRef ds:uri="http://schemas.microsoft.com/VisualStudio/2011/storyboarding/control"/>
@@ -44577,16 +44594,16 @@
 </ds:datastoreItem>
 </file>
 
-<file path=customXml/itemProps10.xml><?xml version="1.0" encoding="utf-8"?>
-<ds:datastoreItem xmlns:ds="http://schemas.openxmlformats.org/officeDocument/2006/customXml" ds:itemID="{B5105A87-47B6-44F6-97FD-4619C0556604}">
+<file path=customXml/itemProps14.xml><?xml version="1.0" encoding="utf-8"?>
+<ds:datastoreItem xmlns:ds="http://schemas.openxmlformats.org/officeDocument/2006/customXml" ds:itemID="{ED350DFE-2319-4AB0-BC96-1D36D125365A}">
   <ds:schemaRefs>
     <ds:schemaRef ds:uri="http://schemas.microsoft.com/VisualStudio/2011/storyboarding/control"/>
   </ds:schemaRefs>
 </ds:datastoreItem>
 </file>
 
-<file path=customXml/itemProps11.xml><?xml version="1.0" encoding="utf-8"?>
-<ds:datastoreItem xmlns:ds="http://schemas.openxmlformats.org/officeDocument/2006/customXml" ds:itemID="{473A6A21-7521-4B81-9336-9B587BA12275}">
+<file path=customXml/itemProps15.xml><?xml version="1.0" encoding="utf-8"?>
+<ds:datastoreItem xmlns:ds="http://schemas.openxmlformats.org/officeDocument/2006/customXml" ds:itemID="{2913841C-A564-4F3E-8A3C-33213285300D}">
   <ds:schemaRefs>
     <ds:schemaRef ds:uri="http://schemas.microsoft.com/office/2006/metadata/properties"/>
     <ds:schemaRef ds:uri="http://schemas.microsoft.com/office/infopath/2007/PartnerControls"/>
@@ -44595,33 +44612,7 @@
 </ds:datastoreItem>
 </file>
 
-<file path=customXml/itemProps12.xml><?xml version="1.0" encoding="utf-8"?>
-<ds:datastoreItem xmlns:ds="http://schemas.openxmlformats.org/officeDocument/2006/customXml" ds:itemID="{B76ED3FE-E88C-4961-A59E-A34F608A3C73}">
-  <ds:schemaRefs>
-    <ds:schemaRef ds:uri="http://schemas.microsoft.com/office/2006/metadata/properties"/>
-    <ds:schemaRef ds:uri="http://schemas.microsoft.com/office/infopath/2007/PartnerControls"/>
-    <ds:schemaRef ds:uri="83cd2334-221a-48c3-9034-bfd1542dfe28"/>
-  </ds:schemaRefs>
-</ds:datastoreItem>
-</file>
-
-<file path=customXml/itemProps13.xml><?xml version="1.0" encoding="utf-8"?>
-<ds:datastoreItem xmlns:ds="http://schemas.openxmlformats.org/officeDocument/2006/customXml" ds:itemID="{21F6B647-976A-41D0-B760-9DF9DFC6AE3C}">
-  <ds:schemaRefs>
-    <ds:schemaRef ds:uri="http://schemas.microsoft.com/VisualStudio/2011/storyboarding/control"/>
-  </ds:schemaRefs>
-</ds:datastoreItem>
-</file>
-
-<file path=customXml/itemProps14.xml><?xml version="1.0" encoding="utf-8"?>
-<ds:datastoreItem xmlns:ds="http://schemas.openxmlformats.org/officeDocument/2006/customXml" ds:itemID="{08C4EE12-DF69-4FFC-9E40-C7991F3490A6}">
-  <ds:schemaRefs>
-    <ds:schemaRef ds:uri="http://schemas.microsoft.com/VisualStudio/2011/storyboarding/control"/>
-  </ds:schemaRefs>
-</ds:datastoreItem>
-</file>
-
-<file path=customXml/itemProps15.xml><?xml version="1.0" encoding="utf-8"?>
+<file path=customXml/itemProps16.xml><?xml version="1.0" encoding="utf-8"?>
 <ds:datastoreItem xmlns:ds="http://schemas.openxmlformats.org/officeDocument/2006/customXml" ds:itemID="{C63AC2F0-1DEB-4E91-A88A-7A014A172F4F}">
   <ds:schemaRefs>
     <ds:schemaRef ds:uri="http://schemas.microsoft.com/VisualStudio/2011/storyboarding/control"/>
@@ -44629,16 +44620,8 @@
 </ds:datastoreItem>
 </file>
 
-<file path=customXml/itemProps16.xml><?xml version="1.0" encoding="utf-8"?>
-<ds:datastoreItem xmlns:ds="http://schemas.openxmlformats.org/officeDocument/2006/customXml" ds:itemID="{376216F9-AF6B-4844-AE8C-B9F953F916AB}">
-  <ds:schemaRefs>
-    <ds:schemaRef ds:uri="http://schemas.microsoft.com/VisualStudio/2011/storyboarding/control"/>
-  </ds:schemaRefs>
-</ds:datastoreItem>
-</file>
-
 <file path=customXml/itemProps17.xml><?xml version="1.0" encoding="utf-8"?>
-<ds:datastoreItem xmlns:ds="http://schemas.openxmlformats.org/officeDocument/2006/customXml" ds:itemID="{432851C6-BC05-4673-B853-6D08AB80CDC4}">
+<ds:datastoreItem xmlns:ds="http://schemas.openxmlformats.org/officeDocument/2006/customXml" ds:itemID="{366CA990-F93D-4100-9654-65D9E30F4E1C}">
   <ds:schemaRefs>
     <ds:schemaRef ds:uri="http://schemas.microsoft.com/VisualStudio/2011/storyboarding/control"/>
   </ds:schemaRefs>
@@ -44646,7 +44629,7 @@
 </file>
 
 <file path=customXml/itemProps18.xml><?xml version="1.0" encoding="utf-8"?>
-<ds:datastoreItem xmlns:ds="http://schemas.openxmlformats.org/officeDocument/2006/customXml" ds:itemID="{D4B5F268-5930-44CD-BDF1-D0A04D4BBC1C}">
+<ds:datastoreItem xmlns:ds="http://schemas.openxmlformats.org/officeDocument/2006/customXml" ds:itemID="{4B16F4FE-7C26-4443-B426-81998D23ED87}">
   <ds:schemaRefs>
     <ds:schemaRef ds:uri="http://schemas.microsoft.com/VisualStudio/2011/storyboarding/control"/>
   </ds:schemaRefs>
@@ -44654,7 +44637,7 @@
 </file>
 
 <file path=customXml/itemProps19.xml><?xml version="1.0" encoding="utf-8"?>
-<ds:datastoreItem xmlns:ds="http://schemas.openxmlformats.org/officeDocument/2006/customXml" ds:itemID="{0282FB20-2D4C-459D-8468-77D1D3C6925D}">
+<ds:datastoreItem xmlns:ds="http://schemas.openxmlformats.org/officeDocument/2006/customXml" ds:itemID="{42D603BF-B513-4201-A599-21BA0F4FFC40}">
   <ds:schemaRefs>
     <ds:schemaRef ds:uri="http://schemas.microsoft.com/VisualStudio/2011/storyboarding/control"/>
   </ds:schemaRefs>
@@ -44680,24 +44663,46 @@
 </file>
 
 <file path=customXml/itemProps20.xml><?xml version="1.0" encoding="utf-8"?>
-<ds:datastoreItem xmlns:ds="http://schemas.openxmlformats.org/officeDocument/2006/customXml" ds:itemID="{758FDAC0-319D-4A54-8D8E-1D42CB1F8004}">
+<ds:datastoreItem xmlns:ds="http://schemas.openxmlformats.org/officeDocument/2006/customXml" ds:itemID="{0282FB20-2D4C-459D-8468-77D1D3C6925D}">
   <ds:schemaRefs>
-    <ds:schemaRef ds:uri="http://schemas.microsoft.com/sharepoint/v3/contenttype/forms"/>
+    <ds:schemaRef ds:uri="http://schemas.microsoft.com/VisualStudio/2011/storyboarding/control"/>
   </ds:schemaRefs>
 </ds:datastoreItem>
 </file>
 
 <file path=customXml/itemProps21.xml><?xml version="1.0" encoding="utf-8"?>
-<ds:datastoreItem xmlns:ds="http://schemas.openxmlformats.org/officeDocument/2006/customXml" ds:itemID="{18966F1F-DC2A-460D-B918-D3DF54AC7FCE}">
+<ds:datastoreItem xmlns:ds="http://schemas.openxmlformats.org/officeDocument/2006/customXml" ds:itemID="{B5105A87-47B6-44F6-97FD-4619C0556604}">
   <ds:schemaRefs>
-    <ds:schemaRef ds:uri="http://schemas.microsoft.com/office/2006/metadata/properties"/>
-    <ds:schemaRef ds:uri="http://schemas.microsoft.com/office/infopath/2007/PartnerControls"/>
-    <ds:schemaRef ds:uri="83cd2334-221a-48c3-9034-bfd1542dfe28"/>
+    <ds:schemaRef ds:uri="http://schemas.microsoft.com/VisualStudio/2011/storyboarding/control"/>
   </ds:schemaRefs>
 </ds:datastoreItem>
 </file>
 
 <file path=customXml/itemProps22.xml><?xml version="1.0" encoding="utf-8"?>
+<ds:datastoreItem xmlns:ds="http://schemas.openxmlformats.org/officeDocument/2006/customXml" ds:itemID="{67213E6F-7B96-4222-888B-63710B06D885}">
+  <ds:schemaRefs>
+    <ds:schemaRef ds:uri="http://schemas.microsoft.com/VisualStudio/2011/storyboarding/control"/>
+  </ds:schemaRefs>
+</ds:datastoreItem>
+</file>
+
+<file path=customXml/itemProps23.xml><?xml version="1.0" encoding="utf-8"?>
+<ds:datastoreItem xmlns:ds="http://schemas.openxmlformats.org/officeDocument/2006/customXml" ds:itemID="{F68D8396-E21C-4AFF-8FDD-70D00673D0EE}">
+  <ds:schemaRefs>
+    <ds:schemaRef ds:uri="http://schemas.microsoft.com/VisualStudio/2011/storyboarding/control"/>
+  </ds:schemaRefs>
+</ds:datastoreItem>
+</file>
+
+<file path=customXml/itemProps24.xml><?xml version="1.0" encoding="utf-8"?>
+<ds:datastoreItem xmlns:ds="http://schemas.openxmlformats.org/officeDocument/2006/customXml" ds:itemID="{08C4EE12-DF69-4FFC-9E40-C7991F3490A6}">
+  <ds:schemaRefs>
+    <ds:schemaRef ds:uri="http://schemas.microsoft.com/VisualStudio/2011/storyboarding/control"/>
+  </ds:schemaRefs>
+</ds:datastoreItem>
+</file>
+
+<file path=customXml/itemProps25.xml><?xml version="1.0" encoding="utf-8"?>
 <ds:datastoreItem xmlns:ds="http://schemas.openxmlformats.org/officeDocument/2006/customXml" ds:itemID="{8BD595CA-AC5E-43B9-B966-E468A16E8322}">
   <ds:schemaRefs>
     <ds:schemaRef ds:uri="http://schemas.microsoft.com/VisualStudio/2011/storyboarding/control"/>
@@ -44705,39 +44710,7 @@
 </ds:datastoreItem>
 </file>
 
-<file path=customXml/itemProps23.xml><?xml version="1.0" encoding="utf-8"?>
-<ds:datastoreItem xmlns:ds="http://schemas.openxmlformats.org/officeDocument/2006/customXml" ds:itemID="{366CA990-F93D-4100-9654-65D9E30F4E1C}">
-  <ds:schemaRefs>
-    <ds:schemaRef ds:uri="http://schemas.microsoft.com/VisualStudio/2011/storyboarding/control"/>
-  </ds:schemaRefs>
-</ds:datastoreItem>
-</file>
-
-<file path=customXml/itemProps24.xml><?xml version="1.0" encoding="utf-8"?>
-<ds:datastoreItem xmlns:ds="http://schemas.openxmlformats.org/officeDocument/2006/customXml" ds:itemID="{38217AA1-CC95-49A9-B284-2ED4D347D7CA}">
-  <ds:schemaRefs>
-    <ds:schemaRef ds:uri="http://schemas.microsoft.com/VisualStudio/2011/storyboarding/control"/>
-  </ds:schemaRefs>
-</ds:datastoreItem>
-</file>
-
-<file path=customXml/itemProps25.xml><?xml version="1.0" encoding="utf-8"?>
-<ds:datastoreItem xmlns:ds="http://schemas.openxmlformats.org/officeDocument/2006/customXml" ds:itemID="{6FB9D450-4C47-4A44-8C0D-C78D8A54C46F}">
-  <ds:schemaRefs>
-    <ds:schemaRef ds:uri="http://schemas.microsoft.com/VisualStudio/2011/storyboarding/control"/>
-  </ds:schemaRefs>
-</ds:datastoreItem>
-</file>
-
 <file path=customXml/itemProps26.xml><?xml version="1.0" encoding="utf-8"?>
-<ds:datastoreItem xmlns:ds="http://schemas.openxmlformats.org/officeDocument/2006/customXml" ds:itemID="{8257D6BC-B71E-4D95-81E4-A1D4A8174168}">
-  <ds:schemaRefs>
-    <ds:schemaRef ds:uri="http://schemas.microsoft.com/VisualStudio/2011/storyboarding/control"/>
-  </ds:schemaRefs>
-</ds:datastoreItem>
-</file>
-
-<file path=customXml/itemProps27.xml><?xml version="1.0" encoding="utf-8"?>
 <ds:datastoreItem xmlns:ds="http://schemas.openxmlformats.org/officeDocument/2006/customXml" ds:itemID="{78436128-120F-440C-B7DE-5C2E6A2F2A96}">
   <ds:schemaRefs>
     <ds:schemaRef ds:uri="http://schemas.microsoft.com/sharepoint/v3/contenttype/forms"/>
@@ -44745,25 +44718,63 @@
 </ds:datastoreItem>
 </file>
 
-<file path=customXml/itemProps28.xml><?xml version="1.0" encoding="utf-8"?>
-<ds:datastoreItem xmlns:ds="http://schemas.openxmlformats.org/officeDocument/2006/customXml" ds:itemID="{4B16F4FE-7C26-4443-B426-81998D23ED87}">
+<file path=customXml/itemProps27.xml><?xml version="1.0" encoding="utf-8"?>
+<ds:datastoreItem xmlns:ds="http://schemas.openxmlformats.org/officeDocument/2006/customXml" ds:itemID="{D6FEE829-2115-45B4-8110-670FD454542B}">
   <ds:schemaRefs>
     <ds:schemaRef ds:uri="http://schemas.microsoft.com/VisualStudio/2011/storyboarding/control"/>
   </ds:schemaRefs>
 </ds:datastoreItem>
 </file>
 
+<file path=customXml/itemProps28.xml><?xml version="1.0" encoding="utf-8"?>
+<ds:datastoreItem xmlns:ds="http://schemas.openxmlformats.org/officeDocument/2006/customXml" ds:itemID="{5356B21E-62AB-45D9-B99D-177E6D959AE1}">
+  <ds:schemaRefs>
+    <ds:schemaRef ds:uri="http://schemas.microsoft.com/sharepoint/v3/contenttype/forms"/>
+  </ds:schemaRefs>
+</ds:datastoreItem>
+</file>
+
 <file path=customXml/itemProps29.xml><?xml version="1.0" encoding="utf-8"?>
-<ds:datastoreItem xmlns:ds="http://schemas.openxmlformats.org/officeDocument/2006/customXml" ds:itemID="{40746530-DDF2-4991-9C3E-4E8481CBC22A}">
+<ds:datastoreItem xmlns:ds="http://schemas.openxmlformats.org/officeDocument/2006/customXml" ds:itemID="{82DB428A-B8F8-483F-8276-095629A8ECDB}">
   <ds:schemaRefs>
-    <ds:schemaRef ds:uri="http://schemas.microsoft.com/office/2006/metadata/properties"/>
-    <ds:schemaRef ds:uri="http://schemas.microsoft.com/office/infopath/2007/PartnerControls"/>
-    <ds:schemaRef ds:uri="83cd2334-221a-48c3-9034-bfd1542dfe28"/>
+    <ds:schemaRef ds:uri="http://schemas.microsoft.com/VisualStudio/2011/storyboarding/control"/>
   </ds:schemaRefs>
 </ds:datastoreItem>
 </file>
 
 <file path=customXml/itemProps3.xml><?xml version="1.0" encoding="utf-8"?>
+<ds:datastoreItem xmlns:ds="http://schemas.openxmlformats.org/officeDocument/2006/customXml" ds:itemID="{376216F9-AF6B-4844-AE8C-B9F953F916AB}">
+  <ds:schemaRefs>
+    <ds:schemaRef ds:uri="http://schemas.microsoft.com/VisualStudio/2011/storyboarding/control"/>
+  </ds:schemaRefs>
+</ds:datastoreItem>
+</file>
+
+<file path=customXml/itemProps30.xml><?xml version="1.0" encoding="utf-8"?>
+<ds:datastoreItem xmlns:ds="http://schemas.openxmlformats.org/officeDocument/2006/customXml" ds:itemID="{1EF25EC2-965B-4491-9691-6B806C9E3B8B}">
+  <ds:schemaRefs>
+    <ds:schemaRef ds:uri="http://schemas.microsoft.com/sharepoint/v3/contenttype/forms"/>
+  </ds:schemaRefs>
+</ds:datastoreItem>
+</file>
+
+<file path=customXml/itemProps31.xml><?xml version="1.0" encoding="utf-8"?>
+<ds:datastoreItem xmlns:ds="http://schemas.openxmlformats.org/officeDocument/2006/customXml" ds:itemID="{4E8278DB-3CDD-48A7-992E-A7596AD335B9}">
+  <ds:schemaRefs>
+    <ds:schemaRef ds:uri="http://schemas.microsoft.com/VisualStudio/2011/storyboarding/control"/>
+  </ds:schemaRefs>
+</ds:datastoreItem>
+</file>
+
+<file path=customXml/itemProps32.xml><?xml version="1.0" encoding="utf-8"?>
+<ds:datastoreItem xmlns:ds="http://schemas.openxmlformats.org/officeDocument/2006/customXml" ds:itemID="{FE651ABA-5DC1-4ABD-A06E-055AE54B337B}">
+  <ds:schemaRefs>
+    <ds:schemaRef ds:uri="http://schemas.microsoft.com/VisualStudio/2011/storyboarding/control"/>
+  </ds:schemaRefs>
+</ds:datastoreItem>
+</file>
+
+<file path=customXml/itemProps33.xml><?xml version="1.0" encoding="utf-8"?>
 <ds:datastoreItem xmlns:ds="http://schemas.openxmlformats.org/officeDocument/2006/customXml" ds:itemID="{F990F116-B58F-4255-B05B-DA3808E0E5C6}">
   <ds:schemaRefs>
     <ds:schemaRef ds:uri="http://schemas.microsoft.com/office/2006/metadata/properties"/>
@@ -44773,32 +44784,8 @@
 </ds:datastoreItem>
 </file>
 
-<file path=customXml/itemProps30.xml><?xml version="1.0" encoding="utf-8"?>
-<ds:datastoreItem xmlns:ds="http://schemas.openxmlformats.org/officeDocument/2006/customXml" ds:itemID="{D6FEE829-2115-45B4-8110-670FD454542B}">
-  <ds:schemaRefs>
-    <ds:schemaRef ds:uri="http://schemas.microsoft.com/VisualStudio/2011/storyboarding/control"/>
-  </ds:schemaRefs>
-</ds:datastoreItem>
-</file>
-
-<file path=customXml/itemProps31.xml><?xml version="1.0" encoding="utf-8"?>
-<ds:datastoreItem xmlns:ds="http://schemas.openxmlformats.org/officeDocument/2006/customXml" ds:itemID="{67213E6F-7B96-4222-888B-63710B06D885}">
-  <ds:schemaRefs>
-    <ds:schemaRef ds:uri="http://schemas.microsoft.com/VisualStudio/2011/storyboarding/control"/>
-  </ds:schemaRefs>
-</ds:datastoreItem>
-</file>
-
-<file path=customXml/itemProps32.xml><?xml version="1.0" encoding="utf-8"?>
-<ds:datastoreItem xmlns:ds="http://schemas.openxmlformats.org/officeDocument/2006/customXml" ds:itemID="{8893E80D-6D0C-4E0F-AA22-E5615BB87E5B}">
-  <ds:schemaRefs>
-    <ds:schemaRef ds:uri="http://schemas.microsoft.com/VisualStudio/2011/storyboarding/control"/>
-  </ds:schemaRefs>
-</ds:datastoreItem>
-</file>
-
-<file path=customXml/itemProps33.xml><?xml version="1.0" encoding="utf-8"?>
-<ds:datastoreItem xmlns:ds="http://schemas.openxmlformats.org/officeDocument/2006/customXml" ds:itemID="{E692D73E-1478-4790-BEEC-C5C534998F40}">
+<file path=customXml/itemProps34.xml><?xml version="1.0" encoding="utf-8"?>
+<ds:datastoreItem xmlns:ds="http://schemas.openxmlformats.org/officeDocument/2006/customXml" ds:itemID="{B76ED3FE-E88C-4961-A59E-A34F608A3C73}">
   <ds:schemaRefs>
     <ds:schemaRef ds:uri="http://schemas.microsoft.com/office/2006/metadata/properties"/>
     <ds:schemaRef ds:uri="http://schemas.microsoft.com/office/infopath/2007/PartnerControls"/>
@@ -44807,24 +44794,16 @@
 </ds:datastoreItem>
 </file>
 
-<file path=customXml/itemProps34.xml><?xml version="1.0" encoding="utf-8"?>
-<ds:datastoreItem xmlns:ds="http://schemas.openxmlformats.org/officeDocument/2006/customXml" ds:itemID="{4E805D65-1532-4BB0-8F41-8013167C0009}">
+<file path=customXml/itemProps35.xml><?xml version="1.0" encoding="utf-8"?>
+<ds:datastoreItem xmlns:ds="http://schemas.openxmlformats.org/officeDocument/2006/customXml" ds:itemID="{432851C6-BC05-4673-B853-6D08AB80CDC4}">
   <ds:schemaRefs>
     <ds:schemaRef ds:uri="http://schemas.microsoft.com/VisualStudio/2011/storyboarding/control"/>
   </ds:schemaRefs>
 </ds:datastoreItem>
 </file>
 
-<file path=customXml/itemProps35.xml><?xml version="1.0" encoding="utf-8"?>
-<ds:datastoreItem xmlns:ds="http://schemas.openxmlformats.org/officeDocument/2006/customXml" ds:itemID="{5356B21E-62AB-45D9-B99D-177E6D959AE1}">
-  <ds:schemaRefs>
-    <ds:schemaRef ds:uri="http://schemas.microsoft.com/sharepoint/v3/contenttype/forms"/>
-  </ds:schemaRefs>
-</ds:datastoreItem>
-</file>
-
 <file path=customXml/itemProps36.xml><?xml version="1.0" encoding="utf-8"?>
-<ds:datastoreItem xmlns:ds="http://schemas.openxmlformats.org/officeDocument/2006/customXml" ds:itemID="{42D603BF-B513-4201-A599-21BA0F4FFC40}">
+<ds:datastoreItem xmlns:ds="http://schemas.openxmlformats.org/officeDocument/2006/customXml" ds:itemID="{6FB9D450-4C47-4A44-8C0D-C78D8A54C46F}">
   <ds:schemaRefs>
     <ds:schemaRef ds:uri="http://schemas.microsoft.com/VisualStudio/2011/storyboarding/control"/>
   </ds:schemaRefs>
@@ -44832,9 +44811,11 @@
 </file>
 
 <file path=customXml/itemProps37.xml><?xml version="1.0" encoding="utf-8"?>
-<ds:datastoreItem xmlns:ds="http://schemas.openxmlformats.org/officeDocument/2006/customXml" ds:itemID="{C0F92A87-A216-45A9-B9C0-0515663D35BF}">
+<ds:datastoreItem xmlns:ds="http://schemas.openxmlformats.org/officeDocument/2006/customXml" ds:itemID="{E692D73E-1478-4790-BEEC-C5C534998F40}">
   <ds:schemaRefs>
-    <ds:schemaRef ds:uri="http://schemas.microsoft.com/VisualStudio/2011/storyboarding/control"/>
+    <ds:schemaRef ds:uri="http://schemas.microsoft.com/office/2006/metadata/properties"/>
+    <ds:schemaRef ds:uri="http://schemas.microsoft.com/office/infopath/2007/PartnerControls"/>
+    <ds:schemaRef ds:uri="83cd2334-221a-48c3-9034-bfd1542dfe28"/>
   </ds:schemaRefs>
 </ds:datastoreItem>
 </file>
@@ -44848,6 +44829,50 @@
 </file>
 
 <file path=customXml/itemProps39.xml><?xml version="1.0" encoding="utf-8"?>
+<ds:datastoreItem xmlns:ds="http://schemas.openxmlformats.org/officeDocument/2006/customXml" ds:itemID="{857A7473-18B7-454F-9A7C-6410FE8392A5}">
+  <ds:schemaRefs>
+    <ds:schemaRef ds:uri="http://schemas.microsoft.com/office/2006/metadata/properties"/>
+    <ds:schemaRef ds:uri="http://schemas.microsoft.com/office/infopath/2007/PartnerControls"/>
+    <ds:schemaRef ds:uri="83cd2334-221a-48c3-9034-bfd1542dfe28"/>
+  </ds:schemaRefs>
+</ds:datastoreItem>
+</file>
+
+<file path=customXml/itemProps4.xml><?xml version="1.0" encoding="utf-8"?>
+<ds:datastoreItem xmlns:ds="http://schemas.openxmlformats.org/officeDocument/2006/customXml" ds:itemID="{40746530-DDF2-4991-9C3E-4E8481CBC22A}">
+  <ds:schemaRefs>
+    <ds:schemaRef ds:uri="http://schemas.microsoft.com/office/2006/metadata/properties"/>
+    <ds:schemaRef ds:uri="http://schemas.microsoft.com/office/infopath/2007/PartnerControls"/>
+    <ds:schemaRef ds:uri="83cd2334-221a-48c3-9034-bfd1542dfe28"/>
+  </ds:schemaRefs>
+</ds:datastoreItem>
+</file>
+
+<file path=customXml/itemProps40.xml><?xml version="1.0" encoding="utf-8"?>
+<ds:datastoreItem xmlns:ds="http://schemas.openxmlformats.org/officeDocument/2006/customXml" ds:itemID="{21F6B647-976A-41D0-B760-9DF9DFC6AE3C}">
+  <ds:schemaRefs>
+    <ds:schemaRef ds:uri="http://schemas.microsoft.com/VisualStudio/2011/storyboarding/control"/>
+  </ds:schemaRefs>
+</ds:datastoreItem>
+</file>
+
+<file path=customXml/itemProps41.xml><?xml version="1.0" encoding="utf-8"?>
+<ds:datastoreItem xmlns:ds="http://schemas.openxmlformats.org/officeDocument/2006/customXml" ds:itemID="{D4B5F268-5930-44CD-BDF1-D0A04D4BBC1C}">
+  <ds:schemaRefs>
+    <ds:schemaRef ds:uri="http://schemas.microsoft.com/VisualStudio/2011/storyboarding/control"/>
+  </ds:schemaRefs>
+</ds:datastoreItem>
+</file>
+
+<file path=customXml/itemProps42.xml><?xml version="1.0" encoding="utf-8"?>
+<ds:datastoreItem xmlns:ds="http://schemas.openxmlformats.org/officeDocument/2006/customXml" ds:itemID="{8257D6BC-B71E-4D95-81E4-A1D4A8174168}">
+  <ds:schemaRefs>
+    <ds:schemaRef ds:uri="http://schemas.microsoft.com/VisualStudio/2011/storyboarding/control"/>
+  </ds:schemaRefs>
+</ds:datastoreItem>
+</file>
+
+<file path=customXml/itemProps43.xml><?xml version="1.0" encoding="utf-8"?>
 <ds:datastoreItem xmlns:ds="http://schemas.openxmlformats.org/officeDocument/2006/customXml" ds:itemID="{4B608A51-347D-40FD-BFCF-C0BBBB6DE38F}">
   <ds:schemaRefs>
     <ds:schemaRef ds:uri="http://schemas.microsoft.com/sharepoint/v3/contenttype/forms"/>
@@ -44855,68 +44880,28 @@
 </ds:datastoreItem>
 </file>
 
-<file path=customXml/itemProps4.xml><?xml version="1.0" encoding="utf-8"?>
-<ds:datastoreItem xmlns:ds="http://schemas.openxmlformats.org/officeDocument/2006/customXml" ds:itemID="{1EF25EC2-965B-4491-9691-6B806C9E3B8B}">
+<file path=customXml/itemProps44.xml><?xml version="1.0" encoding="utf-8"?>
+<ds:datastoreItem xmlns:ds="http://schemas.openxmlformats.org/officeDocument/2006/customXml" ds:itemID="{18966F1F-DC2A-460D-B918-D3DF54AC7FCE}">
   <ds:schemaRefs>
-    <ds:schemaRef ds:uri="http://schemas.microsoft.com/sharepoint/v3/contenttype/forms"/>
+    <ds:schemaRef ds:uri="http://schemas.microsoft.com/office/2006/metadata/properties"/>
+    <ds:schemaRef ds:uri="http://schemas.microsoft.com/office/infopath/2007/PartnerControls"/>
+    <ds:schemaRef ds:uri="83cd2334-221a-48c3-9034-bfd1542dfe28"/>
   </ds:schemaRefs>
 </ds:datastoreItem>
 </file>
 
-<file path=customXml/itemProps40.xml><?xml version="1.0" encoding="utf-8"?>
-<ds:datastoreItem xmlns:ds="http://schemas.openxmlformats.org/officeDocument/2006/customXml" ds:itemID="{3C954CC5-1CAC-4EC3-9791-8630483065B9}">
+<file path=customXml/itemProps45.xml><?xml version="1.0" encoding="utf-8"?>
+<ds:datastoreItem xmlns:ds="http://schemas.openxmlformats.org/officeDocument/2006/customXml" ds:itemID="{4E805D65-1532-4BB0-8F41-8013167C0009}">
   <ds:schemaRefs>
     <ds:schemaRef ds:uri="http://schemas.microsoft.com/VisualStudio/2011/storyboarding/control"/>
   </ds:schemaRefs>
 </ds:datastoreItem>
 </file>
 
-<file path=customXml/itemProps41.xml><?xml version="1.0" encoding="utf-8"?>
-<ds:datastoreItem xmlns:ds="http://schemas.openxmlformats.org/officeDocument/2006/customXml" ds:itemID="{9360AFB9-8F99-4E1B-878D-F2EBABEB164C}">
-  <ds:schemaRefs>
-    <ds:schemaRef ds:uri="http://schemas.microsoft.com/sharepoint/v3/contenttype/forms"/>
-  </ds:schemaRefs>
-</ds:datastoreItem>
-</file>
-
-<file path=customXml/itemProps42.xml><?xml version="1.0" encoding="utf-8"?>
+<file path=customXml/itemProps46.xml><?xml version="1.0" encoding="utf-8"?>
 <ds:datastoreItem xmlns:ds="http://schemas.openxmlformats.org/officeDocument/2006/customXml" ds:itemID="{7959CC6A-F423-4783-B968-3BCC86A7394E}">
   <ds:schemaRefs>
     <ds:schemaRef ds:uri="http://schemas.microsoft.com/VisualStudio/2011/storyboarding/control"/>
-  </ds:schemaRefs>
-</ds:datastoreItem>
-</file>
-
-<file path=customXml/itemProps43.xml><?xml version="1.0" encoding="utf-8"?>
-<ds:datastoreItem xmlns:ds="http://schemas.openxmlformats.org/officeDocument/2006/customXml" ds:itemID="{82DB428A-B8F8-483F-8276-095629A8ECDB}">
-  <ds:schemaRefs>
-    <ds:schemaRef ds:uri="http://schemas.microsoft.com/VisualStudio/2011/storyboarding/control"/>
-  </ds:schemaRefs>
-</ds:datastoreItem>
-</file>
-
-<file path=customXml/itemProps44.xml><?xml version="1.0" encoding="utf-8"?>
-<ds:datastoreItem xmlns:ds="http://schemas.openxmlformats.org/officeDocument/2006/customXml" ds:itemID="{F68D8396-E21C-4AFF-8FDD-70D00673D0EE}">
-  <ds:schemaRefs>
-    <ds:schemaRef ds:uri="http://schemas.microsoft.com/VisualStudio/2011/storyboarding/control"/>
-  </ds:schemaRefs>
-</ds:datastoreItem>
-</file>
-
-<file path=customXml/itemProps45.xml><?xml version="1.0" encoding="utf-8"?>
-<ds:datastoreItem xmlns:ds="http://schemas.openxmlformats.org/officeDocument/2006/customXml" ds:itemID="{EFC12748-212C-48FE-A5F8-D78A8D21E838}">
-  <ds:schemaRefs>
-    <ds:schemaRef ds:uri="http://schemas.microsoft.com/sharepoint/v3/contenttype/forms"/>
-  </ds:schemaRefs>
-</ds:datastoreItem>
-</file>
-
-<file path=customXml/itemProps46.xml><?xml version="1.0" encoding="utf-8"?>
-<ds:datastoreItem xmlns:ds="http://schemas.openxmlformats.org/officeDocument/2006/customXml" ds:itemID="{857A7473-18B7-454F-9A7C-6410FE8392A5}">
-  <ds:schemaRefs>
-    <ds:schemaRef ds:uri="http://schemas.microsoft.com/office/2006/metadata/properties"/>
-    <ds:schemaRef ds:uri="http://schemas.microsoft.com/office/infopath/2007/PartnerControls"/>
-    <ds:schemaRef ds:uri="83cd2334-221a-48c3-9034-bfd1542dfe28"/>
   </ds:schemaRefs>
 </ds:datastoreItem>
 </file>
@@ -44930,7 +44915,23 @@
 </file>
 
 <file path=customXml/itemProps5.xml><?xml version="1.0" encoding="utf-8"?>
-<ds:datastoreItem xmlns:ds="http://schemas.openxmlformats.org/officeDocument/2006/customXml" ds:itemID="{2913841C-A564-4F3E-8A3C-33213285300D}">
+<ds:datastoreItem xmlns:ds="http://schemas.openxmlformats.org/officeDocument/2006/customXml" ds:itemID="{758FDAC0-319D-4A54-8D8E-1D42CB1F8004}">
+  <ds:schemaRefs>
+    <ds:schemaRef ds:uri="http://schemas.microsoft.com/sharepoint/v3/contenttype/forms"/>
+  </ds:schemaRefs>
+</ds:datastoreItem>
+</file>
+
+<file path=customXml/itemProps6.xml><?xml version="1.0" encoding="utf-8"?>
+<ds:datastoreItem xmlns:ds="http://schemas.openxmlformats.org/officeDocument/2006/customXml" ds:itemID="{9360AFB9-8F99-4E1B-878D-F2EBABEB164C}">
+  <ds:schemaRefs>
+    <ds:schemaRef ds:uri="http://schemas.microsoft.com/sharepoint/v3/contenttype/forms"/>
+  </ds:schemaRefs>
+</ds:datastoreItem>
+</file>
+
+<file path=customXml/itemProps7.xml><?xml version="1.0" encoding="utf-8"?>
+<ds:datastoreItem xmlns:ds="http://schemas.openxmlformats.org/officeDocument/2006/customXml" ds:itemID="{473A6A21-7521-4B81-9336-9B587BA12275}">
   <ds:schemaRefs>
     <ds:schemaRef ds:uri="http://schemas.microsoft.com/office/2006/metadata/properties"/>
     <ds:schemaRef ds:uri="http://schemas.microsoft.com/office/infopath/2007/PartnerControls"/>
@@ -44939,24 +44940,8 @@
 </ds:datastoreItem>
 </file>
 
-<file path=customXml/itemProps6.xml><?xml version="1.0" encoding="utf-8"?>
-<ds:datastoreItem xmlns:ds="http://schemas.openxmlformats.org/officeDocument/2006/customXml" ds:itemID="{ED350DFE-2319-4AB0-BC96-1D36D125365A}">
-  <ds:schemaRefs>
-    <ds:schemaRef ds:uri="http://schemas.microsoft.com/VisualStudio/2011/storyboarding/control"/>
-  </ds:schemaRefs>
-</ds:datastoreItem>
-</file>
-
-<file path=customXml/itemProps7.xml><?xml version="1.0" encoding="utf-8"?>
-<ds:datastoreItem xmlns:ds="http://schemas.openxmlformats.org/officeDocument/2006/customXml" ds:itemID="{4C1B3C27-4803-4D72-A3F8-6668A3F0A24B}">
-  <ds:schemaRefs>
-    <ds:schemaRef ds:uri="http://schemas.microsoft.com/VisualStudio/2011/storyboarding/control"/>
-  </ds:schemaRefs>
-</ds:datastoreItem>
-</file>
-
 <file path=customXml/itemProps8.xml><?xml version="1.0" encoding="utf-8"?>
-<ds:datastoreItem xmlns:ds="http://schemas.openxmlformats.org/officeDocument/2006/customXml" ds:itemID="{FE651ABA-5DC1-4ABD-A06E-055AE54B337B}">
+<ds:datastoreItem xmlns:ds="http://schemas.openxmlformats.org/officeDocument/2006/customXml" ds:itemID="{38217AA1-CC95-49A9-B284-2ED4D347D7CA}">
   <ds:schemaRefs>
     <ds:schemaRef ds:uri="http://schemas.microsoft.com/VisualStudio/2011/storyboarding/control"/>
   </ds:schemaRefs>
@@ -44964,7 +44949,7 @@
 </file>
 
 <file path=customXml/itemProps9.xml><?xml version="1.0" encoding="utf-8"?>
-<ds:datastoreItem xmlns:ds="http://schemas.openxmlformats.org/officeDocument/2006/customXml" ds:itemID="{4E8278DB-3CDD-48A7-992E-A7596AD335B9}">
+<ds:datastoreItem xmlns:ds="http://schemas.openxmlformats.org/officeDocument/2006/customXml" ds:itemID="{8893E80D-6D0C-4E0F-AA22-E5615BB87E5B}">
   <ds:schemaRefs>
     <ds:schemaRef ds:uri="http://schemas.microsoft.com/VisualStudio/2011/storyboarding/control"/>
   </ds:schemaRefs>
